--- a/DDB-Groep3-Presentatie.pptx
+++ b/DDB-Groep3-Presentatie.pptx
@@ -5,10 +5,10 @@
     <p:sldMasterId id="2147483744" r:id="rId4"/>
   </p:sldMasterIdLst>
   <p:notesMasterIdLst>
-    <p:notesMasterId r:id="rId16"/>
+    <p:notesMasterId r:id="rId13"/>
   </p:notesMasterIdLst>
   <p:handoutMasterIdLst>
-    <p:handoutMasterId r:id="rId17"/>
+    <p:handoutMasterId r:id="rId14"/>
   </p:handoutMasterIdLst>
   <p:sldIdLst>
     <p:sldId id="256" r:id="rId5"/>
@@ -18,10 +18,7 @@
     <p:sldId id="277" r:id="rId9"/>
     <p:sldId id="276" r:id="rId10"/>
     <p:sldId id="280" r:id="rId11"/>
-    <p:sldId id="279" r:id="rId12"/>
-    <p:sldId id="278" r:id="rId13"/>
-    <p:sldId id="264" r:id="rId14"/>
-    <p:sldId id="274" r:id="rId15"/>
+    <p:sldId id="274" r:id="rId12"/>
   </p:sldIdLst>
   <p:sldSz cx="12192000" cy="6858000"/>
   <p:notesSz cx="6858000" cy="9144000"/>
@@ -145,6 +142,7 @@
 <file path=ppt/revisionInfo.xml><?xml version="1.0" encoding="utf-8"?>
 <p1510:revInfo xmlns:a="http://schemas.openxmlformats.org/drawingml/2006/main" xmlns:r="http://schemas.openxmlformats.org/officeDocument/2006/relationships" xmlns:p1510="http://schemas.microsoft.com/office/powerpoint/2015/10/main">
   <p1510:revLst>
+    <p1510:client id="{6D1AAD9B-CF8B-A064-4953-632CE9225ADF}" v="157" dt="2020-11-05T17:27:37.221"/>
     <p1510:client id="{8D537CBC-4F92-0E27-97D0-F8723FAD10E0}" v="511" dt="2020-11-05T17:09:11.968"/>
     <p1510:client id="{B5984334-EFE6-2099-8CCC-A7D13EA2A900}" v="88" dt="2020-11-05T16:46:28.443"/>
     <p1510:client id="{D68253DE-E35C-4A7C-9BB4-1FB516CEA99E}" v="514" dt="2020-11-05T16:37:56.013"/>
@@ -522,6 +520,97 @@
           <pc:docMk/>
           <pc:sldMk cId="116744118" sldId="277"/>
         </pc:sldMkLst>
+      </pc:sldChg>
+    </pc:docChg>
+  </pc:docChgLst>
+  <pc:docChgLst>
+    <pc:chgData name="Ruben van Raaij" userId="S::ruben.vanraaij@student.hu.nl::193fb613-c5b7-4488-b6b2-11dc4097b762" providerId="AD" clId="Web-{6D1AAD9B-CF8B-A064-4953-632CE9225ADF}"/>
+    <pc:docChg chg="delSld modSld">
+      <pc:chgData name="Ruben van Raaij" userId="S::ruben.vanraaij@student.hu.nl::193fb613-c5b7-4488-b6b2-11dc4097b762" providerId="AD" clId="Web-{6D1AAD9B-CF8B-A064-4953-632CE9225ADF}" dt="2020-11-05T17:27:37.221" v="152"/>
+      <pc:docMkLst>
+        <pc:docMk/>
+      </pc:docMkLst>
+      <pc:sldChg chg="modSp">
+        <pc:chgData name="Ruben van Raaij" userId="S::ruben.vanraaij@student.hu.nl::193fb613-c5b7-4488-b6b2-11dc4097b762" providerId="AD" clId="Web-{6D1AAD9B-CF8B-A064-4953-632CE9225ADF}" dt="2020-11-05T17:24:37.922" v="19" actId="20577"/>
+        <pc:sldMkLst>
+          <pc:docMk/>
+          <pc:sldMk cId="3417721485" sldId="256"/>
+        </pc:sldMkLst>
+        <pc:spChg chg="mod">
+          <ac:chgData name="Ruben van Raaij" userId="S::ruben.vanraaij@student.hu.nl::193fb613-c5b7-4488-b6b2-11dc4097b762" providerId="AD" clId="Web-{6D1AAD9B-CF8B-A064-4953-632CE9225ADF}" dt="2020-11-05T17:24:37.922" v="19" actId="20577"/>
+          <ac:spMkLst>
+            <pc:docMk/>
+            <pc:sldMk cId="3417721485" sldId="256"/>
+            <ac:spMk id="3" creationId="{AE584786-6548-4BB4-95FD-977AD1F362C6}"/>
+          </ac:spMkLst>
+        </pc:spChg>
+      </pc:sldChg>
+      <pc:sldChg chg="del">
+        <pc:chgData name="Ruben van Raaij" userId="S::ruben.vanraaij@student.hu.nl::193fb613-c5b7-4488-b6b2-11dc4097b762" providerId="AD" clId="Web-{6D1AAD9B-CF8B-A064-4953-632CE9225ADF}" dt="2020-11-05T17:27:06.064" v="109"/>
+        <pc:sldMkLst>
+          <pc:docMk/>
+          <pc:sldMk cId="1974828406" sldId="264"/>
+        </pc:sldMkLst>
+      </pc:sldChg>
+      <pc:sldChg chg="modSp">
+        <pc:chgData name="Ruben van Raaij" userId="S::ruben.vanraaij@student.hu.nl::193fb613-c5b7-4488-b6b2-11dc4097b762" providerId="AD" clId="Web-{6D1AAD9B-CF8B-A064-4953-632CE9225ADF}" dt="2020-11-05T17:27:34.471" v="150" actId="20577"/>
+        <pc:sldMkLst>
+          <pc:docMk/>
+          <pc:sldMk cId="2939930866" sldId="274"/>
+        </pc:sldMkLst>
+        <pc:spChg chg="mod">
+          <ac:chgData name="Ruben van Raaij" userId="S::ruben.vanraaij@student.hu.nl::193fb613-c5b7-4488-b6b2-11dc4097b762" providerId="AD" clId="Web-{6D1AAD9B-CF8B-A064-4953-632CE9225ADF}" dt="2020-11-05T17:27:34.471" v="150" actId="20577"/>
+          <ac:spMkLst>
+            <pc:docMk/>
+            <pc:sldMk cId="2939930866" sldId="274"/>
+            <ac:spMk id="3" creationId="{4B64FA72-B055-4AE3-A6FD-8071BD687CBE}"/>
+          </ac:spMkLst>
+        </pc:spChg>
+      </pc:sldChg>
+      <pc:sldChg chg="del">
+        <pc:chgData name="Ruben van Raaij" userId="S::ruben.vanraaij@student.hu.nl::193fb613-c5b7-4488-b6b2-11dc4097b762" providerId="AD" clId="Web-{6D1AAD9B-CF8B-A064-4953-632CE9225ADF}" dt="2020-11-05T17:27:13.627" v="113"/>
+        <pc:sldMkLst>
+          <pc:docMk/>
+          <pc:sldMk cId="2634593982" sldId="278"/>
+        </pc:sldMkLst>
+      </pc:sldChg>
+      <pc:sldChg chg="del">
+        <pc:chgData name="Ruben van Raaij" userId="S::ruben.vanraaij@student.hu.nl::193fb613-c5b7-4488-b6b2-11dc4097b762" providerId="AD" clId="Web-{6D1AAD9B-CF8B-A064-4953-632CE9225ADF}" dt="2020-11-05T17:27:37.221" v="152"/>
+        <pc:sldMkLst>
+          <pc:docMk/>
+          <pc:sldMk cId="2140616960" sldId="279"/>
+        </pc:sldMkLst>
+      </pc:sldChg>
+      <pc:sldChg chg="addSp delSp modSp mod setBg">
+        <pc:chgData name="Ruben van Raaij" userId="S::ruben.vanraaij@student.hu.nl::193fb613-c5b7-4488-b6b2-11dc4097b762" providerId="AD" clId="Web-{6D1AAD9B-CF8B-A064-4953-632CE9225ADF}" dt="2020-11-05T17:26:55.127" v="108"/>
+        <pc:sldMkLst>
+          <pc:docMk/>
+          <pc:sldMk cId="641116002" sldId="280"/>
+        </pc:sldMkLst>
+        <pc:spChg chg="mod">
+          <ac:chgData name="Ruben van Raaij" userId="S::ruben.vanraaij@student.hu.nl::193fb613-c5b7-4488-b6b2-11dc4097b762" providerId="AD" clId="Web-{6D1AAD9B-CF8B-A064-4953-632CE9225ADF}" dt="2020-11-05T17:26:21.236" v="107"/>
+          <ac:spMkLst>
+            <pc:docMk/>
+            <pc:sldMk cId="641116002" sldId="280"/>
+            <ac:spMk id="2" creationId="{8AFF3C31-D384-4076-8A4F-B34AB8FDAE05}"/>
+          </ac:spMkLst>
+        </pc:spChg>
+        <pc:spChg chg="del mod">
+          <ac:chgData name="Ruben van Raaij" userId="S::ruben.vanraaij@student.hu.nl::193fb613-c5b7-4488-b6b2-11dc4097b762" providerId="AD" clId="Web-{6D1AAD9B-CF8B-A064-4953-632CE9225ADF}" dt="2020-11-05T17:26:21.236" v="107"/>
+          <ac:spMkLst>
+            <pc:docMk/>
+            <pc:sldMk cId="641116002" sldId="280"/>
+            <ac:spMk id="3" creationId="{23D7A941-4899-4DEE-88FC-1529604400FF}"/>
+          </ac:spMkLst>
+        </pc:spChg>
+        <pc:graphicFrameChg chg="add mod modGraphic">
+          <ac:chgData name="Ruben van Raaij" userId="S::ruben.vanraaij@student.hu.nl::193fb613-c5b7-4488-b6b2-11dc4097b762" providerId="AD" clId="Web-{6D1AAD9B-CF8B-A064-4953-632CE9225ADF}" dt="2020-11-05T17:26:55.127" v="108"/>
+          <ac:graphicFrameMkLst>
+            <pc:docMk/>
+            <pc:sldMk cId="641116002" sldId="280"/>
+            <ac:graphicFrameMk id="5" creationId="{6AA93709-A537-4AD4-9A3A-4831B1D85CC7}"/>
+          </ac:graphicFrameMkLst>
+        </pc:graphicFrameChg>
       </pc:sldChg>
     </pc:docChg>
   </pc:docChgLst>
@@ -1311,11 +1400,11 @@
 </file>
 
 <file path=ppt/diagrams/colors2.xml><?xml version="1.0" encoding="utf-8"?>
-<dgm:colorsDef xmlns:dgm="http://schemas.openxmlformats.org/drawingml/2006/diagram" xmlns:a="http://schemas.openxmlformats.org/drawingml/2006/main" uniqueId="urn:microsoft.com/office/officeart/2005/8/colors/accent1_2">
+<dgm:colorsDef xmlns:dgm="http://schemas.openxmlformats.org/drawingml/2006/diagram" xmlns:a="http://schemas.openxmlformats.org/drawingml/2006/main" uniqueId="urn:microsoft.com/office/officeart/2018/5/colors/Iconchunking_neutralicon_colorful1">
   <dgm:title val=""/>
   <dgm:desc val=""/>
   <dgm:catLst>
-    <dgm:cat type="accent1" pri="11200"/>
+    <dgm:cat type="colorful" pri="10100"/>
   </dgm:catLst>
   <dgm:styleLbl name="node0">
     <dgm:fillClrLst meth="repeat">
@@ -1329,24 +1418,36 @@
     <dgm:txFillClrLst/>
     <dgm:txEffectClrLst/>
   </dgm:styleLbl>
-  <dgm:styleLbl name="alignNode1">
+  <dgm:styleLbl name="node1">
     <dgm:fillClrLst meth="repeat">
-      <a:schemeClr val="accent1"/>
+      <a:schemeClr val="bg1"/>
     </dgm:fillClrLst>
     <dgm:linClrLst meth="repeat">
-      <a:schemeClr val="accent1"/>
+      <a:schemeClr val="lt1">
+        <a:alpha val="0"/>
+      </a:schemeClr>
     </dgm:linClrLst>
     <dgm:effectClrLst/>
     <dgm:txLinClrLst/>
-    <dgm:txFillClrLst/>
+    <dgm:txFillClrLst meth="repeat">
+      <a:schemeClr val="dk1"/>
+    </dgm:txFillClrLst>
     <dgm:txEffectClrLst/>
   </dgm:styleLbl>
-  <dgm:styleLbl name="node1">
+  <dgm:styleLbl name="alignNode1">
     <dgm:fillClrLst meth="repeat">
-      <a:schemeClr val="accent1"/>
+      <a:schemeClr val="accent2"/>
+      <a:schemeClr val="accent3"/>
+      <a:schemeClr val="accent4"/>
+      <a:schemeClr val="accent5"/>
+      <a:schemeClr val="accent6"/>
     </dgm:fillClrLst>
     <dgm:linClrLst meth="repeat">
-      <a:schemeClr val="lt1"/>
+      <a:schemeClr val="accent2"/>
+      <a:schemeClr val="accent3"/>
+      <a:schemeClr val="accent4"/>
+      <a:schemeClr val="accent5"/>
+      <a:schemeClr val="accent6"/>
     </dgm:linClrLst>
     <dgm:effectClrLst/>
     <dgm:txLinClrLst/>
@@ -1355,7 +1456,11 @@
   </dgm:styleLbl>
   <dgm:styleLbl name="lnNode1">
     <dgm:fillClrLst meth="repeat">
-      <a:schemeClr val="accent1"/>
+      <a:schemeClr val="accent2"/>
+      <a:schemeClr val="accent3"/>
+      <a:schemeClr val="accent4"/>
+      <a:schemeClr val="accent5"/>
+      <a:schemeClr val="accent6"/>
     </dgm:fillClrLst>
     <dgm:linClrLst meth="repeat">
       <a:schemeClr val="lt1"/>
@@ -1367,7 +1472,19 @@
   </dgm:styleLbl>
   <dgm:styleLbl name="vennNode1">
     <dgm:fillClrLst meth="repeat">
-      <a:schemeClr val="accent1">
+      <a:schemeClr val="accent2">
+        <a:alpha val="50000"/>
+      </a:schemeClr>
+      <a:schemeClr val="accent3">
+        <a:alpha val="50000"/>
+      </a:schemeClr>
+      <a:schemeClr val="accent4">
+        <a:alpha val="50000"/>
+      </a:schemeClr>
+      <a:schemeClr val="accent5">
+        <a:alpha val="50000"/>
+      </a:schemeClr>
+      <a:schemeClr val="accent6">
         <a:alpha val="50000"/>
       </a:schemeClr>
     </dgm:fillClrLst>
@@ -1380,8 +1497,8 @@
     <dgm:txEffectClrLst/>
   </dgm:styleLbl>
   <dgm:styleLbl name="node2">
-    <dgm:fillClrLst meth="repeat">
-      <a:schemeClr val="accent1"/>
+    <dgm:fillClrLst>
+      <a:schemeClr val="accent2"/>
     </dgm:fillClrLst>
     <dgm:linClrLst meth="repeat">
       <a:schemeClr val="lt1"/>
@@ -1392,8 +1509,8 @@
     <dgm:txEffectClrLst/>
   </dgm:styleLbl>
   <dgm:styleLbl name="node3">
-    <dgm:fillClrLst meth="repeat">
-      <a:schemeClr val="accent1"/>
+    <dgm:fillClrLst>
+      <a:schemeClr val="accent3"/>
     </dgm:fillClrLst>
     <dgm:linClrLst meth="repeat">
       <a:schemeClr val="lt1"/>
@@ -1404,8 +1521,8 @@
     <dgm:txEffectClrLst/>
   </dgm:styleLbl>
   <dgm:styleLbl name="node4">
-    <dgm:fillClrLst meth="repeat">
-      <a:schemeClr val="accent1"/>
+    <dgm:fillClrLst>
+      <a:schemeClr val="accent4"/>
     </dgm:fillClrLst>
     <dgm:linClrLst meth="repeat">
       <a:schemeClr val="lt1"/>
@@ -1417,7 +1534,19 @@
   </dgm:styleLbl>
   <dgm:styleLbl name="fgImgPlace1">
     <dgm:fillClrLst meth="repeat">
-      <a:schemeClr val="accent1">
+      <a:schemeClr val="accent2">
+        <a:tint val="50000"/>
+      </a:schemeClr>
+      <a:schemeClr val="accent3">
+        <a:tint val="50000"/>
+      </a:schemeClr>
+      <a:schemeClr val="accent4">
+        <a:tint val="50000"/>
+      </a:schemeClr>
+      <a:schemeClr val="accent5">
+        <a:tint val="50000"/>
+      </a:schemeClr>
+      <a:schemeClr val="accent6">
         <a:tint val="50000"/>
       </a:schemeClr>
     </dgm:fillClrLst>
@@ -1432,9 +1561,12 @@
     <dgm:txEffectClrLst/>
   </dgm:styleLbl>
   <dgm:styleLbl name="alignImgPlace1">
-    <dgm:fillClrLst meth="repeat">
+    <dgm:fillClrLst>
       <a:schemeClr val="accent1">
         <a:tint val="50000"/>
+      </a:schemeClr>
+      <a:schemeClr val="accent2">
+        <a:tint val="20000"/>
       </a:schemeClr>
     </dgm:fillClrLst>
     <dgm:linClrLst meth="repeat">
@@ -1448,9 +1580,12 @@
     <dgm:txEffectClrLst/>
   </dgm:styleLbl>
   <dgm:styleLbl name="bgImgPlace1">
-    <dgm:fillClrLst meth="repeat">
+    <dgm:fillClrLst>
       <a:schemeClr val="accent1">
         <a:tint val="50000"/>
+      </a:schemeClr>
+      <a:schemeClr val="accent2">
+        <a:tint val="20000"/>
       </a:schemeClr>
     </dgm:fillClrLst>
     <dgm:linClrLst meth="repeat">
@@ -1465,14 +1600,14 @@
   </dgm:styleLbl>
   <dgm:styleLbl name="sibTrans2D1">
     <dgm:fillClrLst meth="repeat">
-      <a:schemeClr val="accent1">
-        <a:tint val="60000"/>
-      </a:schemeClr>
+      <a:schemeClr val="accent2"/>
+      <a:schemeClr val="accent3"/>
+      <a:schemeClr val="accent4"/>
+      <a:schemeClr val="accent5"/>
+      <a:schemeClr val="accent6"/>
     </dgm:fillClrLst>
-    <dgm:linClrLst meth="repeat">
-      <a:schemeClr val="accent1">
-        <a:tint val="60000"/>
-      </a:schemeClr>
+    <dgm:linClrLst meth="cycle">
+      <a:schemeClr val="lt1"/>
     </dgm:linClrLst>
     <dgm:effectClrLst/>
     <dgm:txLinClrLst/>
@@ -1481,42 +1616,54 @@
   </dgm:styleLbl>
   <dgm:styleLbl name="fgSibTrans2D1">
     <dgm:fillClrLst meth="repeat">
-      <a:schemeClr val="accent1">
-        <a:tint val="60000"/>
-      </a:schemeClr>
+      <a:schemeClr val="accent2"/>
+      <a:schemeClr val="accent3"/>
+      <a:schemeClr val="accent4"/>
+      <a:schemeClr val="accent5"/>
+      <a:schemeClr val="accent6"/>
     </dgm:fillClrLst>
-    <dgm:linClrLst meth="repeat">
-      <a:schemeClr val="accent1">
-        <a:tint val="60000"/>
-      </a:schemeClr>
+    <dgm:linClrLst meth="cycle">
+      <a:schemeClr val="lt1"/>
     </dgm:linClrLst>
     <dgm:effectClrLst/>
     <dgm:txLinClrLst/>
-    <dgm:txFillClrLst/>
+    <dgm:txFillClrLst meth="repeat">
+      <a:schemeClr val="lt1"/>
+    </dgm:txFillClrLst>
     <dgm:txEffectClrLst/>
   </dgm:styleLbl>
   <dgm:styleLbl name="bgSibTrans2D1">
     <dgm:fillClrLst meth="repeat">
-      <a:schemeClr val="accent1">
-        <a:tint val="60000"/>
-      </a:schemeClr>
+      <a:schemeClr val="accent2"/>
+      <a:schemeClr val="accent3"/>
+      <a:schemeClr val="accent4"/>
+      <a:schemeClr val="accent5"/>
+      <a:schemeClr val="accent6"/>
     </dgm:fillClrLst>
-    <dgm:linClrLst meth="repeat">
-      <a:schemeClr val="accent1">
-        <a:tint val="60000"/>
-      </a:schemeClr>
+    <dgm:linClrLst meth="cycle">
+      <a:schemeClr val="lt1"/>
     </dgm:linClrLst>
     <dgm:effectClrLst/>
     <dgm:txLinClrLst/>
-    <dgm:txFillClrLst/>
+    <dgm:txFillClrLst meth="repeat">
+      <a:schemeClr val="lt1"/>
+    </dgm:txFillClrLst>
     <dgm:txEffectClrLst/>
   </dgm:styleLbl>
   <dgm:styleLbl name="sibTrans1D1">
     <dgm:fillClrLst meth="repeat">
-      <a:schemeClr val="accent1"/>
+      <a:schemeClr val="accent2"/>
+      <a:schemeClr val="accent3"/>
+      <a:schemeClr val="accent4"/>
+      <a:schemeClr val="accent5"/>
+      <a:schemeClr val="accent6"/>
     </dgm:fillClrLst>
     <dgm:linClrLst meth="repeat">
-      <a:schemeClr val="accent1"/>
+      <a:schemeClr val="accent2"/>
+      <a:schemeClr val="accent3"/>
+      <a:schemeClr val="accent4"/>
+      <a:schemeClr val="accent5"/>
+      <a:schemeClr val="accent6"/>
     </dgm:linClrLst>
     <dgm:effectClrLst/>
     <dgm:txLinClrLst/>
@@ -1527,10 +1674,10 @@
   </dgm:styleLbl>
   <dgm:styleLbl name="callout">
     <dgm:fillClrLst meth="repeat">
-      <a:schemeClr val="accent1"/>
+      <a:schemeClr val="accent2"/>
     </dgm:fillClrLst>
     <dgm:linClrLst meth="repeat">
-      <a:schemeClr val="accent1">
+      <a:schemeClr val="accent2">
         <a:tint val="50000"/>
       </a:schemeClr>
     </dgm:linClrLst>
@@ -1555,7 +1702,7 @@
   </dgm:styleLbl>
   <dgm:styleLbl name="asst1">
     <dgm:fillClrLst meth="repeat">
-      <a:schemeClr val="accent1"/>
+      <a:schemeClr val="accent2"/>
     </dgm:fillClrLst>
     <dgm:linClrLst meth="repeat">
       <a:schemeClr val="lt1"/>
@@ -1566,8 +1713,8 @@
     <dgm:txEffectClrLst/>
   </dgm:styleLbl>
   <dgm:styleLbl name="asst2">
-    <dgm:fillClrLst meth="repeat">
-      <a:schemeClr val="accent1"/>
+    <dgm:fillClrLst>
+      <a:schemeClr val="accent3"/>
     </dgm:fillClrLst>
     <dgm:linClrLst meth="repeat">
       <a:schemeClr val="lt1"/>
@@ -1578,8 +1725,8 @@
     <dgm:txEffectClrLst/>
   </dgm:styleLbl>
   <dgm:styleLbl name="asst3">
-    <dgm:fillClrLst meth="repeat">
-      <a:schemeClr val="accent1"/>
+    <dgm:fillClrLst>
+      <a:schemeClr val="accent4"/>
     </dgm:fillClrLst>
     <dgm:linClrLst meth="repeat">
       <a:schemeClr val="lt1"/>
@@ -1590,8 +1737,8 @@
     <dgm:txEffectClrLst/>
   </dgm:styleLbl>
   <dgm:styleLbl name="asst4">
-    <dgm:fillClrLst meth="repeat">
-      <a:schemeClr val="accent1"/>
+    <dgm:fillClrLst>
+      <a:schemeClr val="accent5"/>
     </dgm:fillClrLst>
     <dgm:linClrLst meth="repeat">
       <a:schemeClr val="lt1"/>
@@ -1603,14 +1750,10 @@
   </dgm:styleLbl>
   <dgm:styleLbl name="parChTrans2D1">
     <dgm:fillClrLst meth="repeat">
-      <a:schemeClr val="accent1">
-        <a:tint val="60000"/>
-      </a:schemeClr>
+      <a:schemeClr val="accent2"/>
     </dgm:fillClrLst>
     <dgm:linClrLst meth="repeat">
-      <a:schemeClr val="accent1">
-        <a:tint val="60000"/>
-      </a:schemeClr>
+      <a:schemeClr val="lt1"/>
     </dgm:linClrLst>
     <dgm:effectClrLst/>
     <dgm:txLinClrLst/>
@@ -1621,38 +1764,34 @@
   </dgm:styleLbl>
   <dgm:styleLbl name="parChTrans2D2">
     <dgm:fillClrLst meth="repeat">
-      <a:schemeClr val="accent1"/>
+      <a:schemeClr val="accent3"/>
     </dgm:fillClrLst>
     <dgm:linClrLst meth="repeat">
-      <a:schemeClr val="accent1"/>
+      <a:schemeClr val="lt1"/>
     </dgm:linClrLst>
     <dgm:effectClrLst/>
     <dgm:txLinClrLst/>
-    <dgm:txFillClrLst meth="repeat">
-      <a:schemeClr val="lt1"/>
-    </dgm:txFillClrLst>
+    <dgm:txFillClrLst/>
     <dgm:txEffectClrLst/>
   </dgm:styleLbl>
   <dgm:styleLbl name="parChTrans2D3">
     <dgm:fillClrLst meth="repeat">
-      <a:schemeClr val="accent1"/>
+      <a:schemeClr val="accent4"/>
     </dgm:fillClrLst>
     <dgm:linClrLst meth="repeat">
-      <a:schemeClr val="accent1"/>
+      <a:schemeClr val="lt1"/>
     </dgm:linClrLst>
     <dgm:effectClrLst/>
     <dgm:txLinClrLst/>
-    <dgm:txFillClrLst meth="repeat">
-      <a:schemeClr val="lt1"/>
-    </dgm:txFillClrLst>
+    <dgm:txFillClrLst/>
     <dgm:txEffectClrLst/>
   </dgm:styleLbl>
   <dgm:styleLbl name="parChTrans2D4">
     <dgm:fillClrLst meth="repeat">
-      <a:schemeClr val="accent1"/>
+      <a:schemeClr val="accent5"/>
     </dgm:fillClrLst>
     <dgm:linClrLst meth="repeat">
-      <a:schemeClr val="accent1"/>
+      <a:schemeClr val="lt1"/>
     </dgm:linClrLst>
     <dgm:effectClrLst/>
     <dgm:txLinClrLst/>
@@ -1663,12 +1802,10 @@
   </dgm:styleLbl>
   <dgm:styleLbl name="parChTrans1D1">
     <dgm:fillClrLst meth="repeat">
-      <a:schemeClr val="accent1"/>
+      <a:schemeClr val="accent2"/>
     </dgm:fillClrLst>
     <dgm:linClrLst meth="repeat">
-      <a:schemeClr val="accent1">
-        <a:shade val="60000"/>
-      </a:schemeClr>
+      <a:schemeClr val="accent1"/>
     </dgm:linClrLst>
     <dgm:effectClrLst/>
     <dgm:txLinClrLst/>
@@ -1679,12 +1816,12 @@
   </dgm:styleLbl>
   <dgm:styleLbl name="parChTrans1D2">
     <dgm:fillClrLst meth="repeat">
-      <a:schemeClr val="accent1"/>
+      <a:schemeClr val="accent3">
+        <a:tint val="90000"/>
+      </a:schemeClr>
     </dgm:fillClrLst>
     <dgm:linClrLst meth="repeat">
-      <a:schemeClr val="accent1">
-        <a:shade val="60000"/>
-      </a:schemeClr>
+      <a:schemeClr val="accent2"/>
     </dgm:linClrLst>
     <dgm:effectClrLst/>
     <dgm:txLinClrLst/>
@@ -1695,12 +1832,12 @@
   </dgm:styleLbl>
   <dgm:styleLbl name="parChTrans1D3">
     <dgm:fillClrLst meth="repeat">
-      <a:schemeClr val="accent1"/>
+      <a:schemeClr val="accent4">
+        <a:tint val="70000"/>
+      </a:schemeClr>
     </dgm:fillClrLst>
     <dgm:linClrLst meth="repeat">
-      <a:schemeClr val="accent1">
-        <a:shade val="80000"/>
-      </a:schemeClr>
+      <a:schemeClr val="accent3"/>
     </dgm:linClrLst>
     <dgm:effectClrLst/>
     <dgm:txLinClrLst/>
@@ -1711,12 +1848,12 @@
   </dgm:styleLbl>
   <dgm:styleLbl name="parChTrans1D4">
     <dgm:fillClrLst meth="repeat">
-      <a:schemeClr val="accent1"/>
+      <a:schemeClr val="accent5">
+        <a:tint val="50000"/>
+      </a:schemeClr>
     </dgm:fillClrLst>
     <dgm:linClrLst meth="repeat">
-      <a:schemeClr val="accent1">
-        <a:shade val="80000"/>
-      </a:schemeClr>
+      <a:schemeClr val="accent4"/>
     </dgm:linClrLst>
     <dgm:effectClrLst/>
     <dgm:txLinClrLst/>
@@ -1732,7 +1869,11 @@
       </a:schemeClr>
     </dgm:fillClrLst>
     <dgm:linClrLst meth="repeat">
-      <a:schemeClr val="accent1"/>
+      <a:schemeClr val="accent2"/>
+      <a:schemeClr val="accent3"/>
+      <a:schemeClr val="accent4"/>
+      <a:schemeClr val="accent5"/>
+      <a:schemeClr val="accent6"/>
     </dgm:linClrLst>
     <dgm:effectClrLst/>
     <dgm:txLinClrLst/>
@@ -1748,7 +1889,11 @@
       </a:schemeClr>
     </dgm:fillClrLst>
     <dgm:linClrLst meth="repeat">
-      <a:schemeClr val="accent1"/>
+      <a:schemeClr val="accent2"/>
+      <a:schemeClr val="accent3"/>
+      <a:schemeClr val="accent4"/>
+      <a:schemeClr val="accent5"/>
+      <a:schemeClr val="accent6"/>
     </dgm:linClrLst>
     <dgm:effectClrLst/>
     <dgm:txLinClrLst/>
@@ -1764,7 +1909,11 @@
       </a:schemeClr>
     </dgm:fillClrLst>
     <dgm:linClrLst meth="repeat">
-      <a:schemeClr val="accent1"/>
+      <a:schemeClr val="accent2"/>
+      <a:schemeClr val="accent3"/>
+      <a:schemeClr val="accent4"/>
+      <a:schemeClr val="accent5"/>
+      <a:schemeClr val="accent6"/>
     </dgm:linClrLst>
     <dgm:effectClrLst/>
     <dgm:txLinClrLst/>
@@ -1796,7 +1945,11 @@
       </a:schemeClr>
     </dgm:fillClrLst>
     <dgm:linClrLst meth="repeat">
-      <a:schemeClr val="accent1"/>
+      <a:schemeClr val="accent2"/>
+      <a:schemeClr val="accent3"/>
+      <a:schemeClr val="accent4"/>
+      <a:schemeClr val="accent5"/>
+      <a:schemeClr val="accent6"/>
     </dgm:linClrLst>
     <dgm:effectClrLst/>
     <dgm:txLinClrLst/>
@@ -1810,7 +1963,11 @@
       <a:schemeClr val="lt1"/>
     </dgm:fillClrLst>
     <dgm:linClrLst meth="repeat">
-      <a:schemeClr val="accent1"/>
+      <a:schemeClr val="accent2"/>
+      <a:schemeClr val="accent3"/>
+      <a:schemeClr val="accent4"/>
+      <a:schemeClr val="accent5"/>
+      <a:schemeClr val="accent6"/>
     </dgm:linClrLst>
     <dgm:effectClrLst/>
     <dgm:txLinClrLst/>
@@ -1824,7 +1981,11 @@
       <a:schemeClr val="lt1"/>
     </dgm:fillClrLst>
     <dgm:linClrLst meth="repeat">
-      <a:schemeClr val="accent1"/>
+      <a:schemeClr val="accent2"/>
+      <a:schemeClr val="accent3"/>
+      <a:schemeClr val="accent4"/>
+      <a:schemeClr val="accent5"/>
+      <a:schemeClr val="accent6"/>
     </dgm:linClrLst>
     <dgm:effectClrLst/>
     <dgm:txLinClrLst/>
@@ -1838,7 +1999,11 @@
       <a:schemeClr val="lt1"/>
     </dgm:fillClrLst>
     <dgm:linClrLst meth="repeat">
-      <a:schemeClr val="accent1"/>
+      <a:schemeClr val="accent2"/>
+      <a:schemeClr val="accent3"/>
+      <a:schemeClr val="accent4"/>
+      <a:schemeClr val="accent5"/>
+      <a:schemeClr val="accent6"/>
     </dgm:linClrLst>
     <dgm:effectClrLst/>
     <dgm:txLinClrLst/>
@@ -1849,15 +2014,47 @@
   </dgm:styleLbl>
   <dgm:styleLbl name="fgAccFollowNode1">
     <dgm:fillClrLst meth="repeat">
-      <a:schemeClr val="accent1">
+      <a:schemeClr val="accent2">
+        <a:tint val="40000"/>
         <a:alpha val="90000"/>
+      </a:schemeClr>
+      <a:schemeClr val="accent3">
         <a:tint val="40000"/>
+        <a:alpha val="90000"/>
+      </a:schemeClr>
+      <a:schemeClr val="accent4">
+        <a:tint val="40000"/>
+        <a:alpha val="90000"/>
+      </a:schemeClr>
+      <a:schemeClr val="accent5">
+        <a:tint val="40000"/>
+        <a:alpha val="90000"/>
+      </a:schemeClr>
+      <a:schemeClr val="accent6">
+        <a:tint val="40000"/>
+        <a:alpha val="90000"/>
       </a:schemeClr>
     </dgm:fillClrLst>
     <dgm:linClrLst meth="repeat">
-      <a:schemeClr val="accent1">
+      <a:schemeClr val="accent2">
+        <a:tint val="40000"/>
         <a:alpha val="90000"/>
+      </a:schemeClr>
+      <a:schemeClr val="accent3">
         <a:tint val="40000"/>
+        <a:alpha val="90000"/>
+      </a:schemeClr>
+      <a:schemeClr val="accent4">
+        <a:tint val="40000"/>
+        <a:alpha val="90000"/>
+      </a:schemeClr>
+      <a:schemeClr val="accent5">
+        <a:tint val="40000"/>
+        <a:alpha val="90000"/>
+      </a:schemeClr>
+      <a:schemeClr val="accent6">
+        <a:tint val="40000"/>
+        <a:alpha val="90000"/>
       </a:schemeClr>
     </dgm:linClrLst>
     <dgm:effectClrLst/>
@@ -1869,15 +2066,47 @@
   </dgm:styleLbl>
   <dgm:styleLbl name="alignAccFollowNode1">
     <dgm:fillClrLst meth="repeat">
-      <a:schemeClr val="accent1">
+      <a:schemeClr val="accent2">
+        <a:tint val="40000"/>
         <a:alpha val="90000"/>
+      </a:schemeClr>
+      <a:schemeClr val="accent3">
         <a:tint val="40000"/>
+        <a:alpha val="90000"/>
+      </a:schemeClr>
+      <a:schemeClr val="accent4">
+        <a:tint val="40000"/>
+        <a:alpha val="90000"/>
+      </a:schemeClr>
+      <a:schemeClr val="accent5">
+        <a:tint val="40000"/>
+        <a:alpha val="90000"/>
+      </a:schemeClr>
+      <a:schemeClr val="accent6">
+        <a:tint val="40000"/>
+        <a:alpha val="90000"/>
       </a:schemeClr>
     </dgm:fillClrLst>
     <dgm:linClrLst meth="repeat">
-      <a:schemeClr val="accent1">
+      <a:schemeClr val="accent2">
+        <a:tint val="40000"/>
         <a:alpha val="90000"/>
+      </a:schemeClr>
+      <a:schemeClr val="accent3">
         <a:tint val="40000"/>
+        <a:alpha val="90000"/>
+      </a:schemeClr>
+      <a:schemeClr val="accent4">
+        <a:tint val="40000"/>
+        <a:alpha val="90000"/>
+      </a:schemeClr>
+      <a:schemeClr val="accent5">
+        <a:tint val="40000"/>
+        <a:alpha val="90000"/>
+      </a:schemeClr>
+      <a:schemeClr val="accent6">
+        <a:tint val="40000"/>
+        <a:alpha val="90000"/>
       </a:schemeClr>
     </dgm:linClrLst>
     <dgm:effectClrLst/>
@@ -1889,15 +2118,47 @@
   </dgm:styleLbl>
   <dgm:styleLbl name="bgAccFollowNode1">
     <dgm:fillClrLst meth="repeat">
-      <a:schemeClr val="accent1">
+      <a:schemeClr val="accent2">
+        <a:tint val="40000"/>
         <a:alpha val="90000"/>
+      </a:schemeClr>
+      <a:schemeClr val="accent3">
         <a:tint val="40000"/>
+        <a:alpha val="90000"/>
+      </a:schemeClr>
+      <a:schemeClr val="accent4">
+        <a:tint val="40000"/>
+        <a:alpha val="90000"/>
+      </a:schemeClr>
+      <a:schemeClr val="accent5">
+        <a:tint val="40000"/>
+        <a:alpha val="90000"/>
+      </a:schemeClr>
+      <a:schemeClr val="accent6">
+        <a:tint val="40000"/>
+        <a:alpha val="90000"/>
       </a:schemeClr>
     </dgm:fillClrLst>
     <dgm:linClrLst meth="repeat">
-      <a:schemeClr val="accent1">
+      <a:schemeClr val="accent2">
+        <a:tint val="40000"/>
         <a:alpha val="90000"/>
+      </a:schemeClr>
+      <a:schemeClr val="accent3">
         <a:tint val="40000"/>
+        <a:alpha val="90000"/>
+      </a:schemeClr>
+      <a:schemeClr val="accent4">
+        <a:tint val="40000"/>
+        <a:alpha val="90000"/>
+      </a:schemeClr>
+      <a:schemeClr val="accent5">
+        <a:tint val="40000"/>
+        <a:alpha val="90000"/>
+      </a:schemeClr>
+      <a:schemeClr val="accent6">
+        <a:tint val="40000"/>
+        <a:alpha val="90000"/>
       </a:schemeClr>
     </dgm:linClrLst>
     <dgm:effectClrLst/>
@@ -1913,7 +2174,7 @@
         <a:alpha val="90000"/>
       </a:schemeClr>
     </dgm:fillClrLst>
-    <dgm:linClrLst meth="repeat">
+    <dgm:linClrLst>
       <a:schemeClr val="accent1"/>
     </dgm:linClrLst>
     <dgm:effectClrLst/>
@@ -1929,8 +2190,8 @@
         <a:alpha val="90000"/>
       </a:schemeClr>
     </dgm:fillClrLst>
-    <dgm:linClrLst meth="repeat">
-      <a:schemeClr val="accent1"/>
+    <dgm:linClrLst>
+      <a:schemeClr val="accent2"/>
     </dgm:linClrLst>
     <dgm:effectClrLst/>
     <dgm:txLinClrLst/>
@@ -1945,8 +2206,8 @@
         <a:alpha val="90000"/>
       </a:schemeClr>
     </dgm:fillClrLst>
-    <dgm:linClrLst meth="repeat">
-      <a:schemeClr val="accent1"/>
+    <dgm:linClrLst>
+      <a:schemeClr val="accent3"/>
     </dgm:linClrLst>
     <dgm:effectClrLst/>
     <dgm:txLinClrLst/>
@@ -1961,8 +2222,8 @@
         <a:alpha val="90000"/>
       </a:schemeClr>
     </dgm:fillClrLst>
-    <dgm:linClrLst meth="repeat">
-      <a:schemeClr val="accent1"/>
+    <dgm:linClrLst>
+      <a:schemeClr val="accent4"/>
     </dgm:linClrLst>
     <dgm:effectClrLst/>
     <dgm:txLinClrLst/>
@@ -1973,28 +2234,30 @@
   </dgm:styleLbl>
   <dgm:styleLbl name="bgShp">
     <dgm:fillClrLst meth="repeat">
-      <a:schemeClr val="accent1">
-        <a:tint val="40000"/>
-      </a:schemeClr>
+      <a:schemeClr val="accent2"/>
+      <a:schemeClr val="accent3"/>
+      <a:schemeClr val="accent4"/>
+      <a:schemeClr val="accent5"/>
+      <a:schemeClr val="accent6"/>
     </dgm:fillClrLst>
     <dgm:linClrLst meth="repeat">
-      <a:schemeClr val="accent1"/>
+      <a:schemeClr val="lt1">
+        <a:alpha val="0"/>
+      </a:schemeClr>
     </dgm:linClrLst>
     <dgm:effectClrLst/>
     <dgm:txLinClrLst/>
-    <dgm:txFillClrLst meth="repeat">
-      <a:schemeClr val="dk1"/>
-    </dgm:txFillClrLst>
+    <dgm:txFillClrLst/>
     <dgm:txEffectClrLst/>
   </dgm:styleLbl>
   <dgm:styleLbl name="dkBgShp">
     <dgm:fillClrLst meth="repeat">
-      <a:schemeClr val="accent1">
-        <a:shade val="80000"/>
+      <a:schemeClr val="accent2">
+        <a:shade val="90000"/>
       </a:schemeClr>
     </dgm:fillClrLst>
     <dgm:linClrLst meth="repeat">
-      <a:schemeClr val="accent1"/>
+      <a:schemeClr val="dk1"/>
     </dgm:linClrLst>
     <dgm:effectClrLst/>
     <dgm:txLinClrLst/>
@@ -2011,7 +2274,7 @@
       </a:schemeClr>
     </dgm:fillClrLst>
     <dgm:linClrLst meth="repeat">
-      <a:schemeClr val="accent1"/>
+      <a:schemeClr val="accent2"/>
     </dgm:linClrLst>
     <dgm:effectClrLst/>
     <dgm:txLinClrLst/>
@@ -2022,8 +2285,8 @@
   </dgm:styleLbl>
   <dgm:styleLbl name="fgShp">
     <dgm:fillClrLst meth="repeat">
-      <a:schemeClr val="accent1">
-        <a:tint val="60000"/>
+      <a:schemeClr val="accent2">
+        <a:tint val="40000"/>
       </a:schemeClr>
     </dgm:fillClrLst>
     <dgm:linClrLst meth="repeat">
@@ -2292,8 +2555,8 @@
 <file path=ppt/diagrams/data2.xml><?xml version="1.0" encoding="utf-8"?>
 <dgm:dataModel xmlns:dgm="http://schemas.openxmlformats.org/drawingml/2006/diagram" xmlns:a="http://schemas.openxmlformats.org/drawingml/2006/main">
   <dgm:ptLst>
-    <dgm:pt modelId="{BE5B76ED-C686-4E97-9A28-74231B4FDDD1}" type="doc">
-      <dgm:prSet loTypeId="urn:microsoft.com/office/officeart/2009/3/layout/CircleRelationship" loCatId="relationship" qsTypeId="urn:microsoft.com/office/officeart/2005/8/quickstyle/simple4" qsCatId="simple" csTypeId="urn:microsoft.com/office/officeart/2005/8/colors/accent1_2" csCatId="accent1" phldr="1"/>
+    <dgm:pt modelId="{BAA18807-192C-4941-B767-BA95012FB5DF}" type="doc">
+      <dgm:prSet loTypeId="urn:microsoft.com/office/officeart/2018/5/layout/IconLeafLabelList" loCatId="icon" qsTypeId="urn:microsoft.com/office/officeart/2005/8/quickstyle/simple1" qsCatId="simple" csTypeId="urn:microsoft.com/office/officeart/2018/5/colors/Iconchunking_neutralicon_colorful1" csCatId="colorful" phldr="1"/>
       <dgm:spPr/>
       <dgm:t>
         <a:bodyPr/>
@@ -2303,21 +2566,28 @@
         </a:p>
       </dgm:t>
     </dgm:pt>
-    <dgm:pt modelId="{B388C4F7-DD86-40E4-BA83-6838C8E845B2}">
-      <dgm:prSet phldrT="[Text]" custT="1"/>
+    <dgm:pt modelId="{BCADFC7D-9484-41FC-A3E1-D7B5BCFACCFD}">
+      <dgm:prSet/>
       <dgm:spPr/>
       <dgm:t>
         <a:bodyPr/>
         <a:lstStyle/>
         <a:p>
+          <a:pPr>
+            <a:lnSpc>
+              <a:spcPct val="100000"/>
+            </a:lnSpc>
+            <a:defRPr cap="all"/>
+          </a:pPr>
           <a:r>
-            <a:rPr lang="en-US" sz="1800" b="1"/>
-            <a:t>Problem Solving</a:t>
+            <a:rPr lang="nl-NL"/>
+            <a:t>3 meldingen</a:t>
           </a:r>
+          <a:endParaRPr lang="en-US"/>
         </a:p>
       </dgm:t>
     </dgm:pt>
-    <dgm:pt modelId="{4F4EFEB2-AE6B-4B4E-A388-E726479684C1}" type="parTrans" cxnId="{FDEC3F6B-F860-4E8B-8B14-455DBFCFBFB4}">
+    <dgm:pt modelId="{FF335784-3E3C-4DE2-9082-911A38702A34}" type="parTrans" cxnId="{14E9F363-E93A-4634-B794-1AB09A8A33B4}">
       <dgm:prSet/>
       <dgm:spPr/>
       <dgm:t>
@@ -2328,7 +2598,7 @@
         </a:p>
       </dgm:t>
     </dgm:pt>
-    <dgm:pt modelId="{BEE196C3-EEB3-4935-976F-A713EF603EEA}" type="sibTrans" cxnId="{FDEC3F6B-F860-4E8B-8B14-455DBFCFBFB4}">
+    <dgm:pt modelId="{BB53C16E-824E-420B-90EB-84F2FE37B52A}" type="sibTrans" cxnId="{14E9F363-E93A-4634-B794-1AB09A8A33B4}">
       <dgm:prSet/>
       <dgm:spPr/>
       <dgm:t>
@@ -2339,22 +2609,28 @@
         </a:p>
       </dgm:t>
     </dgm:pt>
-    <dgm:pt modelId="{27C8F191-CB8B-4A89-9EDF-D94B6E4ADC92}">
-      <dgm:prSet phldrT="[Text]" custT="1"/>
+    <dgm:pt modelId="{13C6D91C-509B-403A-B8AA-B3F3D6357F13}">
+      <dgm:prSet/>
       <dgm:spPr/>
       <dgm:t>
         <a:bodyPr/>
         <a:lstStyle/>
         <a:p>
+          <a:pPr>
+            <a:lnSpc>
+              <a:spcPct val="100000"/>
+            </a:lnSpc>
+            <a:defRPr cap="all"/>
+          </a:pPr>
           <a:r>
-            <a:rPr lang="en-US" sz="1800" b="1"/>
-            <a:t>Algorithm</a:t>
+            <a:rPr lang="nl-NL"/>
+            <a:t>Geen tijd informatie</a:t>
           </a:r>
-          <a:endParaRPr lang="en-US" sz="1200" b="1"/>
+          <a:endParaRPr lang="en-US"/>
         </a:p>
       </dgm:t>
     </dgm:pt>
-    <dgm:pt modelId="{8EFDF7C7-310E-4ED5-B739-2186FB69ED8A}" type="parTrans" cxnId="{4E26289A-3825-4A9C-991F-8AB8A7EFD597}">
+    <dgm:pt modelId="{CE5CE245-DC2E-43AB-86D8-24595DAB39DC}" type="parTrans" cxnId="{CFA55EE0-A457-4923-9F20-5415E5FF4C36}">
       <dgm:prSet/>
       <dgm:spPr/>
       <dgm:t>
@@ -2365,7 +2641,7 @@
         </a:p>
       </dgm:t>
     </dgm:pt>
-    <dgm:pt modelId="{755F5D09-ECCD-4FC5-B350-FED951F57983}" type="sibTrans" cxnId="{4E26289A-3825-4A9C-991F-8AB8A7EFD597}">
+    <dgm:pt modelId="{243051B0-D0BE-4E61-BCAF-DF1FFC054935}" type="sibTrans" cxnId="{CFA55EE0-A457-4923-9F20-5415E5FF4C36}">
       <dgm:prSet/>
       <dgm:spPr/>
       <dgm:t>
@@ -2376,22 +2652,28 @@
         </a:p>
       </dgm:t>
     </dgm:pt>
-    <dgm:pt modelId="{AEFF5EA2-6931-4098-96C8-31AE53CB425B}">
-      <dgm:prSet phldrT="[Text]" custT="1"/>
+    <dgm:pt modelId="{AAB7440B-C9A9-4B80-9741-C72129C52B5D}">
+      <dgm:prSet/>
       <dgm:spPr/>
       <dgm:t>
         <a:bodyPr/>
         <a:lstStyle/>
         <a:p>
+          <a:pPr>
+            <a:lnSpc>
+              <a:spcPct val="100000"/>
+            </a:lnSpc>
+            <a:defRPr cap="all"/>
+          </a:pPr>
           <a:r>
-            <a:rPr lang="en-US" sz="1800" b="1"/>
-            <a:t>Automation</a:t>
+            <a:rPr lang="nl-NL"/>
+            <a:t>Input en output tests</a:t>
           </a:r>
-          <a:endParaRPr lang="en-US" sz="1200" b="1"/>
+          <a:endParaRPr lang="en-US"/>
         </a:p>
       </dgm:t>
     </dgm:pt>
-    <dgm:pt modelId="{AC52CE11-07EF-42A7-A67A-2231908FD231}" type="parTrans" cxnId="{2D96128D-55F5-4B46-B071-9EA8CDCA9DCD}">
+    <dgm:pt modelId="{12BDF044-98F1-4919-BC02-179A97EC60C1}" type="parTrans" cxnId="{984C3416-3FC2-47A4-A6B3-27302791ED08}">
       <dgm:prSet/>
       <dgm:spPr/>
       <dgm:t>
@@ -2402,7 +2684,7 @@
         </a:p>
       </dgm:t>
     </dgm:pt>
-    <dgm:pt modelId="{FB25E557-3597-4AEA-B1FC-EA99A632BFB1}" type="sibTrans" cxnId="{2D96128D-55F5-4B46-B071-9EA8CDCA9DCD}">
+    <dgm:pt modelId="{69D8CE12-31A0-46EB-8198-CDA8A430F91C}" type="sibTrans" cxnId="{984C3416-3FC2-47A4-A6B3-27302791ED08}">
       <dgm:prSet/>
       <dgm:spPr/>
       <dgm:t>
@@ -2413,8 +2695,150 @@
         </a:p>
       </dgm:t>
     </dgm:pt>
-    <dgm:pt modelId="{EC323DFF-E2DA-4381-8948-5F3D2CD82207}" type="pres">
-      <dgm:prSet presAssocID="{BE5B76ED-C686-4E97-9A28-74231B4FDDD1}" presName="Name0" presStyleCnt="0">
+    <dgm:pt modelId="{A0AA39B2-3FB2-483D-ADD8-1150E8F24315}">
+      <dgm:prSet/>
+      <dgm:spPr/>
+      <dgm:t>
+        <a:bodyPr/>
+        <a:lstStyle/>
+        <a:p>
+          <a:pPr>
+            <a:lnSpc>
+              <a:spcPct val="100000"/>
+            </a:lnSpc>
+            <a:defRPr cap="all"/>
+          </a:pPr>
+          <a:r>
+            <a:rPr lang="nl-NL"/>
+            <a:t>Klopt het?</a:t>
+          </a:r>
+          <a:endParaRPr lang="en-US"/>
+        </a:p>
+      </dgm:t>
+    </dgm:pt>
+    <dgm:pt modelId="{656F849E-487E-4D94-892D-F0B71887BA25}" type="parTrans" cxnId="{5A2A19BD-AEEF-4970-91EB-1533EAEAB1FB}">
+      <dgm:prSet/>
+      <dgm:spPr/>
+      <dgm:t>
+        <a:bodyPr/>
+        <a:lstStyle/>
+        <a:p>
+          <a:endParaRPr lang="en-US"/>
+        </a:p>
+      </dgm:t>
+    </dgm:pt>
+    <dgm:pt modelId="{865DC57C-459F-4C55-AE20-8EBD5001AA44}" type="sibTrans" cxnId="{5A2A19BD-AEEF-4970-91EB-1533EAEAB1FB}">
+      <dgm:prSet/>
+      <dgm:spPr/>
+      <dgm:t>
+        <a:bodyPr/>
+        <a:lstStyle/>
+        <a:p>
+          <a:endParaRPr lang="en-US"/>
+        </a:p>
+      </dgm:t>
+    </dgm:pt>
+    <dgm:pt modelId="{C0A12D41-A1DB-4E8A-ADB9-CA9738378B5A}">
+      <dgm:prSet/>
+      <dgm:spPr/>
+      <dgm:t>
+        <a:bodyPr/>
+        <a:lstStyle/>
+        <a:p>
+          <a:pPr>
+            <a:lnSpc>
+              <a:spcPct val="100000"/>
+            </a:lnSpc>
+            <a:defRPr cap="all"/>
+          </a:pPr>
+          <a:r>
+            <a:rPr lang="nl-NL"/>
+            <a:t>Waarom?</a:t>
+          </a:r>
+          <a:endParaRPr lang="en-US"/>
+        </a:p>
+      </dgm:t>
+    </dgm:pt>
+    <dgm:pt modelId="{456670CB-C017-4024-950D-3BBDE085C1DD}" type="parTrans" cxnId="{4778350D-B020-4E0F-842C-7F0BF7ECFE1D}">
+      <dgm:prSet/>
+      <dgm:spPr/>
+      <dgm:t>
+        <a:bodyPr/>
+        <a:lstStyle/>
+        <a:p>
+          <a:endParaRPr lang="en-US"/>
+        </a:p>
+      </dgm:t>
+    </dgm:pt>
+    <dgm:pt modelId="{42D72D98-0DC0-45F4-B2DA-17392AD0FA08}" type="sibTrans" cxnId="{4778350D-B020-4E0F-842C-7F0BF7ECFE1D}">
+      <dgm:prSet/>
+      <dgm:spPr/>
+      <dgm:t>
+        <a:bodyPr/>
+        <a:lstStyle/>
+        <a:p>
+          <a:endParaRPr lang="en-US"/>
+        </a:p>
+      </dgm:t>
+    </dgm:pt>
+    <dgm:pt modelId="{8A07A9F7-47FA-44B0-A86C-B43BE7BE8638}" type="pres">
+      <dgm:prSet presAssocID="{BAA18807-192C-4941-B767-BA95012FB5DF}" presName="root" presStyleCnt="0">
+        <dgm:presLayoutVars>
+          <dgm:dir/>
+          <dgm:resizeHandles val="exact"/>
+        </dgm:presLayoutVars>
+      </dgm:prSet>
+      <dgm:spPr/>
+    </dgm:pt>
+    <dgm:pt modelId="{2DA4ACD4-AD58-49A9-93B9-087F5D218680}" type="pres">
+      <dgm:prSet presAssocID="{BCADFC7D-9484-41FC-A3E1-D7B5BCFACCFD}" presName="compNode" presStyleCnt="0"/>
+      <dgm:spPr/>
+    </dgm:pt>
+    <dgm:pt modelId="{5DE24757-3E65-4724-8FBC-DF733B105FE2}" type="pres">
+      <dgm:prSet presAssocID="{BCADFC7D-9484-41FC-A3E1-D7B5BCFACCFD}" presName="iconBgRect" presStyleLbl="bgShp" presStyleIdx="0" presStyleCnt="5"/>
+      <dgm:spPr>
+        <a:prstGeom prst="round2DiagRect">
+          <a:avLst>
+            <a:gd name="adj1" fmla="val 29727"/>
+            <a:gd name="adj2" fmla="val 0"/>
+          </a:avLst>
+        </a:prstGeom>
+      </dgm:spPr>
+    </dgm:pt>
+    <dgm:pt modelId="{96976C20-DEE4-4970-9440-B5C8B839129D}" type="pres">
+      <dgm:prSet presAssocID="{BCADFC7D-9484-41FC-A3E1-D7B5BCFACCFD}" presName="iconRect" presStyleLbl="node1" presStyleIdx="0" presStyleCnt="5"/>
+      <dgm:spPr>
+        <a:blipFill>
+          <a:blip xmlns:r="http://schemas.openxmlformats.org/officeDocument/2006/relationships" r:embed="rId1">
+            <a:extLst>
+              <a:ext uri="{28A0092B-C50C-407E-A947-70E740481C1C}">
+                <a14:useLocalDpi xmlns:a14="http://schemas.microsoft.com/office/drawing/2010/main" val="0"/>
+              </a:ext>
+              <a:ext uri="{96DAC541-7B7A-43D3-8B79-37D633B846F1}">
+                <asvg:svgBlip xmlns:asvg="http://schemas.microsoft.com/office/drawing/2016/SVG/main" r:embed="rId2"/>
+              </a:ext>
+            </a:extLst>
+          </a:blip>
+          <a:stretch>
+            <a:fillRect/>
+          </a:stretch>
+        </a:blipFill>
+        <a:ln>
+          <a:noFill/>
+        </a:ln>
+      </dgm:spPr>
+      <dgm:extLst>
+        <a:ext uri="{E40237B7-FDA0-4F09-8148-C483321AD2D9}">
+          <dgm14:cNvPr xmlns:dgm14="http://schemas.microsoft.com/office/drawing/2010/diagram" id="0" name="" descr="Bel"/>
+        </a:ext>
+      </dgm:extLst>
+    </dgm:pt>
+    <dgm:pt modelId="{9C565BAE-5ACC-4C10-A3C9-20E54C41A408}" type="pres">
+      <dgm:prSet presAssocID="{BCADFC7D-9484-41FC-A3E1-D7B5BCFACCFD}" presName="spaceRect" presStyleCnt="0"/>
+      <dgm:spPr/>
+    </dgm:pt>
+    <dgm:pt modelId="{3156C100-C6E3-499D-BE05-0423B87DA5E4}" type="pres">
+      <dgm:prSet presAssocID="{BCADFC7D-9484-41FC-A3E1-D7B5BCFACCFD}" presName="textRect" presStyleLbl="revTx" presStyleIdx="0" presStyleCnt="5">
         <dgm:presLayoutVars>
           <dgm:chMax val="1"/>
           <dgm:chPref val="1"/>
@@ -2422,131 +2846,294 @@
       </dgm:prSet>
       <dgm:spPr/>
     </dgm:pt>
-    <dgm:pt modelId="{A6EEB127-C2F5-4C0D-B108-CC2B3F78F4F1}" type="pres">
-      <dgm:prSet presAssocID="{B388C4F7-DD86-40E4-BA83-6838C8E845B2}" presName="Parent" presStyleLbl="node0" presStyleIdx="0" presStyleCnt="1">
+    <dgm:pt modelId="{C874C7A3-B300-49A4-AB3D-E859B796A1AD}" type="pres">
+      <dgm:prSet presAssocID="{BB53C16E-824E-420B-90EB-84F2FE37B52A}" presName="sibTrans" presStyleCnt="0"/>
+      <dgm:spPr/>
+    </dgm:pt>
+    <dgm:pt modelId="{CC24B69E-96EF-43D2-82E0-342D6D666D7B}" type="pres">
+      <dgm:prSet presAssocID="{13C6D91C-509B-403A-B8AA-B3F3D6357F13}" presName="compNode" presStyleCnt="0"/>
+      <dgm:spPr/>
+    </dgm:pt>
+    <dgm:pt modelId="{7881CB1E-1B4F-4792-BF46-8E63DF9CFB92}" type="pres">
+      <dgm:prSet presAssocID="{13C6D91C-509B-403A-B8AA-B3F3D6357F13}" presName="iconBgRect" presStyleLbl="bgShp" presStyleIdx="1" presStyleCnt="5"/>
+      <dgm:spPr>
+        <a:prstGeom prst="round2DiagRect">
+          <a:avLst>
+            <a:gd name="adj1" fmla="val 29727"/>
+            <a:gd name="adj2" fmla="val 0"/>
+          </a:avLst>
+        </a:prstGeom>
+      </dgm:spPr>
+    </dgm:pt>
+    <dgm:pt modelId="{496894C2-54D1-4516-BA7E-6FDBD22278F1}" type="pres">
+      <dgm:prSet presAssocID="{13C6D91C-509B-403A-B8AA-B3F3D6357F13}" presName="iconRect" presStyleLbl="node1" presStyleIdx="1" presStyleCnt="5"/>
+      <dgm:spPr>
+        <a:blipFill>
+          <a:blip xmlns:r="http://schemas.openxmlformats.org/officeDocument/2006/relationships" r:embed="rId3">
+            <a:extLst>
+              <a:ext uri="{28A0092B-C50C-407E-A947-70E740481C1C}">
+                <a14:useLocalDpi xmlns:a14="http://schemas.microsoft.com/office/drawing/2010/main" val="0"/>
+              </a:ext>
+              <a:ext uri="{96DAC541-7B7A-43D3-8B79-37D633B846F1}">
+                <asvg:svgBlip xmlns:asvg="http://schemas.microsoft.com/office/drawing/2016/SVG/main" r:embed="rId4"/>
+              </a:ext>
+            </a:extLst>
+          </a:blip>
+          <a:stretch>
+            <a:fillRect/>
+          </a:stretch>
+        </a:blipFill>
+        <a:ln>
+          <a:noFill/>
+        </a:ln>
+      </dgm:spPr>
+      <dgm:extLst>
+        <a:ext uri="{E40237B7-FDA0-4F09-8148-C483321AD2D9}">
+          <dgm14:cNvPr xmlns:dgm14="http://schemas.microsoft.com/office/drawing/2010/diagram" id="0" name="" descr="Question mark"/>
+        </a:ext>
+      </dgm:extLst>
+    </dgm:pt>
+    <dgm:pt modelId="{146D92E8-7085-42D7-8A02-FCA6849B5C63}" type="pres">
+      <dgm:prSet presAssocID="{13C6D91C-509B-403A-B8AA-B3F3D6357F13}" presName="spaceRect" presStyleCnt="0"/>
+      <dgm:spPr/>
+    </dgm:pt>
+    <dgm:pt modelId="{FEBA561A-80C0-4099-BEF5-C61B220D18A4}" type="pres">
+      <dgm:prSet presAssocID="{13C6D91C-509B-403A-B8AA-B3F3D6357F13}" presName="textRect" presStyleLbl="revTx" presStyleIdx="1" presStyleCnt="5">
         <dgm:presLayoutVars>
-          <dgm:chMax val="5"/>
-          <dgm:chPref val="5"/>
+          <dgm:chMax val="1"/>
+          <dgm:chPref val="1"/>
         </dgm:presLayoutVars>
       </dgm:prSet>
       <dgm:spPr/>
     </dgm:pt>
-    <dgm:pt modelId="{8A0FF0D8-0AF7-44A4-833E-7EA23A507B5A}" type="pres">
-      <dgm:prSet presAssocID="{B388C4F7-DD86-40E4-BA83-6838C8E845B2}" presName="Accent1" presStyleLbl="node1" presStyleIdx="0" presStyleCnt="13"/>
+    <dgm:pt modelId="{F0912F5F-0597-4728-B427-E5AF73A35DE9}" type="pres">
+      <dgm:prSet presAssocID="{243051B0-D0BE-4E61-BCAF-DF1FFC054935}" presName="sibTrans" presStyleCnt="0"/>
       <dgm:spPr/>
     </dgm:pt>
-    <dgm:pt modelId="{F988BAF3-9DE2-4A25-84FE-B7C476401BC3}" type="pres">
-      <dgm:prSet presAssocID="{B388C4F7-DD86-40E4-BA83-6838C8E845B2}" presName="Accent2" presStyleLbl="node1" presStyleIdx="1" presStyleCnt="13"/>
+    <dgm:pt modelId="{3B79599F-9045-4047-BEFB-C74C6BE4BF8F}" type="pres">
+      <dgm:prSet presAssocID="{AAB7440B-C9A9-4B80-9741-C72129C52B5D}" presName="compNode" presStyleCnt="0"/>
       <dgm:spPr/>
     </dgm:pt>
-    <dgm:pt modelId="{6288D093-07AF-4EEB-B57C-FB5DA4420E30}" type="pres">
-      <dgm:prSet presAssocID="{B388C4F7-DD86-40E4-BA83-6838C8E845B2}" presName="Accent3" presStyleLbl="node1" presStyleIdx="2" presStyleCnt="13"/>
+    <dgm:pt modelId="{677978FE-0504-4C66-B3EB-750AF268690D}" type="pres">
+      <dgm:prSet presAssocID="{AAB7440B-C9A9-4B80-9741-C72129C52B5D}" presName="iconBgRect" presStyleLbl="bgShp" presStyleIdx="2" presStyleCnt="5"/>
+      <dgm:spPr>
+        <a:prstGeom prst="round2DiagRect">
+          <a:avLst>
+            <a:gd name="adj1" fmla="val 29727"/>
+            <a:gd name="adj2" fmla="val 0"/>
+          </a:avLst>
+        </a:prstGeom>
+      </dgm:spPr>
+    </dgm:pt>
+    <dgm:pt modelId="{F4414353-D477-4173-9091-1844A625C9F3}" type="pres">
+      <dgm:prSet presAssocID="{AAB7440B-C9A9-4B80-9741-C72129C52B5D}" presName="iconRect" presStyleLbl="node1" presStyleIdx="2" presStyleCnt="5"/>
+      <dgm:spPr>
+        <a:blipFill>
+          <a:blip xmlns:r="http://schemas.openxmlformats.org/officeDocument/2006/relationships" r:embed="rId5">
+            <a:extLst>
+              <a:ext uri="{28A0092B-C50C-407E-A947-70E740481C1C}">
+                <a14:useLocalDpi xmlns:a14="http://schemas.microsoft.com/office/drawing/2010/main" val="0"/>
+              </a:ext>
+              <a:ext uri="{96DAC541-7B7A-43D3-8B79-37D633B846F1}">
+                <asvg:svgBlip xmlns:asvg="http://schemas.microsoft.com/office/drawing/2016/SVG/main" r:embed="rId6"/>
+              </a:ext>
+            </a:extLst>
+          </a:blip>
+          <a:stretch>
+            <a:fillRect/>
+          </a:stretch>
+        </a:blipFill>
+        <a:ln>
+          <a:noFill/>
+        </a:ln>
+      </dgm:spPr>
+      <dgm:extLst>
+        <a:ext uri="{E40237B7-FDA0-4F09-8148-C483321AD2D9}">
+          <dgm14:cNvPr xmlns:dgm14="http://schemas.microsoft.com/office/drawing/2010/diagram" id="0" name="" descr="Vinkje"/>
+        </a:ext>
+      </dgm:extLst>
+    </dgm:pt>
+    <dgm:pt modelId="{E29BE35D-5D4C-48F9-8711-FE53E12B95E0}" type="pres">
+      <dgm:prSet presAssocID="{AAB7440B-C9A9-4B80-9741-C72129C52B5D}" presName="spaceRect" presStyleCnt="0"/>
       <dgm:spPr/>
     </dgm:pt>
-    <dgm:pt modelId="{099685E2-34CD-4723-A342-ED2D0CA22ECA}" type="pres">
-      <dgm:prSet presAssocID="{B388C4F7-DD86-40E4-BA83-6838C8E845B2}" presName="Accent4" presStyleLbl="node1" presStyleIdx="3" presStyleCnt="13"/>
-      <dgm:spPr/>
-    </dgm:pt>
-    <dgm:pt modelId="{282F7230-9226-4387-9620-3DC67223F95C}" type="pres">
-      <dgm:prSet presAssocID="{B388C4F7-DD86-40E4-BA83-6838C8E845B2}" presName="Accent5" presStyleLbl="node1" presStyleIdx="4" presStyleCnt="13"/>
-      <dgm:spPr/>
-    </dgm:pt>
-    <dgm:pt modelId="{2682D7C4-37F7-4CA1-B102-AED7627E9C93}" type="pres">
-      <dgm:prSet presAssocID="{B388C4F7-DD86-40E4-BA83-6838C8E845B2}" presName="Accent6" presStyleLbl="node1" presStyleIdx="5" presStyleCnt="13"/>
-      <dgm:spPr/>
-    </dgm:pt>
-    <dgm:pt modelId="{CCDD2561-1FC5-4EA6-AD90-3ADAF62A41D1}" type="pres">
-      <dgm:prSet presAssocID="{27C8F191-CB8B-4A89-9EDF-D94B6E4ADC92}" presName="Child1" presStyleLbl="node1" presStyleIdx="6" presStyleCnt="13" custScaleX="142765" custScaleY="142765" custLinFactNeighborX="-13611" custLinFactNeighborY="-20914">
+    <dgm:pt modelId="{6D758CB6-21E5-4099-B1BD-D953C9745C52}" type="pres">
+      <dgm:prSet presAssocID="{AAB7440B-C9A9-4B80-9741-C72129C52B5D}" presName="textRect" presStyleLbl="revTx" presStyleIdx="2" presStyleCnt="5">
         <dgm:presLayoutVars>
-          <dgm:chMax val="0"/>
-          <dgm:chPref val="0"/>
+          <dgm:chMax val="1"/>
+          <dgm:chPref val="1"/>
         </dgm:presLayoutVars>
       </dgm:prSet>
       <dgm:spPr/>
     </dgm:pt>
-    <dgm:pt modelId="{DD36342D-1CB9-480B-9443-592ECACCB1B2}" type="pres">
-      <dgm:prSet presAssocID="{27C8F191-CB8B-4A89-9EDF-D94B6E4ADC92}" presName="Accent7" presStyleCnt="0"/>
+    <dgm:pt modelId="{A21B00A9-7939-4E47-9FED-452BEC00CE46}" type="pres">
+      <dgm:prSet presAssocID="{69D8CE12-31A0-46EB-8198-CDA8A430F91C}" presName="sibTrans" presStyleCnt="0"/>
       <dgm:spPr/>
     </dgm:pt>
-    <dgm:pt modelId="{2470B0FE-F3CE-48F3-AE82-73016C487D68}" type="pres">
-      <dgm:prSet presAssocID="{27C8F191-CB8B-4A89-9EDF-D94B6E4ADC92}" presName="AccentHold1" presStyleLbl="node1" presStyleIdx="7" presStyleCnt="13"/>
+    <dgm:pt modelId="{C8DEEAAA-9528-4D50-A19F-C05DFD2E7373}" type="pres">
+      <dgm:prSet presAssocID="{A0AA39B2-3FB2-483D-ADD8-1150E8F24315}" presName="compNode" presStyleCnt="0"/>
       <dgm:spPr/>
     </dgm:pt>
-    <dgm:pt modelId="{1C5C821B-7AF3-4B1C-B3FE-45A337B82741}" type="pres">
-      <dgm:prSet presAssocID="{27C8F191-CB8B-4A89-9EDF-D94B6E4ADC92}" presName="Accent8" presStyleCnt="0"/>
+    <dgm:pt modelId="{F2F6E49E-6B53-42D6-8D18-F897B7F9E060}" type="pres">
+      <dgm:prSet presAssocID="{A0AA39B2-3FB2-483D-ADD8-1150E8F24315}" presName="iconBgRect" presStyleLbl="bgShp" presStyleIdx="3" presStyleCnt="5"/>
+      <dgm:spPr>
+        <a:prstGeom prst="round2DiagRect">
+          <a:avLst>
+            <a:gd name="adj1" fmla="val 29727"/>
+            <a:gd name="adj2" fmla="val 0"/>
+          </a:avLst>
+        </a:prstGeom>
+      </dgm:spPr>
+    </dgm:pt>
+    <dgm:pt modelId="{4934DCB4-FCF9-449A-A923-7EE2AA639A44}" type="pres">
+      <dgm:prSet presAssocID="{A0AA39B2-3FB2-483D-ADD8-1150E8F24315}" presName="iconRect" presStyleLbl="node1" presStyleIdx="3" presStyleCnt="5"/>
+      <dgm:spPr>
+        <a:blipFill>
+          <a:blip xmlns:r="http://schemas.openxmlformats.org/officeDocument/2006/relationships" r:embed="rId7">
+            <a:extLst>
+              <a:ext uri="{28A0092B-C50C-407E-A947-70E740481C1C}">
+                <a14:useLocalDpi xmlns:a14="http://schemas.microsoft.com/office/drawing/2010/main" val="0"/>
+              </a:ext>
+              <a:ext uri="{96DAC541-7B7A-43D3-8B79-37D633B846F1}">
+                <asvg:svgBlip xmlns:asvg="http://schemas.microsoft.com/office/drawing/2016/SVG/main" r:embed="rId8"/>
+              </a:ext>
+            </a:extLst>
+          </a:blip>
+          <a:stretch>
+            <a:fillRect/>
+          </a:stretch>
+        </a:blipFill>
+        <a:ln>
+          <a:noFill/>
+        </a:ln>
+      </dgm:spPr>
+      <dgm:extLst>
+        <a:ext uri="{E40237B7-FDA0-4F09-8148-C483321AD2D9}">
+          <dgm14:cNvPr xmlns:dgm14="http://schemas.microsoft.com/office/drawing/2010/diagram" id="0" name="" descr="Leprechaun Hat"/>
+        </a:ext>
+      </dgm:extLst>
+    </dgm:pt>
+    <dgm:pt modelId="{85573454-76B2-4E8E-B3EA-F1D60A76B00E}" type="pres">
+      <dgm:prSet presAssocID="{A0AA39B2-3FB2-483D-ADD8-1150E8F24315}" presName="spaceRect" presStyleCnt="0"/>
       <dgm:spPr/>
     </dgm:pt>
-    <dgm:pt modelId="{48BC9D73-B86D-4378-970E-5CD650E31618}" type="pres">
-      <dgm:prSet presAssocID="{27C8F191-CB8B-4A89-9EDF-D94B6E4ADC92}" presName="AccentHold2" presStyleLbl="node1" presStyleIdx="8" presStyleCnt="13"/>
-      <dgm:spPr/>
-    </dgm:pt>
-    <dgm:pt modelId="{EB301C3D-F1F9-4A72-AC54-827EBC1AD812}" type="pres">
-      <dgm:prSet presAssocID="{AEFF5EA2-6931-4098-96C8-31AE53CB425B}" presName="Child2" presStyleLbl="node1" presStyleIdx="9" presStyleCnt="13" custScaleX="155423" custScaleY="155423" custLinFactNeighborX="22013" custLinFactNeighborY="-5070">
+    <dgm:pt modelId="{8DEF0F7F-9E12-418A-B5C4-EFC42472CB8A}" type="pres">
+      <dgm:prSet presAssocID="{A0AA39B2-3FB2-483D-ADD8-1150E8F24315}" presName="textRect" presStyleLbl="revTx" presStyleIdx="3" presStyleCnt="5">
         <dgm:presLayoutVars>
-          <dgm:chMax val="0"/>
-          <dgm:chPref val="0"/>
+          <dgm:chMax val="1"/>
+          <dgm:chPref val="1"/>
         </dgm:presLayoutVars>
       </dgm:prSet>
       <dgm:spPr/>
     </dgm:pt>
-    <dgm:pt modelId="{6B30F03A-93BA-441A-ABF4-25C2455DF7C0}" type="pres">
-      <dgm:prSet presAssocID="{AEFF5EA2-6931-4098-96C8-31AE53CB425B}" presName="Accent9" presStyleCnt="0"/>
+    <dgm:pt modelId="{DA710131-3783-4DA3-B7FC-37F6C2BD118A}" type="pres">
+      <dgm:prSet presAssocID="{865DC57C-459F-4C55-AE20-8EBD5001AA44}" presName="sibTrans" presStyleCnt="0"/>
       <dgm:spPr/>
     </dgm:pt>
-    <dgm:pt modelId="{0DF8FB3E-B0B0-40D8-B039-0C7B496BBA97}" type="pres">
-      <dgm:prSet presAssocID="{AEFF5EA2-6931-4098-96C8-31AE53CB425B}" presName="AccentHold1" presStyleLbl="node1" presStyleIdx="10" presStyleCnt="13"/>
+    <dgm:pt modelId="{841E72DE-0844-41A2-A687-B385CD652730}" type="pres">
+      <dgm:prSet presAssocID="{C0A12D41-A1DB-4E8A-ADB9-CA9738378B5A}" presName="compNode" presStyleCnt="0"/>
       <dgm:spPr/>
     </dgm:pt>
-    <dgm:pt modelId="{37FA1CD0-A7DC-4E74-BDC2-224405012EB0}" type="pres">
-      <dgm:prSet presAssocID="{AEFF5EA2-6931-4098-96C8-31AE53CB425B}" presName="Accent10" presStyleCnt="0"/>
+    <dgm:pt modelId="{BFA6A163-BAB2-40CC-BE61-C544DEB04458}" type="pres">
+      <dgm:prSet presAssocID="{C0A12D41-A1DB-4E8A-ADB9-CA9738378B5A}" presName="iconBgRect" presStyleLbl="bgShp" presStyleIdx="4" presStyleCnt="5"/>
+      <dgm:spPr>
+        <a:prstGeom prst="round2DiagRect">
+          <a:avLst>
+            <a:gd name="adj1" fmla="val 29727"/>
+            <a:gd name="adj2" fmla="val 0"/>
+          </a:avLst>
+        </a:prstGeom>
+      </dgm:spPr>
+    </dgm:pt>
+    <dgm:pt modelId="{D31A7F4E-D323-4DEA-A144-DAA7E00FA67B}" type="pres">
+      <dgm:prSet presAssocID="{C0A12D41-A1DB-4E8A-ADB9-CA9738378B5A}" presName="iconRect" presStyleLbl="node1" presStyleIdx="4" presStyleCnt="5"/>
+      <dgm:spPr>
+        <a:blipFill>
+          <a:blip xmlns:r="http://schemas.openxmlformats.org/officeDocument/2006/relationships" r:embed="rId9">
+            <a:extLst>
+              <a:ext uri="{28A0092B-C50C-407E-A947-70E740481C1C}">
+                <a14:useLocalDpi xmlns:a14="http://schemas.microsoft.com/office/drawing/2010/main" val="0"/>
+              </a:ext>
+              <a:ext uri="{96DAC541-7B7A-43D3-8B79-37D633B846F1}">
+                <asvg:svgBlip xmlns:asvg="http://schemas.microsoft.com/office/drawing/2016/SVG/main" r:embed="rId10"/>
+              </a:ext>
+            </a:extLst>
+          </a:blip>
+          <a:stretch>
+            <a:fillRect/>
+          </a:stretch>
+        </a:blipFill>
+        <a:ln>
+          <a:noFill/>
+        </a:ln>
+      </dgm:spPr>
+      <dgm:extLst>
+        <a:ext uri="{E40237B7-FDA0-4F09-8148-C483321AD2D9}">
+          <dgm14:cNvPr xmlns:dgm14="http://schemas.microsoft.com/office/drawing/2010/diagram" id="0" name="" descr="Vragen"/>
+        </a:ext>
+      </dgm:extLst>
+    </dgm:pt>
+    <dgm:pt modelId="{6B41717B-50E7-4A4D-BFD5-11780D5A3506}" type="pres">
+      <dgm:prSet presAssocID="{C0A12D41-A1DB-4E8A-ADB9-CA9738378B5A}" presName="spaceRect" presStyleCnt="0"/>
       <dgm:spPr/>
     </dgm:pt>
-    <dgm:pt modelId="{022614F8-042B-41CB-A6A7-8094C903EB2F}" type="pres">
-      <dgm:prSet presAssocID="{AEFF5EA2-6931-4098-96C8-31AE53CB425B}" presName="AccentHold2" presStyleLbl="node1" presStyleIdx="11" presStyleCnt="13"/>
-      <dgm:spPr/>
-    </dgm:pt>
-    <dgm:pt modelId="{BA4661A9-DFAB-468E-97BE-F29D08FF69A9}" type="pres">
-      <dgm:prSet presAssocID="{AEFF5EA2-6931-4098-96C8-31AE53CB425B}" presName="Accent11" presStyleCnt="0"/>
-      <dgm:spPr/>
-    </dgm:pt>
-    <dgm:pt modelId="{C85BB588-B4E8-4D50-9280-4D4F2686007C}" type="pres">
-      <dgm:prSet presAssocID="{AEFF5EA2-6931-4098-96C8-31AE53CB425B}" presName="AccentHold3" presStyleLbl="node1" presStyleIdx="12" presStyleCnt="13"/>
+    <dgm:pt modelId="{293C64AE-60A8-4B12-A088-3D15AD47A3BD}" type="pres">
+      <dgm:prSet presAssocID="{C0A12D41-A1DB-4E8A-ADB9-CA9738378B5A}" presName="textRect" presStyleLbl="revTx" presStyleIdx="4" presStyleCnt="5">
+        <dgm:presLayoutVars>
+          <dgm:chMax val="1"/>
+          <dgm:chPref val="1"/>
+        </dgm:presLayoutVars>
+      </dgm:prSet>
       <dgm:spPr/>
     </dgm:pt>
   </dgm:ptLst>
   <dgm:cxnLst>
-    <dgm:cxn modelId="{9443D217-9168-4ECF-A563-7C2F4C998EAA}" type="presOf" srcId="{27C8F191-CB8B-4A89-9EDF-D94B6E4ADC92}" destId="{CCDD2561-1FC5-4EA6-AD90-3ADAF62A41D1}" srcOrd="0" destOrd="0" presId="urn:microsoft.com/office/officeart/2009/3/layout/CircleRelationship"/>
-    <dgm:cxn modelId="{FDEC3F6B-F860-4E8B-8B14-455DBFCFBFB4}" srcId="{BE5B76ED-C686-4E97-9A28-74231B4FDDD1}" destId="{B388C4F7-DD86-40E4-BA83-6838C8E845B2}" srcOrd="0" destOrd="0" parTransId="{4F4EFEB2-AE6B-4B4E-A388-E726479684C1}" sibTransId="{BEE196C3-EEB3-4935-976F-A713EF603EEA}"/>
-    <dgm:cxn modelId="{2D96128D-55F5-4B46-B071-9EA8CDCA9DCD}" srcId="{B388C4F7-DD86-40E4-BA83-6838C8E845B2}" destId="{AEFF5EA2-6931-4098-96C8-31AE53CB425B}" srcOrd="1" destOrd="0" parTransId="{AC52CE11-07EF-42A7-A67A-2231908FD231}" sibTransId="{FB25E557-3597-4AEA-B1FC-EA99A632BFB1}"/>
-    <dgm:cxn modelId="{4E26289A-3825-4A9C-991F-8AB8A7EFD597}" srcId="{B388C4F7-DD86-40E4-BA83-6838C8E845B2}" destId="{27C8F191-CB8B-4A89-9EDF-D94B6E4ADC92}" srcOrd="0" destOrd="0" parTransId="{8EFDF7C7-310E-4ED5-B739-2186FB69ED8A}" sibTransId="{755F5D09-ECCD-4FC5-B350-FED951F57983}"/>
-    <dgm:cxn modelId="{61F4EB9B-7EBC-4FC4-B727-C4A1C0EF0E59}" type="presOf" srcId="{AEFF5EA2-6931-4098-96C8-31AE53CB425B}" destId="{EB301C3D-F1F9-4A72-AC54-827EBC1AD812}" srcOrd="0" destOrd="0" presId="urn:microsoft.com/office/officeart/2009/3/layout/CircleRelationship"/>
-    <dgm:cxn modelId="{873563D0-860F-487F-97A2-E4B8D49A3DAA}" type="presOf" srcId="{B388C4F7-DD86-40E4-BA83-6838C8E845B2}" destId="{A6EEB127-C2F5-4C0D-B108-CC2B3F78F4F1}" srcOrd="0" destOrd="0" presId="urn:microsoft.com/office/officeart/2009/3/layout/CircleRelationship"/>
-    <dgm:cxn modelId="{A3AC16E3-96A0-4DCE-A502-BF3413F7EEBB}" type="presOf" srcId="{BE5B76ED-C686-4E97-9A28-74231B4FDDD1}" destId="{EC323DFF-E2DA-4381-8948-5F3D2CD82207}" srcOrd="0" destOrd="0" presId="urn:microsoft.com/office/officeart/2009/3/layout/CircleRelationship"/>
-    <dgm:cxn modelId="{7D45573C-4EBD-433F-BFA4-B1A529D7A12E}" type="presParOf" srcId="{EC323DFF-E2DA-4381-8948-5F3D2CD82207}" destId="{A6EEB127-C2F5-4C0D-B108-CC2B3F78F4F1}" srcOrd="0" destOrd="0" presId="urn:microsoft.com/office/officeart/2009/3/layout/CircleRelationship"/>
-    <dgm:cxn modelId="{F969CC6B-49AF-4CFA-905C-5A439FA65BB3}" type="presParOf" srcId="{EC323DFF-E2DA-4381-8948-5F3D2CD82207}" destId="{8A0FF0D8-0AF7-44A4-833E-7EA23A507B5A}" srcOrd="1" destOrd="0" presId="urn:microsoft.com/office/officeart/2009/3/layout/CircleRelationship"/>
-    <dgm:cxn modelId="{0B13118F-EC84-4BBC-B9D4-F016C42736A0}" type="presParOf" srcId="{EC323DFF-E2DA-4381-8948-5F3D2CD82207}" destId="{F988BAF3-9DE2-4A25-84FE-B7C476401BC3}" srcOrd="2" destOrd="0" presId="urn:microsoft.com/office/officeart/2009/3/layout/CircleRelationship"/>
-    <dgm:cxn modelId="{5A4C313A-14FE-4D34-9BAF-E781C66DAB07}" type="presParOf" srcId="{EC323DFF-E2DA-4381-8948-5F3D2CD82207}" destId="{6288D093-07AF-4EEB-B57C-FB5DA4420E30}" srcOrd="3" destOrd="0" presId="urn:microsoft.com/office/officeart/2009/3/layout/CircleRelationship"/>
-    <dgm:cxn modelId="{D6ACDC7E-1588-4451-A7EF-95F6F8F98E10}" type="presParOf" srcId="{EC323DFF-E2DA-4381-8948-5F3D2CD82207}" destId="{099685E2-34CD-4723-A342-ED2D0CA22ECA}" srcOrd="4" destOrd="0" presId="urn:microsoft.com/office/officeart/2009/3/layout/CircleRelationship"/>
-    <dgm:cxn modelId="{BF445524-7631-46A4-A9F8-F7CB08035DDB}" type="presParOf" srcId="{EC323DFF-E2DA-4381-8948-5F3D2CD82207}" destId="{282F7230-9226-4387-9620-3DC67223F95C}" srcOrd="5" destOrd="0" presId="urn:microsoft.com/office/officeart/2009/3/layout/CircleRelationship"/>
-    <dgm:cxn modelId="{218BBC07-C0B0-48B2-980B-148E51AEE23B}" type="presParOf" srcId="{EC323DFF-E2DA-4381-8948-5F3D2CD82207}" destId="{2682D7C4-37F7-4CA1-B102-AED7627E9C93}" srcOrd="6" destOrd="0" presId="urn:microsoft.com/office/officeart/2009/3/layout/CircleRelationship"/>
-    <dgm:cxn modelId="{AA1E1669-BD7D-411E-94D4-913E8566F654}" type="presParOf" srcId="{EC323DFF-E2DA-4381-8948-5F3D2CD82207}" destId="{CCDD2561-1FC5-4EA6-AD90-3ADAF62A41D1}" srcOrd="7" destOrd="0" presId="urn:microsoft.com/office/officeart/2009/3/layout/CircleRelationship"/>
-    <dgm:cxn modelId="{D0F07794-37F8-4175-8296-9725EA64B2E3}" type="presParOf" srcId="{EC323DFF-E2DA-4381-8948-5F3D2CD82207}" destId="{DD36342D-1CB9-480B-9443-592ECACCB1B2}" srcOrd="8" destOrd="0" presId="urn:microsoft.com/office/officeart/2009/3/layout/CircleRelationship"/>
-    <dgm:cxn modelId="{8AE7B659-C31F-4F52-9686-C1ABB63B1EA9}" type="presParOf" srcId="{DD36342D-1CB9-480B-9443-592ECACCB1B2}" destId="{2470B0FE-F3CE-48F3-AE82-73016C487D68}" srcOrd="0" destOrd="0" presId="urn:microsoft.com/office/officeart/2009/3/layout/CircleRelationship"/>
-    <dgm:cxn modelId="{5834BBB2-34B9-46B9-948C-3BC456B978F5}" type="presParOf" srcId="{EC323DFF-E2DA-4381-8948-5F3D2CD82207}" destId="{1C5C821B-7AF3-4B1C-B3FE-45A337B82741}" srcOrd="9" destOrd="0" presId="urn:microsoft.com/office/officeart/2009/3/layout/CircleRelationship"/>
-    <dgm:cxn modelId="{639DABF8-5BDE-484F-A747-33E9F42E376F}" type="presParOf" srcId="{1C5C821B-7AF3-4B1C-B3FE-45A337B82741}" destId="{48BC9D73-B86D-4378-970E-5CD650E31618}" srcOrd="0" destOrd="0" presId="urn:microsoft.com/office/officeart/2009/3/layout/CircleRelationship"/>
-    <dgm:cxn modelId="{318F3B25-56D7-4CD3-80CD-4ECF6ABE9097}" type="presParOf" srcId="{EC323DFF-E2DA-4381-8948-5F3D2CD82207}" destId="{EB301C3D-F1F9-4A72-AC54-827EBC1AD812}" srcOrd="10" destOrd="0" presId="urn:microsoft.com/office/officeart/2009/3/layout/CircleRelationship"/>
-    <dgm:cxn modelId="{5F192FAF-AA29-4119-9D75-AAF74B2D984A}" type="presParOf" srcId="{EC323DFF-E2DA-4381-8948-5F3D2CD82207}" destId="{6B30F03A-93BA-441A-ABF4-25C2455DF7C0}" srcOrd="11" destOrd="0" presId="urn:microsoft.com/office/officeart/2009/3/layout/CircleRelationship"/>
-    <dgm:cxn modelId="{FF4ED7F3-8BF5-4BCE-8EC2-0B8ACBB19BC4}" type="presParOf" srcId="{6B30F03A-93BA-441A-ABF4-25C2455DF7C0}" destId="{0DF8FB3E-B0B0-40D8-B039-0C7B496BBA97}" srcOrd="0" destOrd="0" presId="urn:microsoft.com/office/officeart/2009/3/layout/CircleRelationship"/>
-    <dgm:cxn modelId="{89500581-5988-46A4-9DF9-3A7B84A68823}" type="presParOf" srcId="{EC323DFF-E2DA-4381-8948-5F3D2CD82207}" destId="{37FA1CD0-A7DC-4E74-BDC2-224405012EB0}" srcOrd="12" destOrd="0" presId="urn:microsoft.com/office/officeart/2009/3/layout/CircleRelationship"/>
-    <dgm:cxn modelId="{7957AFA6-FEBB-441D-B867-7098C7F0D056}" type="presParOf" srcId="{37FA1CD0-A7DC-4E74-BDC2-224405012EB0}" destId="{022614F8-042B-41CB-A6A7-8094C903EB2F}" srcOrd="0" destOrd="0" presId="urn:microsoft.com/office/officeart/2009/3/layout/CircleRelationship"/>
-    <dgm:cxn modelId="{93B1B3BC-398A-43F6-862B-AA461BA776D1}" type="presParOf" srcId="{EC323DFF-E2DA-4381-8948-5F3D2CD82207}" destId="{BA4661A9-DFAB-468E-97BE-F29D08FF69A9}" srcOrd="13" destOrd="0" presId="urn:microsoft.com/office/officeart/2009/3/layout/CircleRelationship"/>
-    <dgm:cxn modelId="{063A3997-1101-4FAD-B1B6-AA0965152552}" type="presParOf" srcId="{BA4661A9-DFAB-468E-97BE-F29D08FF69A9}" destId="{C85BB588-B4E8-4D50-9280-4D4F2686007C}" srcOrd="0" destOrd="0" presId="urn:microsoft.com/office/officeart/2009/3/layout/CircleRelationship"/>
+    <dgm:cxn modelId="{4778350D-B020-4E0F-842C-7F0BF7ECFE1D}" srcId="{BAA18807-192C-4941-B767-BA95012FB5DF}" destId="{C0A12D41-A1DB-4E8A-ADB9-CA9738378B5A}" srcOrd="4" destOrd="0" parTransId="{456670CB-C017-4024-950D-3BBDE085C1DD}" sibTransId="{42D72D98-0DC0-45F4-B2DA-17392AD0FA08}"/>
+    <dgm:cxn modelId="{89B3AC13-8681-453A-8CFA-0FA68D3C49F0}" type="presOf" srcId="{AAB7440B-C9A9-4B80-9741-C72129C52B5D}" destId="{6D758CB6-21E5-4099-B1BD-D953C9745C52}" srcOrd="0" destOrd="0" presId="urn:microsoft.com/office/officeart/2018/5/layout/IconLeafLabelList"/>
+    <dgm:cxn modelId="{984C3416-3FC2-47A4-A6B3-27302791ED08}" srcId="{BAA18807-192C-4941-B767-BA95012FB5DF}" destId="{AAB7440B-C9A9-4B80-9741-C72129C52B5D}" srcOrd="2" destOrd="0" parTransId="{12BDF044-98F1-4919-BC02-179A97EC60C1}" sibTransId="{69D8CE12-31A0-46EB-8198-CDA8A430F91C}"/>
+    <dgm:cxn modelId="{B7890E1D-4367-45C6-94CC-99352486E6E4}" type="presOf" srcId="{BCADFC7D-9484-41FC-A3E1-D7B5BCFACCFD}" destId="{3156C100-C6E3-499D-BE05-0423B87DA5E4}" srcOrd="0" destOrd="0" presId="urn:microsoft.com/office/officeart/2018/5/layout/IconLeafLabelList"/>
+    <dgm:cxn modelId="{56C4A230-C2AF-43D8-84A1-B069E4100230}" type="presOf" srcId="{A0AA39B2-3FB2-483D-ADD8-1150E8F24315}" destId="{8DEF0F7F-9E12-418A-B5C4-EFC42472CB8A}" srcOrd="0" destOrd="0" presId="urn:microsoft.com/office/officeart/2018/5/layout/IconLeafLabelList"/>
+    <dgm:cxn modelId="{14E9F363-E93A-4634-B794-1AB09A8A33B4}" srcId="{BAA18807-192C-4941-B767-BA95012FB5DF}" destId="{BCADFC7D-9484-41FC-A3E1-D7B5BCFACCFD}" srcOrd="0" destOrd="0" parTransId="{FF335784-3E3C-4DE2-9082-911A38702A34}" sibTransId="{BB53C16E-824E-420B-90EB-84F2FE37B52A}"/>
+    <dgm:cxn modelId="{26E59655-7675-44B0-A8CC-64691A9683E5}" type="presOf" srcId="{BAA18807-192C-4941-B767-BA95012FB5DF}" destId="{8A07A9F7-47FA-44B0-A86C-B43BE7BE8638}" srcOrd="0" destOrd="0" presId="urn:microsoft.com/office/officeart/2018/5/layout/IconLeafLabelList"/>
+    <dgm:cxn modelId="{5A2A19BD-AEEF-4970-91EB-1533EAEAB1FB}" srcId="{BAA18807-192C-4941-B767-BA95012FB5DF}" destId="{A0AA39B2-3FB2-483D-ADD8-1150E8F24315}" srcOrd="3" destOrd="0" parTransId="{656F849E-487E-4D94-892D-F0B71887BA25}" sibTransId="{865DC57C-459F-4C55-AE20-8EBD5001AA44}"/>
+    <dgm:cxn modelId="{1DA82DCE-953B-425A-88A7-87643D574546}" type="presOf" srcId="{C0A12D41-A1DB-4E8A-ADB9-CA9738378B5A}" destId="{293C64AE-60A8-4B12-A088-3D15AD47A3BD}" srcOrd="0" destOrd="0" presId="urn:microsoft.com/office/officeart/2018/5/layout/IconLeafLabelList"/>
+    <dgm:cxn modelId="{CFA55EE0-A457-4923-9F20-5415E5FF4C36}" srcId="{BAA18807-192C-4941-B767-BA95012FB5DF}" destId="{13C6D91C-509B-403A-B8AA-B3F3D6357F13}" srcOrd="1" destOrd="0" parTransId="{CE5CE245-DC2E-43AB-86D8-24595DAB39DC}" sibTransId="{243051B0-D0BE-4E61-BCAF-DF1FFC054935}"/>
+    <dgm:cxn modelId="{902FC5F4-E84E-4C9E-9A35-3360D5C3F3A6}" type="presOf" srcId="{13C6D91C-509B-403A-B8AA-B3F3D6357F13}" destId="{FEBA561A-80C0-4099-BEF5-C61B220D18A4}" srcOrd="0" destOrd="0" presId="urn:microsoft.com/office/officeart/2018/5/layout/IconLeafLabelList"/>
+    <dgm:cxn modelId="{2AC06B9F-563F-4F96-BA64-4C96D9E16446}" type="presParOf" srcId="{8A07A9F7-47FA-44B0-A86C-B43BE7BE8638}" destId="{2DA4ACD4-AD58-49A9-93B9-087F5D218680}" srcOrd="0" destOrd="0" presId="urn:microsoft.com/office/officeart/2018/5/layout/IconLeafLabelList"/>
+    <dgm:cxn modelId="{C11CF0A1-AB8E-4BA5-BE56-16E0139FDA1D}" type="presParOf" srcId="{2DA4ACD4-AD58-49A9-93B9-087F5D218680}" destId="{5DE24757-3E65-4724-8FBC-DF733B105FE2}" srcOrd="0" destOrd="0" presId="urn:microsoft.com/office/officeart/2018/5/layout/IconLeafLabelList"/>
+    <dgm:cxn modelId="{472F4061-33AC-462C-B18E-771297B7AEAB}" type="presParOf" srcId="{2DA4ACD4-AD58-49A9-93B9-087F5D218680}" destId="{96976C20-DEE4-4970-9440-B5C8B839129D}" srcOrd="1" destOrd="0" presId="urn:microsoft.com/office/officeart/2018/5/layout/IconLeafLabelList"/>
+    <dgm:cxn modelId="{89F29AE5-C6EA-469E-9AEC-9BBEC4EB8F39}" type="presParOf" srcId="{2DA4ACD4-AD58-49A9-93B9-087F5D218680}" destId="{9C565BAE-5ACC-4C10-A3C9-20E54C41A408}" srcOrd="2" destOrd="0" presId="urn:microsoft.com/office/officeart/2018/5/layout/IconLeafLabelList"/>
+    <dgm:cxn modelId="{96A33E56-5299-410B-A76E-FCF1645EBC83}" type="presParOf" srcId="{2DA4ACD4-AD58-49A9-93B9-087F5D218680}" destId="{3156C100-C6E3-499D-BE05-0423B87DA5E4}" srcOrd="3" destOrd="0" presId="urn:microsoft.com/office/officeart/2018/5/layout/IconLeafLabelList"/>
+    <dgm:cxn modelId="{6EF20A69-EC02-474F-A56C-49CB5A63DAD7}" type="presParOf" srcId="{8A07A9F7-47FA-44B0-A86C-B43BE7BE8638}" destId="{C874C7A3-B300-49A4-AB3D-E859B796A1AD}" srcOrd="1" destOrd="0" presId="urn:microsoft.com/office/officeart/2018/5/layout/IconLeafLabelList"/>
+    <dgm:cxn modelId="{E3277574-F749-40C5-8138-4CFDBE43CF62}" type="presParOf" srcId="{8A07A9F7-47FA-44B0-A86C-B43BE7BE8638}" destId="{CC24B69E-96EF-43D2-82E0-342D6D666D7B}" srcOrd="2" destOrd="0" presId="urn:microsoft.com/office/officeart/2018/5/layout/IconLeafLabelList"/>
+    <dgm:cxn modelId="{EC78EB0A-7037-4249-BAD5-0F53F59F4ECC}" type="presParOf" srcId="{CC24B69E-96EF-43D2-82E0-342D6D666D7B}" destId="{7881CB1E-1B4F-4792-BF46-8E63DF9CFB92}" srcOrd="0" destOrd="0" presId="urn:microsoft.com/office/officeart/2018/5/layout/IconLeafLabelList"/>
+    <dgm:cxn modelId="{3C57666B-04DE-4933-B0B6-31527364352E}" type="presParOf" srcId="{CC24B69E-96EF-43D2-82E0-342D6D666D7B}" destId="{496894C2-54D1-4516-BA7E-6FDBD22278F1}" srcOrd="1" destOrd="0" presId="urn:microsoft.com/office/officeart/2018/5/layout/IconLeafLabelList"/>
+    <dgm:cxn modelId="{7027A9D3-4D96-413A-9C47-7CA6F9C25076}" type="presParOf" srcId="{CC24B69E-96EF-43D2-82E0-342D6D666D7B}" destId="{146D92E8-7085-42D7-8A02-FCA6849B5C63}" srcOrd="2" destOrd="0" presId="urn:microsoft.com/office/officeart/2018/5/layout/IconLeafLabelList"/>
+    <dgm:cxn modelId="{A2C38675-356D-4A7F-AA6D-2B4D704E21D2}" type="presParOf" srcId="{CC24B69E-96EF-43D2-82E0-342D6D666D7B}" destId="{FEBA561A-80C0-4099-BEF5-C61B220D18A4}" srcOrd="3" destOrd="0" presId="urn:microsoft.com/office/officeart/2018/5/layout/IconLeafLabelList"/>
+    <dgm:cxn modelId="{F3CCFC1A-4DBB-4AAF-9E3C-25679815FDBE}" type="presParOf" srcId="{8A07A9F7-47FA-44B0-A86C-B43BE7BE8638}" destId="{F0912F5F-0597-4728-B427-E5AF73A35DE9}" srcOrd="3" destOrd="0" presId="urn:microsoft.com/office/officeart/2018/5/layout/IconLeafLabelList"/>
+    <dgm:cxn modelId="{065A7B90-20E5-44DD-9992-B6FD69F02E7E}" type="presParOf" srcId="{8A07A9F7-47FA-44B0-A86C-B43BE7BE8638}" destId="{3B79599F-9045-4047-BEFB-C74C6BE4BF8F}" srcOrd="4" destOrd="0" presId="urn:microsoft.com/office/officeart/2018/5/layout/IconLeafLabelList"/>
+    <dgm:cxn modelId="{B7CD42D9-02BA-4500-9765-475829299205}" type="presParOf" srcId="{3B79599F-9045-4047-BEFB-C74C6BE4BF8F}" destId="{677978FE-0504-4C66-B3EB-750AF268690D}" srcOrd="0" destOrd="0" presId="urn:microsoft.com/office/officeart/2018/5/layout/IconLeafLabelList"/>
+    <dgm:cxn modelId="{F7E912D6-C35D-4AE8-ADFE-817EEB64798F}" type="presParOf" srcId="{3B79599F-9045-4047-BEFB-C74C6BE4BF8F}" destId="{F4414353-D477-4173-9091-1844A625C9F3}" srcOrd="1" destOrd="0" presId="urn:microsoft.com/office/officeart/2018/5/layout/IconLeafLabelList"/>
+    <dgm:cxn modelId="{99FDE263-94B8-4203-9EA7-A5C811CC58DC}" type="presParOf" srcId="{3B79599F-9045-4047-BEFB-C74C6BE4BF8F}" destId="{E29BE35D-5D4C-48F9-8711-FE53E12B95E0}" srcOrd="2" destOrd="0" presId="urn:microsoft.com/office/officeart/2018/5/layout/IconLeafLabelList"/>
+    <dgm:cxn modelId="{7BD388A3-C12B-4559-BDFA-9EF56A7EFCD8}" type="presParOf" srcId="{3B79599F-9045-4047-BEFB-C74C6BE4BF8F}" destId="{6D758CB6-21E5-4099-B1BD-D953C9745C52}" srcOrd="3" destOrd="0" presId="urn:microsoft.com/office/officeart/2018/5/layout/IconLeafLabelList"/>
+    <dgm:cxn modelId="{9D901898-BCDE-49A5-91A5-5805B6F81B3A}" type="presParOf" srcId="{8A07A9F7-47FA-44B0-A86C-B43BE7BE8638}" destId="{A21B00A9-7939-4E47-9FED-452BEC00CE46}" srcOrd="5" destOrd="0" presId="urn:microsoft.com/office/officeart/2018/5/layout/IconLeafLabelList"/>
+    <dgm:cxn modelId="{EA59D1E9-2ED9-4F71-8257-55D0B41D1E94}" type="presParOf" srcId="{8A07A9F7-47FA-44B0-A86C-B43BE7BE8638}" destId="{C8DEEAAA-9528-4D50-A19F-C05DFD2E7373}" srcOrd="6" destOrd="0" presId="urn:microsoft.com/office/officeart/2018/5/layout/IconLeafLabelList"/>
+    <dgm:cxn modelId="{20C40929-A5A2-4DC4-8E3C-98A52B60E860}" type="presParOf" srcId="{C8DEEAAA-9528-4D50-A19F-C05DFD2E7373}" destId="{F2F6E49E-6B53-42D6-8D18-F897B7F9E060}" srcOrd="0" destOrd="0" presId="urn:microsoft.com/office/officeart/2018/5/layout/IconLeafLabelList"/>
+    <dgm:cxn modelId="{07F979C3-5CB7-4E22-9F8C-B8F2480DE44E}" type="presParOf" srcId="{C8DEEAAA-9528-4D50-A19F-C05DFD2E7373}" destId="{4934DCB4-FCF9-449A-A923-7EE2AA639A44}" srcOrd="1" destOrd="0" presId="urn:microsoft.com/office/officeart/2018/5/layout/IconLeafLabelList"/>
+    <dgm:cxn modelId="{DA1DF82F-BDE7-4FC0-9EAA-34181D3214DC}" type="presParOf" srcId="{C8DEEAAA-9528-4D50-A19F-C05DFD2E7373}" destId="{85573454-76B2-4E8E-B3EA-F1D60A76B00E}" srcOrd="2" destOrd="0" presId="urn:microsoft.com/office/officeart/2018/5/layout/IconLeafLabelList"/>
+    <dgm:cxn modelId="{42585FE7-A52B-4C5B-A2FD-DE45D12424AB}" type="presParOf" srcId="{C8DEEAAA-9528-4D50-A19F-C05DFD2E7373}" destId="{8DEF0F7F-9E12-418A-B5C4-EFC42472CB8A}" srcOrd="3" destOrd="0" presId="urn:microsoft.com/office/officeart/2018/5/layout/IconLeafLabelList"/>
+    <dgm:cxn modelId="{CE2B257F-E81C-4969-8210-2334F043D6B2}" type="presParOf" srcId="{8A07A9F7-47FA-44B0-A86C-B43BE7BE8638}" destId="{DA710131-3783-4DA3-B7FC-37F6C2BD118A}" srcOrd="7" destOrd="0" presId="urn:microsoft.com/office/officeart/2018/5/layout/IconLeafLabelList"/>
+    <dgm:cxn modelId="{FA60B13F-A437-4DCF-953E-C9A2E7EAB841}" type="presParOf" srcId="{8A07A9F7-47FA-44B0-A86C-B43BE7BE8638}" destId="{841E72DE-0844-41A2-A687-B385CD652730}" srcOrd="8" destOrd="0" presId="urn:microsoft.com/office/officeart/2018/5/layout/IconLeafLabelList"/>
+    <dgm:cxn modelId="{B2FA84EB-8731-4489-8A60-CC90B572567F}" type="presParOf" srcId="{841E72DE-0844-41A2-A687-B385CD652730}" destId="{BFA6A163-BAB2-40CC-BE61-C544DEB04458}" srcOrd="0" destOrd="0" presId="urn:microsoft.com/office/officeart/2018/5/layout/IconLeafLabelList"/>
+    <dgm:cxn modelId="{0F5384E4-6968-42A8-B19B-B98D069FB3CC}" type="presParOf" srcId="{841E72DE-0844-41A2-A687-B385CD652730}" destId="{D31A7F4E-D323-4DEA-A144-DAA7E00FA67B}" srcOrd="1" destOrd="0" presId="urn:microsoft.com/office/officeart/2018/5/layout/IconLeafLabelList"/>
+    <dgm:cxn modelId="{5F275B57-638C-4342-9A11-E3D777B3422B}" type="presParOf" srcId="{841E72DE-0844-41A2-A687-B385CD652730}" destId="{6B41717B-50E7-4A4D-BFD5-11780D5A3506}" srcOrd="2" destOrd="0" presId="urn:microsoft.com/office/officeart/2018/5/layout/IconLeafLabelList"/>
+    <dgm:cxn modelId="{DD61087F-D97A-4663-A47D-08BB9D043DD2}" type="presParOf" srcId="{841E72DE-0844-41A2-A687-B385CD652730}" destId="{293C64AE-60A8-4B12-A088-3D15AD47A3BD}" srcOrd="3" destOrd="0" presId="urn:microsoft.com/office/officeart/2018/5/layout/IconLeafLabelList"/>
   </dgm:cxnLst>
   <dgm:bg/>
   <dgm:whole/>
   <dgm:extLst>
     <a:ext uri="http://schemas.microsoft.com/office/drawing/2008/diagram">
-      <dsp:dataModelExt xmlns:dsp="http://schemas.microsoft.com/office/drawing/2008/diagram" relId="rId8" minVer="http://schemas.openxmlformats.org/drawingml/2006/diagram"/>
+      <dsp:dataModelExt xmlns:dsp="http://schemas.microsoft.com/office/drawing/2008/diagram" relId="rId7" minVer="http://schemas.openxmlformats.org/drawingml/2006/diagram"/>
     </a:ext>
   </dgm:extLst>
 </dgm:dataModel>
@@ -2988,78 +3575,137 @@
       <dsp:cNvGrpSpPr/>
     </dsp:nvGrpSpPr>
     <dsp:grpSpPr/>
-    <dsp:sp modelId="{A6EEB127-C2F5-4C0D-B108-CC2B3F78F4F1}">
+    <dsp:sp modelId="{5DE24757-3E65-4724-8FBC-DF733B105FE2}">
       <dsp:nvSpPr>
         <dsp:cNvPr id="0" name=""/>
         <dsp:cNvSpPr/>
       </dsp:nvSpPr>
       <dsp:spPr>
         <a:xfrm>
-          <a:off x="1746397" y="269357"/>
-          <a:ext cx="3188953" cy="3188885"/>
+          <a:off x="347383" y="626110"/>
+          <a:ext cx="1084060" cy="1084060"/>
         </a:xfrm>
-        <a:prstGeom prst="ellipse">
-          <a:avLst/>
+        <a:prstGeom prst="round2DiagRect">
+          <a:avLst>
+            <a:gd name="adj1" fmla="val 29727"/>
+            <a:gd name="adj2" fmla="val 0"/>
+          </a:avLst>
         </a:prstGeom>
-        <a:gradFill rotWithShape="0">
-          <a:gsLst>
-            <a:gs pos="0">
-              <a:schemeClr val="accent1">
-                <a:hueOff val="0"/>
-                <a:satOff val="0"/>
-                <a:lumOff val="0"/>
-                <a:alphaOff val="0"/>
-                <a:tint val="98000"/>
-                <a:lumMod val="100000"/>
-              </a:schemeClr>
-            </a:gs>
-            <a:gs pos="100000">
-              <a:schemeClr val="accent1">
-                <a:hueOff val="0"/>
-                <a:satOff val="0"/>
-                <a:lumOff val="0"/>
-                <a:alphaOff val="0"/>
-                <a:shade val="88000"/>
-                <a:lumMod val="88000"/>
-              </a:schemeClr>
-            </a:gs>
-          </a:gsLst>
-          <a:lin ang="5400000" scaled="1"/>
-        </a:gradFill>
+        <a:solidFill>
+          <a:schemeClr val="accent2">
+            <a:hueOff val="0"/>
+            <a:satOff val="0"/>
+            <a:lumOff val="0"/>
+            <a:alphaOff val="0"/>
+          </a:schemeClr>
+        </a:solidFill>
         <a:ln>
           <a:noFill/>
         </a:ln>
-        <a:effectLst>
-          <a:outerShdw blurRad="50800" dist="38100" dir="5400000" rotWithShape="0">
-            <a:srgbClr val="000000">
-              <a:alpha val="35000"/>
-            </a:srgbClr>
-          </a:outerShdw>
-        </a:effectLst>
+        <a:effectLst/>
       </dsp:spPr>
       <dsp:style>
         <a:lnRef idx="0">
           <a:scrgbClr r="0" g="0" b="0"/>
         </a:lnRef>
-        <a:fillRef idx="3">
+        <a:fillRef idx="1">
           <a:scrgbClr r="0" g="0" b="0"/>
         </a:fillRef>
-        <a:effectRef idx="2">
+        <a:effectRef idx="0">
+          <a:scrgbClr r="0" g="0" b="0"/>
+        </a:effectRef>
+        <a:fontRef idx="minor"/>
+      </dsp:style>
+    </dsp:sp>
+    <dsp:sp modelId="{96976C20-DEE4-4970-9440-B5C8B839129D}">
+      <dsp:nvSpPr>
+        <dsp:cNvPr id="0" name=""/>
+        <dsp:cNvSpPr/>
+      </dsp:nvSpPr>
+      <dsp:spPr>
+        <a:xfrm>
+          <a:off x="578412" y="857139"/>
+          <a:ext cx="622001" cy="622001"/>
+        </a:xfrm>
+        <a:prstGeom prst="rect">
+          <a:avLst/>
+        </a:prstGeom>
+        <a:blipFill>
+          <a:blip xmlns:r="http://schemas.openxmlformats.org/officeDocument/2006/relationships" r:embed="rId1">
+            <a:extLst>
+              <a:ext uri="{28A0092B-C50C-407E-A947-70E740481C1C}">
+                <a14:useLocalDpi xmlns:a14="http://schemas.microsoft.com/office/drawing/2010/main" val="0"/>
+              </a:ext>
+              <a:ext uri="{96DAC541-7B7A-43D3-8B79-37D633B846F1}">
+                <asvg:svgBlip xmlns:asvg="http://schemas.microsoft.com/office/drawing/2016/SVG/main" r:embed="rId2"/>
+              </a:ext>
+            </a:extLst>
+          </a:blip>
+          <a:stretch>
+            <a:fillRect/>
+          </a:stretch>
+        </a:blipFill>
+        <a:ln w="19050" cap="rnd" cmpd="sng" algn="ctr">
+          <a:noFill/>
+          <a:prstDash val="solid"/>
+        </a:ln>
+        <a:effectLst/>
+      </dsp:spPr>
+      <dsp:style>
+        <a:lnRef idx="2">
+          <a:scrgbClr r="0" g="0" b="0"/>
+        </a:lnRef>
+        <a:fillRef idx="1">
+          <a:scrgbClr r="0" g="0" b="0"/>
+        </a:fillRef>
+        <a:effectRef idx="0">
           <a:scrgbClr r="0" g="0" b="0"/>
         </a:effectRef>
         <a:fontRef idx="minor">
           <a:schemeClr val="lt1"/>
         </a:fontRef>
       </dsp:style>
+    </dsp:sp>
+    <dsp:sp modelId="{3156C100-C6E3-499D-BE05-0423B87DA5E4}">
+      <dsp:nvSpPr>
+        <dsp:cNvPr id="0" name=""/>
+        <dsp:cNvSpPr/>
+      </dsp:nvSpPr>
+      <dsp:spPr>
+        <a:xfrm>
+          <a:off x="839" y="2047829"/>
+          <a:ext cx="1777148" cy="710859"/>
+        </a:xfrm>
+        <a:prstGeom prst="rect">
+          <a:avLst/>
+        </a:prstGeom>
+        <a:noFill/>
+        <a:ln>
+          <a:noFill/>
+        </a:ln>
+        <a:effectLst/>
+      </dsp:spPr>
+      <dsp:style>
+        <a:lnRef idx="0">
+          <a:scrgbClr r="0" g="0" b="0"/>
+        </a:lnRef>
+        <a:fillRef idx="0">
+          <a:scrgbClr r="0" g="0" b="0"/>
+        </a:fillRef>
+        <a:effectRef idx="0">
+          <a:scrgbClr r="0" g="0" b="0"/>
+        </a:effectRef>
+        <a:fontRef idx="minor"/>
+      </dsp:style>
       <dsp:txBody>
-        <a:bodyPr spcFirstLastPara="0" vert="horz" wrap="square" lIns="68580" tIns="68580" rIns="68580" bIns="68580" numCol="1" spcCol="1270" anchor="ctr" anchorCtr="0">
+        <a:bodyPr spcFirstLastPara="0" vert="horz" wrap="square" lIns="0" tIns="0" rIns="0" bIns="0" numCol="1" spcCol="1270" anchor="t" anchorCtr="0">
           <a:noAutofit/>
         </a:bodyPr>
         <a:lstStyle/>
         <a:p>
-          <a:pPr marL="0" lvl="0" indent="0" algn="ctr" defTabSz="800100">
+          <a:pPr marL="0" lvl="0" indent="0" algn="ctr" defTabSz="977900">
             <a:lnSpc>
-              <a:spcPct val="90000"/>
+              <a:spcPct val="100000"/>
             </a:lnSpc>
             <a:spcBef>
               <a:spcPct val="0"/>
@@ -3068,75 +3714,104 @@
               <a:spcPct val="35000"/>
             </a:spcAft>
             <a:buNone/>
+            <a:defRPr cap="all"/>
           </a:pPr>
           <a:r>
-            <a:rPr lang="en-US" sz="1800" b="1" kern="1200"/>
-            <a:t>Problem Solving</a:t>
+            <a:rPr lang="nl-NL" sz="2200" kern="1200"/>
+            <a:t>3 meldingen</a:t>
           </a:r>
+          <a:endParaRPr lang="en-US" sz="2200" kern="1200"/>
         </a:p>
       </dsp:txBody>
       <dsp:txXfrm>
-        <a:off x="2213408" y="736358"/>
-        <a:ext cx="2254931" cy="2254883"/>
+        <a:off x="839" y="2047829"/>
+        <a:ext cx="1777148" cy="710859"/>
       </dsp:txXfrm>
     </dsp:sp>
-    <dsp:sp modelId="{8A0FF0D8-0AF7-44A4-833E-7EA23A507B5A}">
+    <dsp:sp modelId="{7881CB1E-1B4F-4792-BF46-8E63DF9CFB92}">
       <dsp:nvSpPr>
         <dsp:cNvPr id="0" name=""/>
         <dsp:cNvSpPr/>
       </dsp:nvSpPr>
       <dsp:spPr>
         <a:xfrm>
-          <a:off x="3565945" y="124069"/>
-          <a:ext cx="354657" cy="354651"/>
+          <a:off x="2435532" y="626110"/>
+          <a:ext cx="1084060" cy="1084060"/>
         </a:xfrm>
-        <a:prstGeom prst="ellipse">
-          <a:avLst/>
+        <a:prstGeom prst="round2DiagRect">
+          <a:avLst>
+            <a:gd name="adj1" fmla="val 29727"/>
+            <a:gd name="adj2" fmla="val 0"/>
+          </a:avLst>
         </a:prstGeom>
-        <a:gradFill rotWithShape="0">
-          <a:gsLst>
-            <a:gs pos="0">
-              <a:schemeClr val="accent1">
-                <a:hueOff val="0"/>
-                <a:satOff val="0"/>
-                <a:lumOff val="0"/>
-                <a:alphaOff val="0"/>
-                <a:tint val="98000"/>
-                <a:lumMod val="100000"/>
-              </a:schemeClr>
-            </a:gs>
-            <a:gs pos="100000">
-              <a:schemeClr val="accent1">
-                <a:hueOff val="0"/>
-                <a:satOff val="0"/>
-                <a:lumOff val="0"/>
-                <a:alphaOff val="0"/>
-                <a:shade val="88000"/>
-                <a:lumMod val="88000"/>
-              </a:schemeClr>
-            </a:gs>
-          </a:gsLst>
-          <a:lin ang="5400000" scaled="1"/>
-        </a:gradFill>
+        <a:solidFill>
+          <a:schemeClr val="accent3">
+            <a:hueOff val="0"/>
+            <a:satOff val="0"/>
+            <a:lumOff val="0"/>
+            <a:alphaOff val="0"/>
+          </a:schemeClr>
+        </a:solidFill>
         <a:ln>
           <a:noFill/>
         </a:ln>
-        <a:effectLst>
-          <a:outerShdw blurRad="50800" dist="38100" dir="5400000" rotWithShape="0">
-            <a:srgbClr val="000000">
-              <a:alpha val="35000"/>
-            </a:srgbClr>
-          </a:outerShdw>
-        </a:effectLst>
+        <a:effectLst/>
       </dsp:spPr>
       <dsp:style>
         <a:lnRef idx="0">
           <a:scrgbClr r="0" g="0" b="0"/>
         </a:lnRef>
-        <a:fillRef idx="3">
+        <a:fillRef idx="1">
           <a:scrgbClr r="0" g="0" b="0"/>
         </a:fillRef>
-        <a:effectRef idx="2">
+        <a:effectRef idx="0">
+          <a:scrgbClr r="0" g="0" b="0"/>
+        </a:effectRef>
+        <a:fontRef idx="minor"/>
+      </dsp:style>
+    </dsp:sp>
+    <dsp:sp modelId="{496894C2-54D1-4516-BA7E-6FDBD22278F1}">
+      <dsp:nvSpPr>
+        <dsp:cNvPr id="0" name=""/>
+        <dsp:cNvSpPr/>
+      </dsp:nvSpPr>
+      <dsp:spPr>
+        <a:xfrm>
+          <a:off x="2666562" y="857139"/>
+          <a:ext cx="622001" cy="622001"/>
+        </a:xfrm>
+        <a:prstGeom prst="rect">
+          <a:avLst/>
+        </a:prstGeom>
+        <a:blipFill>
+          <a:blip xmlns:r="http://schemas.openxmlformats.org/officeDocument/2006/relationships" r:embed="rId3">
+            <a:extLst>
+              <a:ext uri="{28A0092B-C50C-407E-A947-70E740481C1C}">
+                <a14:useLocalDpi xmlns:a14="http://schemas.microsoft.com/office/drawing/2010/main" val="0"/>
+              </a:ext>
+              <a:ext uri="{96DAC541-7B7A-43D3-8B79-37D633B846F1}">
+                <asvg:svgBlip xmlns:asvg="http://schemas.microsoft.com/office/drawing/2016/SVG/main" r:embed="rId4"/>
+              </a:ext>
+            </a:extLst>
+          </a:blip>
+          <a:stretch>
+            <a:fillRect/>
+          </a:stretch>
+        </a:blipFill>
+        <a:ln w="19050" cap="rnd" cmpd="sng" algn="ctr">
+          <a:noFill/>
+          <a:prstDash val="solid"/>
+        </a:ln>
+        <a:effectLst/>
+      </dsp:spPr>
+      <dsp:style>
+        <a:lnRef idx="2">
+          <a:scrgbClr r="0" g="0" b="0"/>
+        </a:lnRef>
+        <a:fillRef idx="1">
+          <a:scrgbClr r="0" g="0" b="0"/>
+        </a:fillRef>
+        <a:effectRef idx="0">
           <a:scrgbClr r="0" g="0" b="0"/>
         </a:effectRef>
         <a:fontRef idx="minor">
@@ -3144,398 +3819,46 @@
         </a:fontRef>
       </dsp:style>
     </dsp:sp>
-    <dsp:sp modelId="{F988BAF3-9DE2-4A25-84FE-B7C476401BC3}">
+    <dsp:sp modelId="{FEBA561A-80C0-4099-BEF5-C61B220D18A4}">
       <dsp:nvSpPr>
         <dsp:cNvPr id="0" name=""/>
         <dsp:cNvSpPr/>
       </dsp:nvSpPr>
       <dsp:spPr>
         <a:xfrm>
-          <a:off x="2726154" y="3221310"/>
-          <a:ext cx="256800" cy="257047"/>
+          <a:off x="2088988" y="2047829"/>
+          <a:ext cx="1777148" cy="710859"/>
         </a:xfrm>
-        <a:prstGeom prst="ellipse">
+        <a:prstGeom prst="rect">
           <a:avLst/>
         </a:prstGeom>
-        <a:gradFill rotWithShape="0">
-          <a:gsLst>
-            <a:gs pos="0">
-              <a:schemeClr val="accent1">
-                <a:hueOff val="0"/>
-                <a:satOff val="0"/>
-                <a:lumOff val="0"/>
-                <a:alphaOff val="0"/>
-                <a:tint val="98000"/>
-                <a:lumMod val="100000"/>
-              </a:schemeClr>
-            </a:gs>
-            <a:gs pos="100000">
-              <a:schemeClr val="accent1">
-                <a:hueOff val="0"/>
-                <a:satOff val="0"/>
-                <a:lumOff val="0"/>
-                <a:alphaOff val="0"/>
-                <a:shade val="88000"/>
-                <a:lumMod val="88000"/>
-              </a:schemeClr>
-            </a:gs>
-          </a:gsLst>
-          <a:lin ang="5400000" scaled="1"/>
-        </a:gradFill>
+        <a:noFill/>
         <a:ln>
           <a:noFill/>
         </a:ln>
-        <a:effectLst>
-          <a:outerShdw blurRad="50800" dist="38100" dir="5400000" rotWithShape="0">
-            <a:srgbClr val="000000">
-              <a:alpha val="35000"/>
-            </a:srgbClr>
-          </a:outerShdw>
-        </a:effectLst>
+        <a:effectLst/>
       </dsp:spPr>
       <dsp:style>
         <a:lnRef idx="0">
           <a:scrgbClr r="0" g="0" b="0"/>
         </a:lnRef>
-        <a:fillRef idx="3">
+        <a:fillRef idx="0">
           <a:scrgbClr r="0" g="0" b="0"/>
         </a:fillRef>
-        <a:effectRef idx="2">
+        <a:effectRef idx="0">
           <a:scrgbClr r="0" g="0" b="0"/>
         </a:effectRef>
-        <a:fontRef idx="minor">
-          <a:schemeClr val="lt1"/>
-        </a:fontRef>
-      </dsp:style>
-    </dsp:sp>
-    <dsp:sp modelId="{6288D093-07AF-4EEB-B57C-FB5DA4420E30}">
-      <dsp:nvSpPr>
-        <dsp:cNvPr id="0" name=""/>
-        <dsp:cNvSpPr/>
-      </dsp:nvSpPr>
-      <dsp:spPr>
-        <a:xfrm>
-          <a:off x="5140554" y="1563537"/>
-          <a:ext cx="256800" cy="257047"/>
-        </a:xfrm>
-        <a:prstGeom prst="ellipse">
-          <a:avLst/>
-        </a:prstGeom>
-        <a:gradFill rotWithShape="0">
-          <a:gsLst>
-            <a:gs pos="0">
-              <a:schemeClr val="accent1">
-                <a:hueOff val="0"/>
-                <a:satOff val="0"/>
-                <a:lumOff val="0"/>
-                <a:alphaOff val="0"/>
-                <a:tint val="98000"/>
-                <a:lumMod val="100000"/>
-              </a:schemeClr>
-            </a:gs>
-            <a:gs pos="100000">
-              <a:schemeClr val="accent1">
-                <a:hueOff val="0"/>
-                <a:satOff val="0"/>
-                <a:lumOff val="0"/>
-                <a:alphaOff val="0"/>
-                <a:shade val="88000"/>
-                <a:lumMod val="88000"/>
-              </a:schemeClr>
-            </a:gs>
-          </a:gsLst>
-          <a:lin ang="5400000" scaled="1"/>
-        </a:gradFill>
-        <a:ln>
-          <a:noFill/>
-        </a:ln>
-        <a:effectLst>
-          <a:outerShdw blurRad="50800" dist="38100" dir="5400000" rotWithShape="0">
-            <a:srgbClr val="000000">
-              <a:alpha val="35000"/>
-            </a:srgbClr>
-          </a:outerShdw>
-        </a:effectLst>
-      </dsp:spPr>
-      <dsp:style>
-        <a:lnRef idx="0">
-          <a:scrgbClr r="0" g="0" b="0"/>
-        </a:lnRef>
-        <a:fillRef idx="3">
-          <a:scrgbClr r="0" g="0" b="0"/>
-        </a:fillRef>
-        <a:effectRef idx="2">
-          <a:scrgbClr r="0" g="0" b="0"/>
-        </a:effectRef>
-        <a:fontRef idx="minor">
-          <a:schemeClr val="lt1"/>
-        </a:fontRef>
-      </dsp:style>
-    </dsp:sp>
-    <dsp:sp modelId="{099685E2-34CD-4723-A342-ED2D0CA22ECA}">
-      <dsp:nvSpPr>
-        <dsp:cNvPr id="0" name=""/>
-        <dsp:cNvSpPr/>
-      </dsp:nvSpPr>
-      <dsp:spPr>
-        <a:xfrm>
-          <a:off x="3911707" y="3494750"/>
-          <a:ext cx="354657" cy="354651"/>
-        </a:xfrm>
-        <a:prstGeom prst="ellipse">
-          <a:avLst/>
-        </a:prstGeom>
-        <a:gradFill rotWithShape="0">
-          <a:gsLst>
-            <a:gs pos="0">
-              <a:schemeClr val="accent1">
-                <a:hueOff val="0"/>
-                <a:satOff val="0"/>
-                <a:lumOff val="0"/>
-                <a:alphaOff val="0"/>
-                <a:tint val="98000"/>
-                <a:lumMod val="100000"/>
-              </a:schemeClr>
-            </a:gs>
-            <a:gs pos="100000">
-              <a:schemeClr val="accent1">
-                <a:hueOff val="0"/>
-                <a:satOff val="0"/>
-                <a:lumOff val="0"/>
-                <a:alphaOff val="0"/>
-                <a:shade val="88000"/>
-                <a:lumMod val="88000"/>
-              </a:schemeClr>
-            </a:gs>
-          </a:gsLst>
-          <a:lin ang="5400000" scaled="1"/>
-        </a:gradFill>
-        <a:ln>
-          <a:noFill/>
-        </a:ln>
-        <a:effectLst>
-          <a:outerShdw blurRad="50800" dist="38100" dir="5400000" rotWithShape="0">
-            <a:srgbClr val="000000">
-              <a:alpha val="35000"/>
-            </a:srgbClr>
-          </a:outerShdw>
-        </a:effectLst>
-      </dsp:spPr>
-      <dsp:style>
-        <a:lnRef idx="0">
-          <a:scrgbClr r="0" g="0" b="0"/>
-        </a:lnRef>
-        <a:fillRef idx="3">
-          <a:scrgbClr r="0" g="0" b="0"/>
-        </a:fillRef>
-        <a:effectRef idx="2">
-          <a:scrgbClr r="0" g="0" b="0"/>
-        </a:effectRef>
-        <a:fontRef idx="minor">
-          <a:schemeClr val="lt1"/>
-        </a:fontRef>
-      </dsp:style>
-    </dsp:sp>
-    <dsp:sp modelId="{282F7230-9226-4387-9620-3DC67223F95C}">
-      <dsp:nvSpPr>
-        <dsp:cNvPr id="0" name=""/>
-        <dsp:cNvSpPr/>
-      </dsp:nvSpPr>
-      <dsp:spPr>
-        <a:xfrm>
-          <a:off x="2799102" y="628106"/>
-          <a:ext cx="256800" cy="257047"/>
-        </a:xfrm>
-        <a:prstGeom prst="ellipse">
-          <a:avLst/>
-        </a:prstGeom>
-        <a:gradFill rotWithShape="0">
-          <a:gsLst>
-            <a:gs pos="0">
-              <a:schemeClr val="accent1">
-                <a:hueOff val="0"/>
-                <a:satOff val="0"/>
-                <a:lumOff val="0"/>
-                <a:alphaOff val="0"/>
-                <a:tint val="98000"/>
-                <a:lumMod val="100000"/>
-              </a:schemeClr>
-            </a:gs>
-            <a:gs pos="100000">
-              <a:schemeClr val="accent1">
-                <a:hueOff val="0"/>
-                <a:satOff val="0"/>
-                <a:lumOff val="0"/>
-                <a:alphaOff val="0"/>
-                <a:shade val="88000"/>
-                <a:lumMod val="88000"/>
-              </a:schemeClr>
-            </a:gs>
-          </a:gsLst>
-          <a:lin ang="5400000" scaled="1"/>
-        </a:gradFill>
-        <a:ln>
-          <a:noFill/>
-        </a:ln>
-        <a:effectLst>
-          <a:outerShdw blurRad="50800" dist="38100" dir="5400000" rotWithShape="0">
-            <a:srgbClr val="000000">
-              <a:alpha val="35000"/>
-            </a:srgbClr>
-          </a:outerShdw>
-        </a:effectLst>
-      </dsp:spPr>
-      <dsp:style>
-        <a:lnRef idx="0">
-          <a:scrgbClr r="0" g="0" b="0"/>
-        </a:lnRef>
-        <a:fillRef idx="3">
-          <a:scrgbClr r="0" g="0" b="0"/>
-        </a:fillRef>
-        <a:effectRef idx="2">
-          <a:scrgbClr r="0" g="0" b="0"/>
-        </a:effectRef>
-        <a:fontRef idx="minor">
-          <a:schemeClr val="lt1"/>
-        </a:fontRef>
-      </dsp:style>
-    </dsp:sp>
-    <dsp:sp modelId="{2682D7C4-37F7-4CA1-B102-AED7627E9C93}">
-      <dsp:nvSpPr>
-        <dsp:cNvPr id="0" name=""/>
-        <dsp:cNvSpPr/>
-      </dsp:nvSpPr>
-      <dsp:spPr>
-        <a:xfrm>
-          <a:off x="1989557" y="2098495"/>
-          <a:ext cx="256800" cy="257047"/>
-        </a:xfrm>
-        <a:prstGeom prst="ellipse">
-          <a:avLst/>
-        </a:prstGeom>
-        <a:gradFill rotWithShape="0">
-          <a:gsLst>
-            <a:gs pos="0">
-              <a:schemeClr val="accent1">
-                <a:hueOff val="0"/>
-                <a:satOff val="0"/>
-                <a:lumOff val="0"/>
-                <a:alphaOff val="0"/>
-                <a:tint val="98000"/>
-                <a:lumMod val="100000"/>
-              </a:schemeClr>
-            </a:gs>
-            <a:gs pos="100000">
-              <a:schemeClr val="accent1">
-                <a:hueOff val="0"/>
-                <a:satOff val="0"/>
-                <a:lumOff val="0"/>
-                <a:alphaOff val="0"/>
-                <a:shade val="88000"/>
-                <a:lumMod val="88000"/>
-              </a:schemeClr>
-            </a:gs>
-          </a:gsLst>
-          <a:lin ang="5400000" scaled="1"/>
-        </a:gradFill>
-        <a:ln>
-          <a:noFill/>
-        </a:ln>
-        <a:effectLst>
-          <a:outerShdw blurRad="50800" dist="38100" dir="5400000" rotWithShape="0">
-            <a:srgbClr val="000000">
-              <a:alpha val="35000"/>
-            </a:srgbClr>
-          </a:outerShdw>
-        </a:effectLst>
-      </dsp:spPr>
-      <dsp:style>
-        <a:lnRef idx="0">
-          <a:scrgbClr r="0" g="0" b="0"/>
-        </a:lnRef>
-        <a:fillRef idx="3">
-          <a:scrgbClr r="0" g="0" b="0"/>
-        </a:fillRef>
-        <a:effectRef idx="2">
-          <a:scrgbClr r="0" g="0" b="0"/>
-        </a:effectRef>
-        <a:fontRef idx="minor">
-          <a:schemeClr val="lt1"/>
-        </a:fontRef>
-      </dsp:style>
-    </dsp:sp>
-    <dsp:sp modelId="{CCDD2561-1FC5-4EA6-AD90-3ADAF62A41D1}">
-      <dsp:nvSpPr>
-        <dsp:cNvPr id="0" name=""/>
-        <dsp:cNvSpPr/>
-      </dsp:nvSpPr>
-      <dsp:spPr>
-        <a:xfrm>
-          <a:off x="296359" y="296740"/>
-          <a:ext cx="1850887" cy="1850296"/>
-        </a:xfrm>
-        <a:prstGeom prst="ellipse">
-          <a:avLst/>
-        </a:prstGeom>
-        <a:gradFill rotWithShape="0">
-          <a:gsLst>
-            <a:gs pos="0">
-              <a:schemeClr val="accent1">
-                <a:hueOff val="0"/>
-                <a:satOff val="0"/>
-                <a:lumOff val="0"/>
-                <a:alphaOff val="0"/>
-                <a:tint val="98000"/>
-                <a:lumMod val="100000"/>
-              </a:schemeClr>
-            </a:gs>
-            <a:gs pos="100000">
-              <a:schemeClr val="accent1">
-                <a:hueOff val="0"/>
-                <a:satOff val="0"/>
-                <a:lumOff val="0"/>
-                <a:alphaOff val="0"/>
-                <a:shade val="88000"/>
-                <a:lumMod val="88000"/>
-              </a:schemeClr>
-            </a:gs>
-          </a:gsLst>
-          <a:lin ang="5400000" scaled="1"/>
-        </a:gradFill>
-        <a:ln>
-          <a:noFill/>
-        </a:ln>
-        <a:effectLst>
-          <a:outerShdw blurRad="50800" dist="38100" dir="5400000" rotWithShape="0">
-            <a:srgbClr val="000000">
-              <a:alpha val="35000"/>
-            </a:srgbClr>
-          </a:outerShdw>
-        </a:effectLst>
-      </dsp:spPr>
-      <dsp:style>
-        <a:lnRef idx="0">
-          <a:scrgbClr r="0" g="0" b="0"/>
-        </a:lnRef>
-        <a:fillRef idx="3">
-          <a:scrgbClr r="0" g="0" b="0"/>
-        </a:fillRef>
-        <a:effectRef idx="2">
-          <a:scrgbClr r="0" g="0" b="0"/>
-        </a:effectRef>
-        <a:fontRef idx="minor">
-          <a:schemeClr val="lt1"/>
-        </a:fontRef>
+        <a:fontRef idx="minor"/>
       </dsp:style>
       <dsp:txBody>
-        <a:bodyPr spcFirstLastPara="0" vert="horz" wrap="square" lIns="68580" tIns="68580" rIns="68580" bIns="68580" numCol="1" spcCol="1270" anchor="ctr" anchorCtr="0">
+        <a:bodyPr spcFirstLastPara="0" vert="horz" wrap="square" lIns="0" tIns="0" rIns="0" bIns="0" numCol="1" spcCol="1270" anchor="t" anchorCtr="0">
           <a:noAutofit/>
         </a:bodyPr>
         <a:lstStyle/>
         <a:p>
-          <a:pPr marL="0" lvl="0" indent="0" algn="ctr" defTabSz="800100">
+          <a:pPr marL="0" lvl="0" indent="0" algn="ctr" defTabSz="977900">
             <a:lnSpc>
-              <a:spcPct val="90000"/>
+              <a:spcPct val="100000"/>
             </a:lnSpc>
             <a:spcBef>
               <a:spcPct val="0"/>
@@ -3544,76 +3867,104 @@
               <a:spcPct val="35000"/>
             </a:spcAft>
             <a:buNone/>
+            <a:defRPr cap="all"/>
           </a:pPr>
           <a:r>
-            <a:rPr lang="en-US" sz="1800" b="1" kern="1200"/>
-            <a:t>Algorithm</a:t>
+            <a:rPr lang="nl-NL" sz="2200" kern="1200"/>
+            <a:t>Geen tijd informatie</a:t>
           </a:r>
-          <a:endParaRPr lang="en-US" sz="1200" b="1" kern="1200"/>
+          <a:endParaRPr lang="en-US" sz="2200" kern="1200"/>
         </a:p>
       </dsp:txBody>
       <dsp:txXfrm>
-        <a:off x="567415" y="567710"/>
-        <a:ext cx="1308775" cy="1308356"/>
+        <a:off x="2088988" y="2047829"/>
+        <a:ext cx="1777148" cy="710859"/>
       </dsp:txXfrm>
     </dsp:sp>
-    <dsp:sp modelId="{2470B0FE-F3CE-48F3-AE82-73016C487D68}">
+    <dsp:sp modelId="{677978FE-0504-4C66-B3EB-750AF268690D}">
       <dsp:nvSpPr>
         <dsp:cNvPr id="0" name=""/>
         <dsp:cNvSpPr/>
       </dsp:nvSpPr>
       <dsp:spPr>
         <a:xfrm>
-          <a:off x="3207136" y="639282"/>
-          <a:ext cx="354657" cy="354651"/>
+          <a:off x="4523682" y="626110"/>
+          <a:ext cx="1084060" cy="1084060"/>
         </a:xfrm>
-        <a:prstGeom prst="ellipse">
-          <a:avLst/>
+        <a:prstGeom prst="round2DiagRect">
+          <a:avLst>
+            <a:gd name="adj1" fmla="val 29727"/>
+            <a:gd name="adj2" fmla="val 0"/>
+          </a:avLst>
         </a:prstGeom>
-        <a:gradFill rotWithShape="0">
-          <a:gsLst>
-            <a:gs pos="0">
-              <a:schemeClr val="accent1">
-                <a:hueOff val="0"/>
-                <a:satOff val="0"/>
-                <a:lumOff val="0"/>
-                <a:alphaOff val="0"/>
-                <a:tint val="98000"/>
-                <a:lumMod val="100000"/>
-              </a:schemeClr>
-            </a:gs>
-            <a:gs pos="100000">
-              <a:schemeClr val="accent1">
-                <a:hueOff val="0"/>
-                <a:satOff val="0"/>
-                <a:lumOff val="0"/>
-                <a:alphaOff val="0"/>
-                <a:shade val="88000"/>
-                <a:lumMod val="88000"/>
-              </a:schemeClr>
-            </a:gs>
-          </a:gsLst>
-          <a:lin ang="5400000" scaled="1"/>
-        </a:gradFill>
+        <a:solidFill>
+          <a:schemeClr val="accent4">
+            <a:hueOff val="0"/>
+            <a:satOff val="0"/>
+            <a:lumOff val="0"/>
+            <a:alphaOff val="0"/>
+          </a:schemeClr>
+        </a:solidFill>
         <a:ln>
           <a:noFill/>
         </a:ln>
-        <a:effectLst>
-          <a:outerShdw blurRad="50800" dist="38100" dir="5400000" rotWithShape="0">
-            <a:srgbClr val="000000">
-              <a:alpha val="35000"/>
-            </a:srgbClr>
-          </a:outerShdw>
-        </a:effectLst>
+        <a:effectLst/>
       </dsp:spPr>
       <dsp:style>
         <a:lnRef idx="0">
           <a:scrgbClr r="0" g="0" b="0"/>
         </a:lnRef>
-        <a:fillRef idx="3">
+        <a:fillRef idx="1">
           <a:scrgbClr r="0" g="0" b="0"/>
         </a:fillRef>
-        <a:effectRef idx="2">
+        <a:effectRef idx="0">
+          <a:scrgbClr r="0" g="0" b="0"/>
+        </a:effectRef>
+        <a:fontRef idx="minor"/>
+      </dsp:style>
+    </dsp:sp>
+    <dsp:sp modelId="{F4414353-D477-4173-9091-1844A625C9F3}">
+      <dsp:nvSpPr>
+        <dsp:cNvPr id="0" name=""/>
+        <dsp:cNvSpPr/>
+      </dsp:nvSpPr>
+      <dsp:spPr>
+        <a:xfrm>
+          <a:off x="4754711" y="857139"/>
+          <a:ext cx="622001" cy="622001"/>
+        </a:xfrm>
+        <a:prstGeom prst="rect">
+          <a:avLst/>
+        </a:prstGeom>
+        <a:blipFill>
+          <a:blip xmlns:r="http://schemas.openxmlformats.org/officeDocument/2006/relationships" r:embed="rId5">
+            <a:extLst>
+              <a:ext uri="{28A0092B-C50C-407E-A947-70E740481C1C}">
+                <a14:useLocalDpi xmlns:a14="http://schemas.microsoft.com/office/drawing/2010/main" val="0"/>
+              </a:ext>
+              <a:ext uri="{96DAC541-7B7A-43D3-8B79-37D633B846F1}">
+                <asvg:svgBlip xmlns:asvg="http://schemas.microsoft.com/office/drawing/2016/SVG/main" r:embed="rId6"/>
+              </a:ext>
+            </a:extLst>
+          </a:blip>
+          <a:stretch>
+            <a:fillRect/>
+          </a:stretch>
+        </a:blipFill>
+        <a:ln w="19050" cap="rnd" cmpd="sng" algn="ctr">
+          <a:noFill/>
+          <a:prstDash val="solid"/>
+        </a:ln>
+        <a:effectLst/>
+      </dsp:spPr>
+      <dsp:style>
+        <a:lnRef idx="2">
+          <a:scrgbClr r="0" g="0" b="0"/>
+        </a:lnRef>
+        <a:fillRef idx="1">
+          <a:scrgbClr r="0" g="0" b="0"/>
+        </a:fillRef>
+        <a:effectRef idx="0">
           <a:scrgbClr r="0" g="0" b="0"/>
         </a:effectRef>
         <a:fontRef idx="minor">
@@ -3621,142 +3972,46 @@
         </a:fontRef>
       </dsp:style>
     </dsp:sp>
-    <dsp:sp modelId="{48BC9D73-B86D-4378-970E-5CD650E31618}">
+    <dsp:sp modelId="{6D758CB6-21E5-4099-B1BD-D953C9745C52}">
       <dsp:nvSpPr>
         <dsp:cNvPr id="0" name=""/>
         <dsp:cNvSpPr/>
       </dsp:nvSpPr>
       <dsp:spPr>
         <a:xfrm>
-          <a:off x="871615" y="2520948"/>
-          <a:ext cx="641111" cy="641129"/>
+          <a:off x="4177138" y="2047829"/>
+          <a:ext cx="1777148" cy="710859"/>
         </a:xfrm>
-        <a:prstGeom prst="ellipse">
+        <a:prstGeom prst="rect">
           <a:avLst/>
         </a:prstGeom>
-        <a:gradFill rotWithShape="0">
-          <a:gsLst>
-            <a:gs pos="0">
-              <a:schemeClr val="accent1">
-                <a:hueOff val="0"/>
-                <a:satOff val="0"/>
-                <a:lumOff val="0"/>
-                <a:alphaOff val="0"/>
-                <a:tint val="98000"/>
-                <a:lumMod val="100000"/>
-              </a:schemeClr>
-            </a:gs>
-            <a:gs pos="100000">
-              <a:schemeClr val="accent1">
-                <a:hueOff val="0"/>
-                <a:satOff val="0"/>
-                <a:lumOff val="0"/>
-                <a:alphaOff val="0"/>
-                <a:shade val="88000"/>
-                <a:lumMod val="88000"/>
-              </a:schemeClr>
-            </a:gs>
-          </a:gsLst>
-          <a:lin ang="5400000" scaled="1"/>
-        </a:gradFill>
+        <a:noFill/>
         <a:ln>
           <a:noFill/>
         </a:ln>
-        <a:effectLst>
-          <a:outerShdw blurRad="50800" dist="38100" dir="5400000" rotWithShape="0">
-            <a:srgbClr val="000000">
-              <a:alpha val="35000"/>
-            </a:srgbClr>
-          </a:outerShdw>
-        </a:effectLst>
+        <a:effectLst/>
       </dsp:spPr>
       <dsp:style>
         <a:lnRef idx="0">
           <a:scrgbClr r="0" g="0" b="0"/>
         </a:lnRef>
-        <a:fillRef idx="3">
+        <a:fillRef idx="0">
           <a:scrgbClr r="0" g="0" b="0"/>
         </a:fillRef>
-        <a:effectRef idx="2">
+        <a:effectRef idx="0">
           <a:scrgbClr r="0" g="0" b="0"/>
         </a:effectRef>
-        <a:fontRef idx="minor">
-          <a:schemeClr val="lt1"/>
-        </a:fontRef>
-      </dsp:style>
-    </dsp:sp>
-    <dsp:sp modelId="{EB301C3D-F1F9-4A72-AC54-827EBC1AD812}">
-      <dsp:nvSpPr>
-        <dsp:cNvPr id="0" name=""/>
-        <dsp:cNvSpPr/>
-      </dsp:nvSpPr>
-      <dsp:spPr>
-        <a:xfrm>
-          <a:off x="5188255" y="-124069"/>
-          <a:ext cx="2014993" cy="2014349"/>
-        </a:xfrm>
-        <a:prstGeom prst="ellipse">
-          <a:avLst/>
-        </a:prstGeom>
-        <a:gradFill rotWithShape="0">
-          <a:gsLst>
-            <a:gs pos="0">
-              <a:schemeClr val="accent1">
-                <a:hueOff val="0"/>
-                <a:satOff val="0"/>
-                <a:lumOff val="0"/>
-                <a:alphaOff val="0"/>
-                <a:tint val="98000"/>
-                <a:lumMod val="100000"/>
-              </a:schemeClr>
-            </a:gs>
-            <a:gs pos="100000">
-              <a:schemeClr val="accent1">
-                <a:hueOff val="0"/>
-                <a:satOff val="0"/>
-                <a:lumOff val="0"/>
-                <a:alphaOff val="0"/>
-                <a:shade val="88000"/>
-                <a:lumMod val="88000"/>
-              </a:schemeClr>
-            </a:gs>
-          </a:gsLst>
-          <a:lin ang="5400000" scaled="1"/>
-        </a:gradFill>
-        <a:ln>
-          <a:noFill/>
-        </a:ln>
-        <a:effectLst>
-          <a:outerShdw blurRad="50800" dist="38100" dir="5400000" rotWithShape="0">
-            <a:srgbClr val="000000">
-              <a:alpha val="35000"/>
-            </a:srgbClr>
-          </a:outerShdw>
-        </a:effectLst>
-      </dsp:spPr>
-      <dsp:style>
-        <a:lnRef idx="0">
-          <a:scrgbClr r="0" g="0" b="0"/>
-        </a:lnRef>
-        <a:fillRef idx="3">
-          <a:scrgbClr r="0" g="0" b="0"/>
-        </a:fillRef>
-        <a:effectRef idx="2">
-          <a:scrgbClr r="0" g="0" b="0"/>
-        </a:effectRef>
-        <a:fontRef idx="minor">
-          <a:schemeClr val="lt1"/>
-        </a:fontRef>
+        <a:fontRef idx="minor"/>
       </dsp:style>
       <dsp:txBody>
-        <a:bodyPr spcFirstLastPara="0" vert="horz" wrap="square" lIns="68580" tIns="68580" rIns="68580" bIns="68580" numCol="1" spcCol="1270" anchor="ctr" anchorCtr="0">
+        <a:bodyPr spcFirstLastPara="0" vert="horz" wrap="square" lIns="0" tIns="0" rIns="0" bIns="0" numCol="1" spcCol="1270" anchor="t" anchorCtr="0">
           <a:noAutofit/>
         </a:bodyPr>
         <a:lstStyle/>
         <a:p>
-          <a:pPr marL="0" lvl="0" indent="0" algn="ctr" defTabSz="800100">
+          <a:pPr marL="0" lvl="0" indent="0" algn="ctr" defTabSz="977900">
             <a:lnSpc>
-              <a:spcPct val="90000"/>
+              <a:spcPct val="100000"/>
             </a:lnSpc>
             <a:spcBef>
               <a:spcPct val="0"/>
@@ -3765,76 +4020,104 @@
               <a:spcPct val="35000"/>
             </a:spcAft>
             <a:buNone/>
+            <a:defRPr cap="all"/>
           </a:pPr>
           <a:r>
-            <a:rPr lang="en-US" sz="1800" b="1" kern="1200"/>
-            <a:t>Automation</a:t>
+            <a:rPr lang="nl-NL" sz="2200" kern="1200"/>
+            <a:t>Input en output tests</a:t>
           </a:r>
-          <a:endParaRPr lang="en-US" sz="1200" b="1" kern="1200"/>
+          <a:endParaRPr lang="en-US" sz="2200" kern="1200"/>
         </a:p>
       </dsp:txBody>
       <dsp:txXfrm>
-        <a:off x="5483344" y="170926"/>
-        <a:ext cx="1424815" cy="1424359"/>
+        <a:off x="4177138" y="2047829"/>
+        <a:ext cx="1777148" cy="710859"/>
       </dsp:txXfrm>
     </dsp:sp>
-    <dsp:sp modelId="{0DF8FB3E-B0B0-40D8-B039-0C7B496BBA97}">
+    <dsp:sp modelId="{F2F6E49E-6B53-42D6-8D18-F897B7F9E060}">
       <dsp:nvSpPr>
         <dsp:cNvPr id="0" name=""/>
         <dsp:cNvSpPr/>
       </dsp:nvSpPr>
       <dsp:spPr>
         <a:xfrm>
-          <a:off x="4683888" y="1129908"/>
-          <a:ext cx="354657" cy="354651"/>
+          <a:off x="6611831" y="626110"/>
+          <a:ext cx="1084060" cy="1084060"/>
         </a:xfrm>
-        <a:prstGeom prst="ellipse">
-          <a:avLst/>
+        <a:prstGeom prst="round2DiagRect">
+          <a:avLst>
+            <a:gd name="adj1" fmla="val 29727"/>
+            <a:gd name="adj2" fmla="val 0"/>
+          </a:avLst>
         </a:prstGeom>
-        <a:gradFill rotWithShape="0">
-          <a:gsLst>
-            <a:gs pos="0">
-              <a:schemeClr val="accent1">
-                <a:hueOff val="0"/>
-                <a:satOff val="0"/>
-                <a:lumOff val="0"/>
-                <a:alphaOff val="0"/>
-                <a:tint val="98000"/>
-                <a:lumMod val="100000"/>
-              </a:schemeClr>
-            </a:gs>
-            <a:gs pos="100000">
-              <a:schemeClr val="accent1">
-                <a:hueOff val="0"/>
-                <a:satOff val="0"/>
-                <a:lumOff val="0"/>
-                <a:alphaOff val="0"/>
-                <a:shade val="88000"/>
-                <a:lumMod val="88000"/>
-              </a:schemeClr>
-            </a:gs>
-          </a:gsLst>
-          <a:lin ang="5400000" scaled="1"/>
-        </a:gradFill>
+        <a:solidFill>
+          <a:schemeClr val="accent5">
+            <a:hueOff val="0"/>
+            <a:satOff val="0"/>
+            <a:lumOff val="0"/>
+            <a:alphaOff val="0"/>
+          </a:schemeClr>
+        </a:solidFill>
         <a:ln>
           <a:noFill/>
         </a:ln>
-        <a:effectLst>
-          <a:outerShdw blurRad="50800" dist="38100" dir="5400000" rotWithShape="0">
-            <a:srgbClr val="000000">
-              <a:alpha val="35000"/>
-            </a:srgbClr>
-          </a:outerShdw>
-        </a:effectLst>
+        <a:effectLst/>
       </dsp:spPr>
       <dsp:style>
         <a:lnRef idx="0">
           <a:scrgbClr r="0" g="0" b="0"/>
         </a:lnRef>
-        <a:fillRef idx="3">
+        <a:fillRef idx="1">
           <a:scrgbClr r="0" g="0" b="0"/>
         </a:fillRef>
-        <a:effectRef idx="2">
+        <a:effectRef idx="0">
+          <a:scrgbClr r="0" g="0" b="0"/>
+        </a:effectRef>
+        <a:fontRef idx="minor"/>
+      </dsp:style>
+    </dsp:sp>
+    <dsp:sp modelId="{4934DCB4-FCF9-449A-A923-7EE2AA639A44}">
+      <dsp:nvSpPr>
+        <dsp:cNvPr id="0" name=""/>
+        <dsp:cNvSpPr/>
+      </dsp:nvSpPr>
+      <dsp:spPr>
+        <a:xfrm>
+          <a:off x="6842860" y="857139"/>
+          <a:ext cx="622001" cy="622001"/>
+        </a:xfrm>
+        <a:prstGeom prst="rect">
+          <a:avLst/>
+        </a:prstGeom>
+        <a:blipFill>
+          <a:blip xmlns:r="http://schemas.openxmlformats.org/officeDocument/2006/relationships" r:embed="rId7">
+            <a:extLst>
+              <a:ext uri="{28A0092B-C50C-407E-A947-70E740481C1C}">
+                <a14:useLocalDpi xmlns:a14="http://schemas.microsoft.com/office/drawing/2010/main" val="0"/>
+              </a:ext>
+              <a:ext uri="{96DAC541-7B7A-43D3-8B79-37D633B846F1}">
+                <asvg:svgBlip xmlns:asvg="http://schemas.microsoft.com/office/drawing/2016/SVG/main" r:embed="rId8"/>
+              </a:ext>
+            </a:extLst>
+          </a:blip>
+          <a:stretch>
+            <a:fillRect/>
+          </a:stretch>
+        </a:blipFill>
+        <a:ln w="19050" cap="rnd" cmpd="sng" algn="ctr">
+          <a:noFill/>
+          <a:prstDash val="solid"/>
+        </a:ln>
+        <a:effectLst/>
+      </dsp:spPr>
+      <dsp:style>
+        <a:lnRef idx="2">
+          <a:scrgbClr r="0" g="0" b="0"/>
+        </a:lnRef>
+        <a:fillRef idx="1">
+          <a:scrgbClr r="0" g="0" b="0"/>
+        </a:fillRef>
+        <a:effectRef idx="0">
           <a:scrgbClr r="0" g="0" b="0"/>
         </a:effectRef>
         <a:fontRef idx="minor">
@@ -3842,63 +4125,152 @@
         </a:fontRef>
       </dsp:style>
     </dsp:sp>
-    <dsp:sp modelId="{022614F8-042B-41CB-A6A7-8094C903EB2F}">
+    <dsp:sp modelId="{8DEF0F7F-9E12-418A-B5C4-EFC42472CB8A}">
       <dsp:nvSpPr>
         <dsp:cNvPr id="0" name=""/>
         <dsp:cNvSpPr/>
       </dsp:nvSpPr>
       <dsp:spPr>
         <a:xfrm>
-          <a:off x="627862" y="3283896"/>
-          <a:ext cx="256800" cy="257047"/>
+          <a:off x="6265287" y="2047829"/>
+          <a:ext cx="1777148" cy="710859"/>
         </a:xfrm>
-        <a:prstGeom prst="ellipse">
+        <a:prstGeom prst="rect">
           <a:avLst/>
         </a:prstGeom>
-        <a:gradFill rotWithShape="0">
-          <a:gsLst>
-            <a:gs pos="0">
-              <a:schemeClr val="accent1">
-                <a:hueOff val="0"/>
-                <a:satOff val="0"/>
-                <a:lumOff val="0"/>
-                <a:alphaOff val="0"/>
-                <a:tint val="98000"/>
-                <a:lumMod val="100000"/>
-              </a:schemeClr>
-            </a:gs>
-            <a:gs pos="100000">
-              <a:schemeClr val="accent1">
-                <a:hueOff val="0"/>
-                <a:satOff val="0"/>
-                <a:lumOff val="0"/>
-                <a:alphaOff val="0"/>
-                <a:shade val="88000"/>
-                <a:lumMod val="88000"/>
-              </a:schemeClr>
-            </a:gs>
-          </a:gsLst>
-          <a:lin ang="5400000" scaled="1"/>
-        </a:gradFill>
+        <a:noFill/>
         <a:ln>
           <a:noFill/>
         </a:ln>
-        <a:effectLst>
-          <a:outerShdw blurRad="50800" dist="38100" dir="5400000" rotWithShape="0">
-            <a:srgbClr val="000000">
-              <a:alpha val="35000"/>
-            </a:srgbClr>
-          </a:outerShdw>
-        </a:effectLst>
+        <a:effectLst/>
       </dsp:spPr>
       <dsp:style>
         <a:lnRef idx="0">
           <a:scrgbClr r="0" g="0" b="0"/>
         </a:lnRef>
-        <a:fillRef idx="3">
+        <a:fillRef idx="0">
           <a:scrgbClr r="0" g="0" b="0"/>
         </a:fillRef>
-        <a:effectRef idx="2">
+        <a:effectRef idx="0">
+          <a:scrgbClr r="0" g="0" b="0"/>
+        </a:effectRef>
+        <a:fontRef idx="minor"/>
+      </dsp:style>
+      <dsp:txBody>
+        <a:bodyPr spcFirstLastPara="0" vert="horz" wrap="square" lIns="0" tIns="0" rIns="0" bIns="0" numCol="1" spcCol="1270" anchor="t" anchorCtr="0">
+          <a:noAutofit/>
+        </a:bodyPr>
+        <a:lstStyle/>
+        <a:p>
+          <a:pPr marL="0" lvl="0" indent="0" algn="ctr" defTabSz="977900">
+            <a:lnSpc>
+              <a:spcPct val="100000"/>
+            </a:lnSpc>
+            <a:spcBef>
+              <a:spcPct val="0"/>
+            </a:spcBef>
+            <a:spcAft>
+              <a:spcPct val="35000"/>
+            </a:spcAft>
+            <a:buNone/>
+            <a:defRPr cap="all"/>
+          </a:pPr>
+          <a:r>
+            <a:rPr lang="nl-NL" sz="2200" kern="1200"/>
+            <a:t>Klopt het?</a:t>
+          </a:r>
+          <a:endParaRPr lang="en-US" sz="2200" kern="1200"/>
+        </a:p>
+      </dsp:txBody>
+      <dsp:txXfrm>
+        <a:off x="6265287" y="2047829"/>
+        <a:ext cx="1777148" cy="710859"/>
+      </dsp:txXfrm>
+    </dsp:sp>
+    <dsp:sp modelId="{BFA6A163-BAB2-40CC-BE61-C544DEB04458}">
+      <dsp:nvSpPr>
+        <dsp:cNvPr id="0" name=""/>
+        <dsp:cNvSpPr/>
+      </dsp:nvSpPr>
+      <dsp:spPr>
+        <a:xfrm>
+          <a:off x="8699981" y="626110"/>
+          <a:ext cx="1084060" cy="1084060"/>
+        </a:xfrm>
+        <a:prstGeom prst="round2DiagRect">
+          <a:avLst>
+            <a:gd name="adj1" fmla="val 29727"/>
+            <a:gd name="adj2" fmla="val 0"/>
+          </a:avLst>
+        </a:prstGeom>
+        <a:solidFill>
+          <a:schemeClr val="accent6">
+            <a:hueOff val="0"/>
+            <a:satOff val="0"/>
+            <a:lumOff val="0"/>
+            <a:alphaOff val="0"/>
+          </a:schemeClr>
+        </a:solidFill>
+        <a:ln>
+          <a:noFill/>
+        </a:ln>
+        <a:effectLst/>
+      </dsp:spPr>
+      <dsp:style>
+        <a:lnRef idx="0">
+          <a:scrgbClr r="0" g="0" b="0"/>
+        </a:lnRef>
+        <a:fillRef idx="1">
+          <a:scrgbClr r="0" g="0" b="0"/>
+        </a:fillRef>
+        <a:effectRef idx="0">
+          <a:scrgbClr r="0" g="0" b="0"/>
+        </a:effectRef>
+        <a:fontRef idx="minor"/>
+      </dsp:style>
+    </dsp:sp>
+    <dsp:sp modelId="{D31A7F4E-D323-4DEA-A144-DAA7E00FA67B}">
+      <dsp:nvSpPr>
+        <dsp:cNvPr id="0" name=""/>
+        <dsp:cNvSpPr/>
+      </dsp:nvSpPr>
+      <dsp:spPr>
+        <a:xfrm>
+          <a:off x="8931010" y="857139"/>
+          <a:ext cx="622001" cy="622001"/>
+        </a:xfrm>
+        <a:prstGeom prst="rect">
+          <a:avLst/>
+        </a:prstGeom>
+        <a:blipFill>
+          <a:blip xmlns:r="http://schemas.openxmlformats.org/officeDocument/2006/relationships" r:embed="rId9">
+            <a:extLst>
+              <a:ext uri="{28A0092B-C50C-407E-A947-70E740481C1C}">
+                <a14:useLocalDpi xmlns:a14="http://schemas.microsoft.com/office/drawing/2010/main" val="0"/>
+              </a:ext>
+              <a:ext uri="{96DAC541-7B7A-43D3-8B79-37D633B846F1}">
+                <asvg:svgBlip xmlns:asvg="http://schemas.microsoft.com/office/drawing/2016/SVG/main" r:embed="rId10"/>
+              </a:ext>
+            </a:extLst>
+          </a:blip>
+          <a:stretch>
+            <a:fillRect/>
+          </a:stretch>
+        </a:blipFill>
+        <a:ln w="19050" cap="rnd" cmpd="sng" algn="ctr">
+          <a:noFill/>
+          <a:prstDash val="solid"/>
+        </a:ln>
+        <a:effectLst/>
+      </dsp:spPr>
+      <dsp:style>
+        <a:lnRef idx="2">
+          <a:scrgbClr r="0" g="0" b="0"/>
+        </a:lnRef>
+        <a:fillRef idx="1">
+          <a:scrgbClr r="0" g="0" b="0"/>
+        </a:fillRef>
+        <a:effectRef idx="0">
           <a:scrgbClr r="0" g="0" b="0"/>
         </a:effectRef>
         <a:fontRef idx="minor">
@@ -3906,69 +4278,67 @@
         </a:fontRef>
       </dsp:style>
     </dsp:sp>
-    <dsp:sp modelId="{C85BB588-B4E8-4D50-9280-4D4F2686007C}">
+    <dsp:sp modelId="{293C64AE-60A8-4B12-A088-3D15AD47A3BD}">
       <dsp:nvSpPr>
         <dsp:cNvPr id="0" name=""/>
         <dsp:cNvSpPr/>
       </dsp:nvSpPr>
       <dsp:spPr>
         <a:xfrm>
-          <a:off x="3188751" y="2918068"/>
-          <a:ext cx="256800" cy="257047"/>
+          <a:off x="8353437" y="2047829"/>
+          <a:ext cx="1777148" cy="710859"/>
         </a:xfrm>
-        <a:prstGeom prst="ellipse">
+        <a:prstGeom prst="rect">
           <a:avLst/>
         </a:prstGeom>
-        <a:gradFill rotWithShape="0">
-          <a:gsLst>
-            <a:gs pos="0">
-              <a:schemeClr val="accent1">
-                <a:hueOff val="0"/>
-                <a:satOff val="0"/>
-                <a:lumOff val="0"/>
-                <a:alphaOff val="0"/>
-                <a:tint val="98000"/>
-                <a:lumMod val="100000"/>
-              </a:schemeClr>
-            </a:gs>
-            <a:gs pos="100000">
-              <a:schemeClr val="accent1">
-                <a:hueOff val="0"/>
-                <a:satOff val="0"/>
-                <a:lumOff val="0"/>
-                <a:alphaOff val="0"/>
-                <a:shade val="88000"/>
-                <a:lumMod val="88000"/>
-              </a:schemeClr>
-            </a:gs>
-          </a:gsLst>
-          <a:lin ang="5400000" scaled="1"/>
-        </a:gradFill>
+        <a:noFill/>
         <a:ln>
           <a:noFill/>
         </a:ln>
-        <a:effectLst>
-          <a:outerShdw blurRad="50800" dist="38100" dir="5400000" rotWithShape="0">
-            <a:srgbClr val="000000">
-              <a:alpha val="35000"/>
-            </a:srgbClr>
-          </a:outerShdw>
-        </a:effectLst>
+        <a:effectLst/>
       </dsp:spPr>
       <dsp:style>
         <a:lnRef idx="0">
           <a:scrgbClr r="0" g="0" b="0"/>
         </a:lnRef>
-        <a:fillRef idx="3">
+        <a:fillRef idx="0">
           <a:scrgbClr r="0" g="0" b="0"/>
         </a:fillRef>
-        <a:effectRef idx="2">
+        <a:effectRef idx="0">
           <a:scrgbClr r="0" g="0" b="0"/>
         </a:effectRef>
-        <a:fontRef idx="minor">
-          <a:schemeClr val="lt1"/>
-        </a:fontRef>
+        <a:fontRef idx="minor"/>
       </dsp:style>
+      <dsp:txBody>
+        <a:bodyPr spcFirstLastPara="0" vert="horz" wrap="square" lIns="0" tIns="0" rIns="0" bIns="0" numCol="1" spcCol="1270" anchor="t" anchorCtr="0">
+          <a:noAutofit/>
+        </a:bodyPr>
+        <a:lstStyle/>
+        <a:p>
+          <a:pPr marL="0" lvl="0" indent="0" algn="ctr" defTabSz="977900">
+            <a:lnSpc>
+              <a:spcPct val="100000"/>
+            </a:lnSpc>
+            <a:spcBef>
+              <a:spcPct val="0"/>
+            </a:spcBef>
+            <a:spcAft>
+              <a:spcPct val="35000"/>
+            </a:spcAft>
+            <a:buNone/>
+            <a:defRPr cap="all"/>
+          </a:pPr>
+          <a:r>
+            <a:rPr lang="nl-NL" sz="2200" kern="1200"/>
+            <a:t>Waarom?</a:t>
+          </a:r>
+          <a:endParaRPr lang="en-US" sz="2200" kern="1200"/>
+        </a:p>
+      </dsp:txBody>
+      <dsp:txXfrm>
+        <a:off x="8353437" y="2047829"/>
+        <a:ext cx="1777148" cy="710859"/>
+      </dsp:txXfrm>
     </dsp:sp>
   </dsp:spTree>
 </dsp:drawing>
@@ -4441,794 +4811,229 @@
 </file>
 
 <file path=ppt/diagrams/layout2.xml><?xml version="1.0" encoding="utf-8"?>
-<dgm:layoutDef xmlns:dgm="http://schemas.openxmlformats.org/drawingml/2006/diagram" xmlns:a="http://schemas.openxmlformats.org/drawingml/2006/main" uniqueId="urn:microsoft.com/office/officeart/2009/3/layout/CircleRelationship">
-  <dgm:title val=""/>
-  <dgm:desc val=""/>
+<dgm:layoutDef xmlns:dgm="http://schemas.openxmlformats.org/drawingml/2006/diagram" xmlns:a="http://schemas.openxmlformats.org/drawingml/2006/main" uniqueId="urn:microsoft.com/office/officeart/2018/5/layout/IconLeafLabelList">
+  <dgm:title val="Icon Leaf Label List"/>
+  <dgm:desc val="Use to show non-sequential or grouped chunks of information accompanied by a related visuals. Works best with icons or small pictures with short text captions."/>
   <dgm:catLst>
-    <dgm:cat type="relationship" pri="1500"/>
+    <dgm:cat type="icon" pri="500"/>
   </dgm:catLst>
-  <dgm:sampData>
+  <dgm:sampData useDef="1">
     <dgm:dataModel>
-      <dgm:ptLst>
-        <dgm:pt modelId="0" type="doc"/>
-        <dgm:pt modelId="10">
-          <dgm:prSet phldr="1"/>
-        </dgm:pt>
-        <dgm:pt modelId="11">
-          <dgm:prSet phldr="1"/>
-        </dgm:pt>
-        <dgm:pt modelId="12">
-          <dgm:prSet phldr="1"/>
-        </dgm:pt>
-      </dgm:ptLst>
-      <dgm:cxnLst>
-        <dgm:cxn modelId="20" srcId="0" destId="10" srcOrd="0" destOrd="0"/>
-        <dgm:cxn modelId="21" srcId="10" destId="11" srcOrd="0" destOrd="0"/>
-        <dgm:cxn modelId="22" srcId="10" destId="12" srcOrd="0" destOrd="0"/>
-      </dgm:cxnLst>
+      <dgm:ptLst/>
       <dgm:bg/>
       <dgm:whole/>
     </dgm:dataModel>
   </dgm:sampData>
-  <dgm:styleData>
+  <dgm:styleData useDef="1">
     <dgm:dataModel>
-      <dgm:ptLst>
-        <dgm:pt modelId="0" type="doc"/>
-        <dgm:pt modelId="10">
-          <dgm:prSet phldr="1"/>
-        </dgm:pt>
-        <dgm:pt modelId="11">
-          <dgm:prSet phldr="1"/>
-        </dgm:pt>
-        <dgm:pt modelId="12">
-          <dgm:prSet phldr="1"/>
-        </dgm:pt>
-      </dgm:ptLst>
-      <dgm:cxnLst>
-        <dgm:cxn modelId="20" srcId="0" destId="10" srcOrd="0" destOrd="0"/>
-        <dgm:cxn modelId="21" srcId="10" destId="11" srcOrd="0" destOrd="0"/>
-        <dgm:cxn modelId="22" srcId="10" destId="12" srcOrd="0" destOrd="0"/>
-      </dgm:cxnLst>
+      <dgm:ptLst/>
       <dgm:bg/>
       <dgm:whole/>
     </dgm:dataModel>
   </dgm:styleData>
-  <dgm:clrData>
+  <dgm:clrData useDef="1">
     <dgm:dataModel>
-      <dgm:ptLst>
-        <dgm:pt modelId="0" type="doc"/>
-        <dgm:pt modelId="10">
-          <dgm:prSet phldr="1"/>
-        </dgm:pt>
-        <dgm:pt modelId="11">
-          <dgm:prSet phldr="1"/>
-        </dgm:pt>
-        <dgm:pt modelId="12">
-          <dgm:prSet phldr="1"/>
-        </dgm:pt>
-      </dgm:ptLst>
-      <dgm:cxnLst>
-        <dgm:cxn modelId="20" srcId="0" destId="10" srcOrd="0" destOrd="0"/>
-        <dgm:cxn modelId="21" srcId="10" destId="11" srcOrd="0" destOrd="0"/>
-        <dgm:cxn modelId="22" srcId="10" destId="12" srcOrd="0" destOrd="0"/>
-      </dgm:cxnLst>
+      <dgm:ptLst/>
       <dgm:bg/>
       <dgm:whole/>
     </dgm:dataModel>
   </dgm:clrData>
-  <dgm:layoutNode name="Name0">
+  <dgm:layoutNode name="root">
     <dgm:varLst>
-      <dgm:chMax val="1"/>
-      <dgm:chPref val="1"/>
+      <dgm:dir/>
+      <dgm:resizeHandles val="exact"/>
     </dgm:varLst>
+    <dgm:choose name="Name0">
+      <dgm:if name="Name1" axis="self" func="var" arg="dir" op="equ" val="norm">
+        <dgm:alg type="snake">
+          <dgm:param type="grDir" val="tL"/>
+          <dgm:param type="flowDir" val="row"/>
+          <dgm:param type="contDir" val="sameDir"/>
+          <dgm:param type="off" val="ctr"/>
+          <dgm:param type="vertAlign" val="mid"/>
+          <dgm:param type="horzAlign" val="ctr"/>
+        </dgm:alg>
+      </dgm:if>
+      <dgm:else name="Name2">
+        <dgm:alg type="snake">
+          <dgm:param type="grDir" val="tR"/>
+          <dgm:param type="flowDir" val="row"/>
+          <dgm:param type="contDir" val="sameDir"/>
+          <dgm:param type="off" val="ctr"/>
+          <dgm:param type="vertAlign" val="mid"/>
+          <dgm:param type="horzAlign" val="ctr"/>
+        </dgm:alg>
+      </dgm:else>
+    </dgm:choose>
     <dgm:shape xmlns:r="http://schemas.openxmlformats.org/officeDocument/2006/relationships" r:blip="">
       <dgm:adjLst/>
     </dgm:shape>
-    <dgm:choose name="Name1">
-      <dgm:if name="Name2" axis="ch ch" ptType="node node" func="cnt" op="equ" val="0">
-        <dgm:alg type="composite">
-          <dgm:param type="ar" val="0.98"/>
-        </dgm:alg>
+    <dgm:presOf/>
+    <dgm:choose name="Name3">
+      <dgm:if name="Name4" axis="ch" ptType="node" func="cnt" op="lte" val="2">
         <dgm:constrLst>
-          <dgm:constr type="primFontSz" for="des" ptType="node" op="equ" val="65"/>
-          <dgm:constr type="l" for="ch" forName="Parent" refType="w" fact="0"/>
-          <dgm:constr type="t" for="ch" forName="Parent" refType="h" fact="0.039"/>
-          <dgm:constr type="w" for="ch" forName="Parent" refType="w" fact="0.8734"/>
-          <dgm:constr type="h" for="ch" forName="Parent" refType="h" fact="0.856"/>
-          <dgm:constr type="l" for="ch" forName="Accent1" refType="w" fact="0.4984"/>
-          <dgm:constr type="t" for="ch" forName="Accent1" refType="h" fact="0"/>
-          <dgm:constr type="w" for="ch" forName="Accent1" refType="w" fact="0.0972"/>
-          <dgm:constr type="h" for="ch" forName="Accent1" refType="h" fact="0.0952"/>
-          <dgm:constr type="l" for="ch" forName="Accent2" refType="w" fact="0.2684"/>
-          <dgm:constr type="t" for="ch" forName="Accent2" refType="h" fact="0.8314"/>
-          <dgm:constr type="w" for="ch" forName="Accent2" refType="w" fact="0.0704"/>
-          <dgm:constr type="h" for="ch" forName="Accent2" refType="h" fact="0.069"/>
-          <dgm:constr type="l" for="ch" forName="Accent3" refType="w" fact="0.9296"/>
-          <dgm:constr type="t" for="ch" forName="Accent3" refType="h" fact="0.3864"/>
-          <dgm:constr type="w" for="ch" forName="Accent3" refType="w" fact="0.0704"/>
-          <dgm:constr type="h" for="ch" forName="Accent3" refType="h" fact="0.069"/>
-          <dgm:constr type="l" for="ch" forName="Accent4" refType="w" fact="0.5931"/>
-          <dgm:constr type="t" for="ch" forName="Accent4" refType="h" fact="0.9048"/>
-          <dgm:constr type="w" for="ch" forName="Accent4" refType="w" fact="0.0972"/>
-          <dgm:constr type="h" for="ch" forName="Accent4" refType="h" fact="0.0952"/>
-          <dgm:constr type="l" for="ch" forName="Accent5" refType="w" fact="0.2883"/>
-          <dgm:constr type="t" for="ch" forName="Accent5" refType="h" fact="0.1353"/>
-          <dgm:constr type="w" for="ch" forName="Accent5" refType="w" fact="0.0704"/>
-          <dgm:constr type="h" for="ch" forName="Accent5" refType="h" fact="0.069"/>
-          <dgm:constr type="l" for="ch" forName="Accent6" refType="w" fact="0.0666"/>
-          <dgm:constr type="t" for="ch" forName="Accent6" refType="h" fact="0.53"/>
-          <dgm:constr type="w" for="ch" forName="Accent6" refType="w" fact="0.0704"/>
-          <dgm:constr type="h" for="ch" forName="Accent6" refType="h" fact="0.069"/>
+          <dgm:constr type="h" for="ch" forName="compNode" refType="h" fact="0.4"/>
+          <dgm:constr type="w" for="ch" forName="compNode" val="100"/>
+          <dgm:constr type="w" for="ch" forName="sibTrans" refType="w" refFor="ch" refForName="compNode" fact="0.175"/>
+          <dgm:constr type="sp" refType="w" refFor="ch" refForName="compNode" op="equ" fact="0.25"/>
+          <dgm:constr type="primFontSz" for="des" ptType="node" op="equ" val="44"/>
+          <dgm:constr type="h" for="des" forName="compNode" op="equ"/>
+          <dgm:constr type="h" for="des" forName="textRect" op="equ"/>
         </dgm:constrLst>
       </dgm:if>
-      <dgm:if name="Name3" axis="ch ch" ptType="node node" func="cnt" op="equ" val="1">
-        <dgm:alg type="composite">
-          <dgm:param type="ar" val="1.2476"/>
-        </dgm:alg>
+      <dgm:if name="Name5" axis="ch" ptType="node" func="cnt" op="lte" val="3">
         <dgm:constrLst>
-          <dgm:constr type="primFontSz" for="des" ptType="node" op="equ" val="65"/>
-          <dgm:constr type="l" for="ch" forName="Parent" refType="w" fact="0.2145"/>
-          <dgm:constr type="t" for="ch" forName="Parent" refType="h" fact="0.039"/>
-          <dgm:constr type="w" for="ch" forName="Parent" refType="w" fact="0.6861"/>
-          <dgm:constr type="h" for="ch" forName="Parent" refType="h" fact="0.856"/>
-          <dgm:constr type="l" for="ch" forName="Accent8" refType="w" fact="0.0262"/>
-          <dgm:constr type="t" for="ch" forName="Accent8" refType="h" fact="0.6434"/>
-          <dgm:constr type="w" for="ch" forName="Accent8" refType="w" fact="0.138"/>
-          <dgm:constr type="h" for="ch" forName="Accent8" refType="h" fact="0.1721"/>
-          <dgm:constr type="l" for="ch" forName="Accent1" refType="w" fact="0.6059"/>
-          <dgm:constr type="t" for="ch" forName="Accent1" refType="h" fact="0"/>
-          <dgm:constr type="w" for="ch" forName="Accent1" refType="w" fact="0.0763"/>
-          <dgm:constr type="h" for="ch" forName="Accent1" refType="h" fact="0.0952"/>
-          <dgm:constr type="l" for="ch" forName="Accent2" refType="w" fact="0.4253"/>
-          <dgm:constr type="t" for="ch" forName="Accent2" refType="h" fact="0.8314"/>
-          <dgm:constr type="w" for="ch" forName="Accent2" refType="w" fact="0.0553"/>
-          <dgm:constr type="h" for="ch" forName="Accent2" refType="h" fact="0.069"/>
-          <dgm:constr type="l" for="ch" forName="Accent3" refType="w" fact="0.9447"/>
-          <dgm:constr type="t" for="ch" forName="Accent3" refType="h" fact="0.3864"/>
-          <dgm:constr type="w" for="ch" forName="Accent3" refType="w" fact="0.0553"/>
-          <dgm:constr type="h" for="ch" forName="Accent3" refType="h" fact="0.069"/>
-          <dgm:constr type="l" for="ch" forName="Child1" refType="w" fact="0"/>
-          <dgm:constr type="t" for="ch" forName="Child1" refType="h" fact="0.1935"/>
-          <dgm:constr type="w" for="ch" forName="Child1" refType="w" fact="0.2789"/>
-          <dgm:constr type="h" for="ch" forName="Child1" refType="h" fact="0.3479"/>
-          <dgm:constr type="l" for="ch" forName="Accent4" refType="w" fact="0.6803"/>
-          <dgm:constr type="t" for="ch" forName="Accent4" refType="h" fact="0.9048"/>
-          <dgm:constr type="w" for="ch" forName="Accent4" refType="w" fact="0.0763"/>
-          <dgm:constr type="h" for="ch" forName="Accent4" refType="h" fact="0.0952"/>
-          <dgm:constr type="l" for="ch" forName="Accent7" refType="w" fact="0.5287"/>
-          <dgm:constr type="t" for="ch" forName="Accent7" refType="h" fact="0.1383"/>
-          <dgm:constr type="w" for="ch" forName="Accent7" refType="w" fact="0.0763"/>
-          <dgm:constr type="h" for="ch" forName="Accent7" refType="h" fact="0.0952"/>
-          <dgm:constr type="l" for="ch" forName="Accent5" refType="w" fact="0.4409"/>
-          <dgm:constr type="t" for="ch" forName="Accent5" refType="h" fact="0.1353"/>
-          <dgm:constr type="w" for="ch" forName="Accent5" refType="w" fact="0.0553"/>
-          <dgm:constr type="h" for="ch" forName="Accent5" refType="h" fact="0.069"/>
-          <dgm:constr type="l" for="ch" forName="Accent6" refType="w" fact="0.2668"/>
-          <dgm:constr type="t" for="ch" forName="Accent6" refType="h" fact="0.53"/>
-          <dgm:constr type="w" for="ch" forName="Accent6" refType="w" fact="0.0553"/>
-          <dgm:constr type="h" for="ch" forName="Accent6" refType="h" fact="0.069"/>
+          <dgm:constr type="h" for="ch" forName="compNode" refType="h" fact="0.4"/>
+          <dgm:constr type="w" for="ch" forName="compNode" val="100"/>
+          <dgm:constr type="w" for="ch" forName="sibTrans" refType="w" refFor="ch" refForName="compNode" fact="0.175"/>
+          <dgm:constr type="sp" refType="w" refFor="ch" refForName="compNode" op="equ" fact="0.25"/>
+          <dgm:constr type="primFontSz" for="des" ptType="node" op="equ" val="40"/>
+          <dgm:constr type="h" for="des" forName="compNode" op="equ"/>
+          <dgm:constr type="h" for="des" forName="textRect" op="equ"/>
         </dgm:constrLst>
       </dgm:if>
-      <dgm:if name="Name4" axis="ch ch" ptType="node node" func="cnt" op="equ" val="2">
-        <dgm:alg type="composite">
-          <dgm:param type="ar" val="1.592"/>
-        </dgm:alg>
+      <dgm:if name="Name6" axis="ch" ptType="node" func="cnt" op="lte" val="4">
         <dgm:constrLst>
-          <dgm:constr type="primFontSz" for="des" ptType="node" op="equ" val="65"/>
-          <dgm:constr type="l" for="ch" forName="Parent" refType="w" fact="0.1886"/>
-          <dgm:constr type="t" for="ch" forName="Parent" refType="h" fact="0.039"/>
-          <dgm:constr type="w" for="ch" forName="Parent" refType="w" fact="0.5377"/>
-          <dgm:constr type="h" for="ch" forName="Parent" refType="h" fact="0.856"/>
-          <dgm:constr type="l" for="ch" forName="Accent8" refType="w" fact="0.0411"/>
-          <dgm:constr type="t" for="ch" forName="Accent8" refType="h" fact="0.6434"/>
-          <dgm:constr type="w" for="ch" forName="Accent8" refType="w" fact="0.1081"/>
-          <dgm:constr type="h" for="ch" forName="Accent8" refType="h" fact="0.1721"/>
-          <dgm:constr type="l" for="ch" forName="Accent1" refType="w" fact="0.4954"/>
-          <dgm:constr type="t" for="ch" forName="Accent1" refType="h" fact="0"/>
-          <dgm:constr type="w" for="ch" forName="Accent1" refType="w" fact="0.0598"/>
-          <dgm:constr type="h" for="ch" forName="Accent1" refType="h" fact="0.0952"/>
-          <dgm:constr type="l" for="ch" forName="Accent2" refType="w" fact="0.3538"/>
-          <dgm:constr type="t" for="ch" forName="Accent2" refType="h" fact="0.8314"/>
-          <dgm:constr type="w" for="ch" forName="Accent2" refType="w" fact="0.0433"/>
-          <dgm:constr type="h" for="ch" forName="Accent2" refType="h" fact="0.069"/>
-          <dgm:constr type="l" for="ch" forName="Accent3" refType="w" fact="0.7609"/>
-          <dgm:constr type="t" for="ch" forName="Accent3" refType="h" fact="0.3864"/>
-          <dgm:constr type="w" for="ch" forName="Accent3" refType="w" fact="0.0433"/>
-          <dgm:constr type="h" for="ch" forName="Accent3" refType="h" fact="0.069"/>
-          <dgm:constr type="l" for="ch" forName="Accent9" refType="w" fact="0.6839"/>
-          <dgm:constr type="t" for="ch" forName="Accent9" refType="h" fact="0.27"/>
-          <dgm:constr type="w" for="ch" forName="Accent9" refType="w" fact="0.0598"/>
-          <dgm:constr type="h" for="ch" forName="Accent9" refType="h" fact="0.0952"/>
-          <dgm:constr type="l" for="ch" forName="Child1" refType="w" fact="0.0206"/>
-          <dgm:constr type="t" for="ch" forName="Child1" refType="h" fact="0.1935"/>
-          <dgm:constr type="w" for="ch" forName="Child1" refType="w" fact="0.2186"/>
-          <dgm:constr type="h" for="ch" forName="Child1" refType="h" fact="0.3479"/>
-          <dgm:constr type="l" for="ch" forName="Child2" refType="w" fact="0.7814"/>
-          <dgm:constr type="t" for="ch" forName="Child2" refType="h" fact="0.0298"/>
-          <dgm:constr type="w" for="ch" forName="Child2" refType="w" fact="0.2186"/>
-          <dgm:constr type="h" for="ch" forName="Child2" refType="h" fact="0.3479"/>
-          <dgm:constr type="l" for="ch" forName="Accent10" refType="w" fact="0"/>
-          <dgm:constr type="t" for="ch" forName="Accent10" refType="h" fact="0.8482"/>
-          <dgm:constr type="w" for="ch" forName="Accent10" refType="w" fact="0.0433"/>
-          <dgm:constr type="h" for="ch" forName="Accent10" refType="h" fact="0.069"/>
-          <dgm:constr type="l" for="ch" forName="Accent11" refType="w" fact="0.4318"/>
-          <dgm:constr type="t" for="ch" forName="Accent11" refType="h" fact="0.75"/>
-          <dgm:constr type="w" for="ch" forName="Accent11" refType="w" fact="0.0433"/>
-          <dgm:constr type="h" for="ch" forName="Accent11" refType="h" fact="0.069"/>
-          <dgm:constr type="l" for="ch" forName="Accent7" refType="w" fact="0.4349"/>
-          <dgm:constr type="t" for="ch" forName="Accent7" refType="h" fact="0.1383"/>
-          <dgm:constr type="w" for="ch" forName="Accent7" refType="w" fact="0.0598"/>
-          <dgm:constr type="h" for="ch" forName="Accent7" refType="h" fact="0.0952"/>
-          <dgm:constr type="l" for="ch" forName="Accent5" refType="w" fact="0.3661"/>
-          <dgm:constr type="t" for="ch" forName="Accent5" refType="h" fact="0.1353"/>
-          <dgm:constr type="w" for="ch" forName="Accent5" refType="w" fact="0.0433"/>
-          <dgm:constr type="h" for="ch" forName="Accent5" refType="h" fact="0.069"/>
-          <dgm:constr type="l" for="ch" forName="Accent6" refType="w" fact="0.2296"/>
-          <dgm:constr type="t" for="ch" forName="Accent6" refType="h" fact="0.53"/>
-          <dgm:constr type="w" for="ch" forName="Accent6" refType="w" fact="0.0433"/>
-          <dgm:constr type="h" for="ch" forName="Accent6" refType="h" fact="0.069"/>
-          <dgm:constr type="l" for="ch" forName="Accent4" refType="w" fact="0.5537"/>
-          <dgm:constr type="t" for="ch" forName="Accent4" refType="h" fact="0.9048"/>
-          <dgm:constr type="w" for="ch" forName="Accent4" refType="w" fact="0.0598"/>
-          <dgm:constr type="h" for="ch" forName="Accent4" refType="h" fact="0.0952"/>
-        </dgm:constrLst>
-      </dgm:if>
-      <dgm:if name="Name5" axis="ch ch" ptType="node node" func="cnt" op="equ" val="3">
-        <dgm:alg type="composite">
-          <dgm:param type="ar" val="1.7557"/>
-        </dgm:alg>
-        <dgm:constrLst>
-          <dgm:constr type="primFontSz" for="des" ptType="node" op="equ" val="65"/>
-          <dgm:constr type="l" for="ch" forName="Parent" refType="w" fact="0.171"/>
-          <dgm:constr type="t" for="ch" forName="Parent" refType="h" fact="0.039"/>
-          <dgm:constr type="w" for="ch" forName="Parent" refType="w" fact="0.4875"/>
-          <dgm:constr type="h" for="ch" forName="Parent" refType="h" fact="0.856"/>
-          <dgm:constr type="l" for="ch" forName="Accent8" refType="w" fact="0.0373"/>
-          <dgm:constr type="t" for="ch" forName="Accent8" refType="h" fact="0.6434"/>
-          <dgm:constr type="w" for="ch" forName="Accent8" refType="w" fact="0.098"/>
-          <dgm:constr type="h" for="ch" forName="Accent8" refType="h" fact="0.1721"/>
-          <dgm:constr type="l" for="ch" forName="Accent1" refType="w" fact="0.4492"/>
-          <dgm:constr type="t" for="ch" forName="Accent1" refType="h" fact="0"/>
-          <dgm:constr type="w" for="ch" forName="Accent1" refType="w" fact="0.0542"/>
-          <dgm:constr type="h" for="ch" forName="Accent1" refType="h" fact="0.0952"/>
-          <dgm:constr type="l" for="ch" forName="Accent2" refType="w" fact="0.3209"/>
-          <dgm:constr type="t" for="ch" forName="Accent2" refType="h" fact="0.8314"/>
-          <dgm:constr type="w" for="ch" forName="Accent2" refType="w" fact="0.0393"/>
-          <dgm:constr type="h" for="ch" forName="Accent2" refType="h" fact="0.069"/>
-          <dgm:constr type="l" for="ch" forName="Accent3" refType="w" fact="0.6899"/>
-          <dgm:constr type="t" for="ch" forName="Accent3" refType="h" fact="0.3864"/>
-          <dgm:constr type="w" for="ch" forName="Accent3" refType="w" fact="0.0393"/>
-          <dgm:constr type="h" for="ch" forName="Accent3" refType="h" fact="0.069"/>
-          <dgm:constr type="l" for="ch" forName="Accent9" refType="w" fact="0.6201"/>
-          <dgm:constr type="t" for="ch" forName="Accent9" refType="h" fact="0.27"/>
-          <dgm:constr type="w" for="ch" forName="Accent9" refType="w" fact="0.0542"/>
-          <dgm:constr type="h" for="ch" forName="Accent9" refType="h" fact="0.0952"/>
-          <dgm:constr type="l" for="ch" forName="Child1" refType="w" fact="0.0186"/>
-          <dgm:constr type="t" for="ch" forName="Child1" refType="h" fact="0.1935"/>
-          <dgm:constr type="w" for="ch" forName="Child1" refType="w" fact="0.1982"/>
-          <dgm:constr type="h" for="ch" forName="Child1" refType="h" fact="0.3479"/>
-          <dgm:constr type="l" for="ch" forName="Child2" refType="w" fact="0.7086"/>
-          <dgm:constr type="t" for="ch" forName="Child2" refType="h" fact="0.0298"/>
-          <dgm:constr type="w" for="ch" forName="Child2" refType="w" fact="0.1982"/>
-          <dgm:constr type="h" for="ch" forName="Child2" refType="h" fact="0.3479"/>
-          <dgm:constr type="l" for="ch" forName="Child3" refType="w" fact="0.8018"/>
-          <dgm:constr type="t" for="ch" forName="Child3" refType="h" fact="0.6312"/>
-          <dgm:constr type="w" for="ch" forName="Child3" refType="w" fact="0.1982"/>
-          <dgm:constr type="h" for="ch" forName="Child3" refType="h" fact="0.3479"/>
-          <dgm:constr type="l" for="ch" forName="Accent12" refType="w" fact="0.7459"/>
-          <dgm:constr type="t" for="ch" forName="Accent12" refType="h" fact="0.619"/>
-          <dgm:constr type="w" for="ch" forName="Accent12" refType="w" fact="0.0393"/>
-          <dgm:constr type="h" for="ch" forName="Accent12" refType="h" fact="0.069"/>
-          <dgm:constr type="l" for="ch" forName="Accent4" refType="w" fact="0.5021"/>
-          <dgm:constr type="t" for="ch" forName="Accent4" refType="h" fact="0.9048"/>
-          <dgm:constr type="w" for="ch" forName="Accent4" refType="w" fact="0.0542"/>
-          <dgm:constr type="h" for="ch" forName="Accent4" refType="h" fact="0.0952"/>
-          <dgm:constr type="l" for="ch" forName="Accent10" refType="w" fact="0"/>
-          <dgm:constr type="t" for="ch" forName="Accent10" refType="h" fact="0.8482"/>
-          <dgm:constr type="w" for="ch" forName="Accent10" refType="w" fact="0.0393"/>
-          <dgm:constr type="h" for="ch" forName="Accent10" refType="h" fact="0.069"/>
-          <dgm:constr type="l" for="ch" forName="Accent11" refType="w" fact="0.3916"/>
-          <dgm:constr type="t" for="ch" forName="Accent11" refType="h" fact="0.75"/>
-          <dgm:constr type="w" for="ch" forName="Accent11" refType="w" fact="0.0393"/>
-          <dgm:constr type="h" for="ch" forName="Accent11" refType="h" fact="0.069"/>
-          <dgm:constr type="l" for="ch" forName="Accent7" refType="w" fact="0.3944"/>
-          <dgm:constr type="t" for="ch" forName="Accent7" refType="h" fact="0.1383"/>
-          <dgm:constr type="w" for="ch" forName="Accent7" refType="w" fact="0.0542"/>
-          <dgm:constr type="h" for="ch" forName="Accent7" refType="h" fact="0.0952"/>
-          <dgm:constr type="l" for="ch" forName="Accent5" refType="w" fact="0.3319"/>
-          <dgm:constr type="t" for="ch" forName="Accent5" refType="h" fact="0.1353"/>
-          <dgm:constr type="w" for="ch" forName="Accent5" refType="w" fact="0.0393"/>
-          <dgm:constr type="h" for="ch" forName="Accent5" refType="h" fact="0.069"/>
-          <dgm:constr type="l" for="ch" forName="Accent6" refType="w" fact="0.2082"/>
-          <dgm:constr type="t" for="ch" forName="Accent6" refType="h" fact="0.53"/>
-          <dgm:constr type="w" for="ch" forName="Accent6" refType="w" fact="0.0393"/>
-          <dgm:constr type="h" for="ch" forName="Accent6" refType="h" fact="0.069"/>
-        </dgm:constrLst>
-      </dgm:if>
-      <dgm:if name="Name6" axis="ch ch" ptType="node node" func="cnt" op="equ" val="4">
-        <dgm:alg type="composite">
-          <dgm:param type="ar" val="1.3749"/>
-        </dgm:alg>
-        <dgm:constrLst>
-          <dgm:constr type="primFontSz" for="des" ptType="node" op="equ" val="65"/>
-          <dgm:constr type="l" for="ch" forName="Parent" refType="w" fact="0.171"/>
-          <dgm:constr type="t" for="ch" forName="Parent" refType="h" fact="0.0306"/>
-          <dgm:constr type="w" for="ch" forName="Parent" refType="w" fact="0.4875"/>
-          <dgm:constr type="h" for="ch" forName="Parent" refType="h" fact="0.6703"/>
-          <dgm:constr type="l" for="ch" forName="Accent8" refType="w" fact="0.0373"/>
-          <dgm:constr type="t" for="ch" forName="Accent8" refType="h" fact="0.5038"/>
-          <dgm:constr type="w" for="ch" forName="Accent8" refType="w" fact="0.098"/>
-          <dgm:constr type="h" for="ch" forName="Accent8" refType="h" fact="0.1348"/>
-          <dgm:constr type="l" for="ch" forName="Accent1" refType="w" fact="0.4492"/>
-          <dgm:constr type="t" for="ch" forName="Accent1" refType="h" fact="0"/>
-          <dgm:constr type="w" for="ch" forName="Accent1" refType="w" fact="0.0542"/>
-          <dgm:constr type="h" for="ch" forName="Accent1" refType="h" fact="0.0746"/>
-          <dgm:constr type="l" for="ch" forName="Accent2" refType="w" fact="0.3209"/>
-          <dgm:constr type="t" for="ch" forName="Accent2" refType="h" fact="0.6511"/>
-          <dgm:constr type="w" for="ch" forName="Accent2" refType="w" fact="0.0393"/>
-          <dgm:constr type="h" for="ch" forName="Accent2" refType="h" fact="0.054"/>
-          <dgm:constr type="l" for="ch" forName="Accent3" refType="w" fact="0.6899"/>
-          <dgm:constr type="t" for="ch" forName="Accent3" refType="h" fact="0.3026"/>
-          <dgm:constr type="w" for="ch" forName="Accent3" refType="w" fact="0.0393"/>
-          <dgm:constr type="h" for="ch" forName="Accent3" refType="h" fact="0.054"/>
-          <dgm:constr type="l" for="ch" forName="Accent9" refType="w" fact="0.6201"/>
-          <dgm:constr type="t" for="ch" forName="Accent9" refType="h" fact="0.2115"/>
-          <dgm:constr type="w" for="ch" forName="Accent9" refType="w" fact="0.0542"/>
-          <dgm:constr type="h" for="ch" forName="Accent9" refType="h" fact="0.0746"/>
-          <dgm:constr type="l" for="ch" forName="Child1" refType="w" fact="0.0186"/>
-          <dgm:constr type="t" for="ch" forName="Child1" refType="h" fact="0.1515"/>
-          <dgm:constr type="w" for="ch" forName="Child1" refType="w" fact="0.1982"/>
-          <dgm:constr type="h" for="ch" forName="Child1" refType="h" fact="0.2725"/>
-          <dgm:constr type="l" for="ch" forName="Child2" refType="w" fact="0.7086"/>
-          <dgm:constr type="t" for="ch" forName="Child2" refType="h" fact="0.0233"/>
-          <dgm:constr type="w" for="ch" forName="Child2" refType="w" fact="0.1982"/>
-          <dgm:constr type="h" for="ch" forName="Child2" refType="h" fact="0.2725"/>
-          <dgm:constr type="l" for="ch" forName="Child3" refType="w" fact="0.8018"/>
-          <dgm:constr type="t" for="ch" forName="Child3" refType="h" fact="0.4943"/>
-          <dgm:constr type="w" for="ch" forName="Child3" refType="w" fact="0.1982"/>
-          <dgm:constr type="h" for="ch" forName="Child3" refType="h" fact="0.2725"/>
-          <dgm:constr type="l" for="ch" forName="Accent12" refType="w" fact="0.7459"/>
-          <dgm:constr type="t" for="ch" forName="Accent12" refType="h" fact="0.4848"/>
-          <dgm:constr type="w" for="ch" forName="Accent12" refType="w" fact="0.0393"/>
-          <dgm:constr type="h" for="ch" forName="Accent12" refType="h" fact="0.054"/>
-          <dgm:constr type="l" for="ch" forName="Accent4" refType="w" fact="0.5021"/>
-          <dgm:constr type="t" for="ch" forName="Accent4" refType="h" fact="0.7085"/>
-          <dgm:constr type="w" for="ch" forName="Accent4" refType="w" fact="0.0542"/>
-          <dgm:constr type="h" for="ch" forName="Accent4" refType="h" fact="0.0746"/>
-          <dgm:constr type="l" for="ch" forName="Accent10" refType="w" fact="0"/>
-          <dgm:constr type="t" for="ch" forName="Accent10" refType="h" fact="0.6642"/>
-          <dgm:constr type="w" for="ch" forName="Accent10" refType="w" fact="0.0393"/>
-          <dgm:constr type="h" for="ch" forName="Accent10" refType="h" fact="0.054"/>
-          <dgm:constr type="l" for="ch" forName="Accent11" refType="w" fact="0.3916"/>
-          <dgm:constr type="t" for="ch" forName="Accent11" refType="h" fact="0.5873"/>
-          <dgm:constr type="w" for="ch" forName="Accent11" refType="w" fact="0.0393"/>
-          <dgm:constr type="h" for="ch" forName="Accent11" refType="h" fact="0.054"/>
-          <dgm:constr type="l" for="ch" forName="Accent7" refType="w" fact="0.3944"/>
-          <dgm:constr type="t" for="ch" forName="Accent7" refType="h" fact="0.1083"/>
-          <dgm:constr type="w" for="ch" forName="Accent7" refType="w" fact="0.0542"/>
-          <dgm:constr type="h" for="ch" forName="Accent7" refType="h" fact="0.0746"/>
-          <dgm:constr type="l" for="ch" forName="Accent5" refType="w" fact="0.3319"/>
-          <dgm:constr type="t" for="ch" forName="Accent5" refType="h" fact="0.1059"/>
-          <dgm:constr type="w" for="ch" forName="Accent5" refType="w" fact="0.0393"/>
-          <dgm:constr type="h" for="ch" forName="Accent5" refType="h" fact="0.054"/>
-          <dgm:constr type="l" for="ch" forName="Accent6" refType="w" fact="0.2082"/>
-          <dgm:constr type="t" for="ch" forName="Accent6" refType="h" fact="0.4151"/>
-          <dgm:constr type="w" for="ch" forName="Accent6" refType="w" fact="0.0393"/>
-          <dgm:constr type="h" for="ch" forName="Accent6" refType="h" fact="0.054"/>
-          <dgm:constr type="l" for="ch" forName="Child4" refType="w" fact="0.2329"/>
-          <dgm:constr type="t" for="ch" forName="Child4" refType="h" fact="0.7275"/>
-          <dgm:constr type="w" for="ch" forName="Child4" refType="w" fact="0.1982"/>
-          <dgm:constr type="h" for="ch" forName="Child4" refType="h" fact="0.2725"/>
-          <dgm:constr type="l" for="ch" forName="Accent13" refType="w" fact="0.4099"/>
-          <dgm:constr type="t" for="ch" forName="Accent13" refType="h" fact="0.7183"/>
-          <dgm:constr type="w" for="ch" forName="Accent13" refType="w" fact="0.0393"/>
-          <dgm:constr type="h" for="ch" forName="Accent13" refType="h" fact="0.054"/>
+          <dgm:constr type="h" for="ch" forName="compNode" refType="h" fact="0.4"/>
+          <dgm:constr type="w" for="ch" forName="compNode" refType="w"/>
+          <dgm:constr type="w" for="ch" forName="sibTrans" refType="w" refFor="ch" refForName="compNode" fact="0.175"/>
+          <dgm:constr type="sp" refType="w" refFor="ch" refForName="compNode" op="equ" fact="0.25"/>
+          <dgm:constr type="primFontSz" for="des" ptType="node" op="equ" val="32"/>
+          <dgm:constr type="h" for="des" forName="compNode" op="equ"/>
+          <dgm:constr type="h" for="des" forName="textRect" op="equ"/>
         </dgm:constrLst>
       </dgm:if>
       <dgm:else name="Name7">
-        <dgm:alg type="composite">
-          <dgm:param type="ar" val="1.1477"/>
-        </dgm:alg>
         <dgm:constrLst>
-          <dgm:constr type="primFontSz" for="des" ptType="node" op="equ" val="65"/>
-          <dgm:constr type="l" for="ch" forName="Parent" refType="w" fact="0.171"/>
-          <dgm:constr type="t" for="ch" forName="Parent" refType="h" fact="0.1907"/>
-          <dgm:constr type="w" for="ch" forName="Parent" refType="w" fact="0.4875"/>
-          <dgm:constr type="h" for="ch" forName="Parent" refType="h" fact="0.5596"/>
-          <dgm:constr type="l" for="ch" forName="Accent8" refType="w" fact="0.0373"/>
-          <dgm:constr type="t" for="ch" forName="Accent8" refType="h" fact="0.5858"/>
-          <dgm:constr type="w" for="ch" forName="Accent8" refType="w" fact="0.098"/>
-          <dgm:constr type="h" for="ch" forName="Accent8" refType="h" fact="0.1125"/>
-          <dgm:constr type="l" for="ch" forName="Accent1" refType="w" fact="0.4492"/>
-          <dgm:constr type="t" for="ch" forName="Accent1" refType="h" fact="0.1652"/>
-          <dgm:constr type="w" for="ch" forName="Accent1" refType="w" fact="0.0542"/>
-          <dgm:constr type="h" for="ch" forName="Accent1" refType="h" fact="0.0623"/>
-          <dgm:constr type="l" for="ch" forName="Accent2" refType="w" fact="0.3209"/>
-          <dgm:constr type="t" for="ch" forName="Accent2" refType="h" fact="0.7087"/>
-          <dgm:constr type="w" for="ch" forName="Accent2" refType="w" fact="0.0393"/>
-          <dgm:constr type="h" for="ch" forName="Accent2" refType="h" fact="0.0451"/>
-          <dgm:constr type="l" for="ch" forName="Accent3" refType="w" fact="0.6899"/>
-          <dgm:constr type="t" for="ch" forName="Accent3" refType="h" fact="0.4178"/>
-          <dgm:constr type="w" for="ch" forName="Accent3" refType="w" fact="0.0393"/>
-          <dgm:constr type="h" for="ch" forName="Accent3" refType="h" fact="0.0451"/>
-          <dgm:constr type="l" for="ch" forName="Accent9" refType="w" fact="0.6201"/>
-          <dgm:constr type="t" for="ch" forName="Accent9" refType="h" fact="0.3417"/>
-          <dgm:constr type="w" for="ch" forName="Accent9" refType="w" fact="0.0542"/>
-          <dgm:constr type="h" for="ch" forName="Accent9" refType="h" fact="0.0623"/>
-          <dgm:constr type="l" for="ch" forName="Child1" refType="w" fact="0.0186"/>
-          <dgm:constr type="t" for="ch" forName="Child1" refType="h" fact="0.2917"/>
-          <dgm:constr type="w" for="ch" forName="Child1" refType="w" fact="0.1982"/>
-          <dgm:constr type="h" for="ch" forName="Child1" refType="h" fact="0.2275"/>
-          <dgm:constr type="l" for="ch" forName="Child2" refType="w" fact="0.7086"/>
-          <dgm:constr type="t" for="ch" forName="Child2" refType="h" fact="0.1847"/>
-          <dgm:constr type="w" for="ch" forName="Child2" refType="w" fact="0.1982"/>
-          <dgm:constr type="h" for="ch" forName="Child2" refType="h" fact="0.2275"/>
-          <dgm:constr type="l" for="ch" forName="Child3" refType="w" fact="0.8018"/>
-          <dgm:constr type="t" for="ch" forName="Child3" refType="h" fact="0.5778"/>
-          <dgm:constr type="w" for="ch" forName="Child3" refType="w" fact="0.1982"/>
-          <dgm:constr type="h" for="ch" forName="Child3" refType="h" fact="0.2275"/>
-          <dgm:constr type="l" for="ch" forName="Accent12" refType="w" fact="0.7459"/>
-          <dgm:constr type="t" for="ch" forName="Accent12" refType="h" fact="0.5699"/>
-          <dgm:constr type="w" for="ch" forName="Accent12" refType="w" fact="0.0393"/>
-          <dgm:constr type="h" for="ch" forName="Accent12" refType="h" fact="0.0451"/>
-          <dgm:constr type="l" for="ch" forName="Accent4" refType="w" fact="0.5021"/>
-          <dgm:constr type="t" for="ch" forName="Accent4" refType="h" fact="0.7567"/>
-          <dgm:constr type="w" for="ch" forName="Accent4" refType="w" fact="0.0542"/>
-          <dgm:constr type="h" for="ch" forName="Accent4" refType="h" fact="0.0623"/>
-          <dgm:constr type="l" for="ch" forName="Accent10" refType="w" fact="0"/>
-          <dgm:constr type="t" for="ch" forName="Accent10" refType="h" fact="0.7197"/>
-          <dgm:constr type="w" for="ch" forName="Accent10" refType="w" fact="0.0393"/>
-          <dgm:constr type="h" for="ch" forName="Accent10" refType="h" fact="0.0451"/>
-          <dgm:constr type="l" for="ch" forName="Accent11" refType="w" fact="0.3916"/>
-          <dgm:constr type="t" for="ch" forName="Accent11" refType="h" fact="0.6555"/>
-          <dgm:constr type="w" for="ch" forName="Accent11" refType="w" fact="0.0393"/>
-          <dgm:constr type="h" for="ch" forName="Accent11" refType="h" fact="0.0451"/>
-          <dgm:constr type="l" for="ch" forName="Accent7" refType="w" fact="0.3944"/>
-          <dgm:constr type="t" for="ch" forName="Accent7" refType="h" fact="0.2556"/>
-          <dgm:constr type="w" for="ch" forName="Accent7" refType="w" fact="0.0542"/>
-          <dgm:constr type="h" for="ch" forName="Accent7" refType="h" fact="0.0623"/>
-          <dgm:constr type="l" for="ch" forName="Accent5" refType="w" fact="0.3319"/>
-          <dgm:constr type="t" for="ch" forName="Accent5" refType="h" fact="0.2536"/>
-          <dgm:constr type="w" for="ch" forName="Accent5" refType="w" fact="0.0393"/>
-          <dgm:constr type="h" for="ch" forName="Accent5" refType="h" fact="0.0451"/>
-          <dgm:constr type="l" for="ch" forName="Accent6" refType="w" fact="0.2082"/>
-          <dgm:constr type="t" for="ch" forName="Accent6" refType="h" fact="0.5117"/>
-          <dgm:constr type="w" for="ch" forName="Accent6" refType="w" fact="0.0393"/>
-          <dgm:constr type="h" for="ch" forName="Accent6" refType="h" fact="0.0451"/>
-          <dgm:constr type="l" for="ch" forName="Child5" refType="w" fact="0.4219"/>
-          <dgm:constr type="t" for="ch" forName="Child5" refType="h" fact="0"/>
-          <dgm:constr type="w" for="ch" forName="Child5" refType="w" fact="0.1982"/>
-          <dgm:constr type="h" for="ch" forName="Child5" refType="h" fact="0.2275"/>
-          <dgm:constr type="l" for="ch" forName="Child4" refType="w" fact="0.2329"/>
-          <dgm:constr type="t" for="ch" forName="Child4" refType="h" fact="0.7725"/>
-          <dgm:constr type="w" for="ch" forName="Child4" refType="w" fact="0.1982"/>
-          <dgm:constr type="h" for="ch" forName="Child4" refType="h" fact="0.2275"/>
-          <dgm:constr type="l" for="ch" forName="Accent15" refType="w" fact="0.1775"/>
-          <dgm:constr type="t" for="ch" forName="Accent15" refType="h" fact="0.2466"/>
-          <dgm:constr type="w" for="ch" forName="Accent15" refType="w" fact="0.0393"/>
-          <dgm:constr type="h" for="ch" forName="Accent15" refType="h" fact="0.0451"/>
-          <dgm:constr type="l" for="ch" forName="Accent16" refType="w" fact="0.6351"/>
-          <dgm:constr type="t" for="ch" forName="Accent16" refType="h" fact="0.056"/>
-          <dgm:constr type="w" for="ch" forName="Accent16" refType="w" fact="0.0393"/>
-          <dgm:constr type="h" for="ch" forName="Accent16" refType="h" fact="0.0451"/>
-          <dgm:constr type="l" for="ch" forName="Accent13" refType="w" fact="0.4099"/>
-          <dgm:constr type="t" for="ch" forName="Accent13" refType="h" fact="0.7648"/>
-          <dgm:constr type="w" for="ch" forName="Accent13" refType="w" fact="0.0393"/>
-          <dgm:constr type="h" for="ch" forName="Accent13" refType="h" fact="0.0451"/>
+          <dgm:constr type="h" for="ch" forName="compNode" refType="h" fact="0.4"/>
+          <dgm:constr type="w" for="ch" forName="compNode" refType="w"/>
+          <dgm:constr type="w" for="ch" forName="sibTrans" refType="w" refFor="ch" refForName="compNode" fact="0.175"/>
+          <dgm:constr type="sp" refType="w" refFor="ch" refForName="compNode" op="equ" fact="0.25"/>
+          <dgm:constr type="primFontSz" for="des" ptType="node" op="equ" val="24"/>
+          <dgm:constr type="h" for="des" forName="compNode" op="equ"/>
+          <dgm:constr type="h" for="des" forName="textRect" op="equ"/>
         </dgm:constrLst>
       </dgm:else>
     </dgm:choose>
-    <dgm:forEach name="wrapper" axis="self" ptType="parTrans">
-      <dgm:forEach name="accentRepeat1" axis="self">
-        <dgm:layoutNode name="AccentHold1" styleLbl="node1">
+    <dgm:ruleLst>
+      <dgm:rule type="w" for="ch" forName="compNode" val="50" fact="NaN" max="NaN"/>
+    </dgm:ruleLst>
+    <dgm:forEach name="Name8" axis="ch" ptType="node">
+      <dgm:layoutNode name="compNode">
+        <dgm:alg type="composite"/>
+        <dgm:shape xmlns:r="http://schemas.openxmlformats.org/officeDocument/2006/relationships" r:blip="">
+          <dgm:adjLst/>
+        </dgm:shape>
+        <dgm:presOf axis="self"/>
+        <dgm:constrLst>
+          <dgm:constr type="w" for="ch" forName="iconBgRect" refType="w" fact="0.61"/>
+          <dgm:constr type="h" for="ch" forName="iconBgRect" refType="w" refFor="ch" refForName="iconBgRect"/>
+          <dgm:constr type="t" for="ch" forName="iconBgRect"/>
+          <dgm:constr type="ctrX" for="ch" forName="iconBgRect" refType="w" fact="0.5"/>
+          <dgm:constr type="w" for="ch" forName="iconRect" refType="w" fact="0.35"/>
+          <dgm:constr type="h" for="ch" forName="iconRect" refType="w" refFor="ch" refForName="iconRect"/>
+          <dgm:constr type="ctrX" for="ch" forName="iconRect" refType="ctrX" refFor="ch" refForName="iconBgRect"/>
+          <dgm:constr type="ctrY" for="ch" forName="iconRect" refType="ctrY" refFor="ch" refForName="iconBgRect"/>
+          <dgm:constr type="h" for="ch" forName="spaceRect" refType="w" fact="0.19"/>
+          <dgm:constr type="w" for="ch" forName="spaceRect" refType="w"/>
+          <dgm:constr type="l" for="ch" forName="spaceRect"/>
+          <dgm:constr type="t" for="ch" forName="spaceRect" refType="b" refFor="ch" refForName="iconBgRect"/>
+          <dgm:constr type="h" for="ch" forName="textRect" val="20"/>
+          <dgm:constr type="w" for="ch" forName="textRect" refType="w"/>
+          <dgm:constr type="l" for="ch" forName="textRect"/>
+          <dgm:constr type="t" for="ch" forName="textRect" refType="b" refFor="ch" refForName="spaceRect"/>
+        </dgm:constrLst>
+        <dgm:ruleLst>
+          <dgm:rule type="h" val="INF" fact="NaN" max="NaN"/>
+        </dgm:ruleLst>
+        <dgm:layoutNode name="iconBgRect" styleLbl="bgShp">
           <dgm:alg type="sp"/>
-          <dgm:shape xmlns:r="http://schemas.openxmlformats.org/officeDocument/2006/relationships" type="ellipse" r:blip="">
+          <dgm:shape xmlns:r="http://schemas.openxmlformats.org/officeDocument/2006/relationships" type="round2DiagRect" r:blip="">
+            <dgm:adjLst/>
+            <dgm:extLst>
+              <a:ext uri="{B698B0E9-8C71-41B9-8309-B3DCBF30829C}">
+                <dgm1612:spPr xmlns:dgm1612="http://schemas.microsoft.com/office/drawing/2016/12/diagram">
+                  <a:prstGeom prst="round2DiagRect">
+                    <a:avLst>
+                      <a:gd name="adj1" fmla="val 29727"/>
+                      <a:gd name="adj2" fmla="val 0"/>
+                    </a:avLst>
+                  </a:prstGeom>
+                </dgm1612:spPr>
+              </a:ext>
+            </dgm:extLst>
+          </dgm:shape>
+          <dgm:presOf/>
+          <dgm:constrLst/>
+          <dgm:ruleLst/>
+        </dgm:layoutNode>
+        <dgm:layoutNode name="iconRect" styleLbl="node1">
+          <dgm:alg type="sp"/>
+          <dgm:shape xmlns:r="http://schemas.openxmlformats.org/officeDocument/2006/relationships" type="rect" r:blip="" blipPhldr="1">
             <dgm:adjLst/>
           </dgm:shape>
           <dgm:presOf/>
+          <dgm:constrLst/>
+          <dgm:ruleLst/>
         </dgm:layoutNode>
-      </dgm:forEach>
-      <dgm:forEach name="accentRepeat2" axis="self">
-        <dgm:layoutNode name="AccentHold2" styleLbl="node1">
+        <dgm:layoutNode name="spaceRect">
           <dgm:alg type="sp"/>
-          <dgm:shape xmlns:r="http://schemas.openxmlformats.org/officeDocument/2006/relationships" type="ellipse" r:blip="">
+          <dgm:shape xmlns:r="http://schemas.openxmlformats.org/officeDocument/2006/relationships" r:blip="">
             <dgm:adjLst/>
           </dgm:shape>
           <dgm:presOf/>
+          <dgm:constrLst/>
+          <dgm:ruleLst/>
         </dgm:layoutNode>
-      </dgm:forEach>
-      <dgm:forEach name="accentRepeat3" axis="self">
-        <dgm:layoutNode name="AccentHold3" styleLbl="node1">
-          <dgm:alg type="sp"/>
-          <dgm:shape xmlns:r="http://schemas.openxmlformats.org/officeDocument/2006/relationships" type="ellipse" r:blip="">
+        <dgm:layoutNode name="textRect" styleLbl="revTx">
+          <dgm:varLst>
+            <dgm:chMax val="1"/>
+            <dgm:chPref val="1"/>
+          </dgm:varLst>
+          <dgm:alg type="tx">
+            <dgm:param type="txAnchorVert" val="t"/>
+          </dgm:alg>
+          <dgm:shape xmlns:r="http://schemas.openxmlformats.org/officeDocument/2006/relationships" type="rect" r:blip="">
             <dgm:adjLst/>
           </dgm:shape>
-          <dgm:presOf/>
+          <dgm:presOf axis="self" ptType="node"/>
+          <dgm:constrLst>
+            <dgm:constr type="lMarg"/>
+            <dgm:constr type="rMarg"/>
+            <dgm:constr type="tMarg"/>
+            <dgm:constr type="bMarg"/>
+          </dgm:constrLst>
+          <dgm:ruleLst>
+            <dgm:rule type="primFontSz" val="11" fact="NaN" max="NaN"/>
+            <dgm:rule type="h" val="INF" fact="NaN" max="NaN"/>
+          </dgm:ruleLst>
+        </dgm:layoutNode>
+      </dgm:layoutNode>
+      <dgm:forEach name="Name9" axis="followSib" ptType="sibTrans" cnt="1">
+        <dgm:layoutNode name="sibTrans">
+          <dgm:alg type="sp"/>
+          <dgm:shape xmlns:r="http://schemas.openxmlformats.org/officeDocument/2006/relationships" r:blip="">
+            <dgm:adjLst/>
+          </dgm:shape>
+          <dgm:presOf axis="self"/>
+          <dgm:constrLst/>
+          <dgm:ruleLst/>
         </dgm:layoutNode>
       </dgm:forEach>
     </dgm:forEach>
-    <dgm:forEach name="Name8" axis="ch" ptType="node" cnt="1">
-      <dgm:layoutNode name="Parent" styleLbl="node0">
-        <dgm:varLst>
-          <dgm:chMax val="5"/>
-          <dgm:chPref val="5"/>
-        </dgm:varLst>
-        <dgm:alg type="tx"/>
-        <dgm:shape xmlns:r="http://schemas.openxmlformats.org/officeDocument/2006/relationships" type="ellipse" r:blip="">
-          <dgm:adjLst/>
-        </dgm:shape>
-        <dgm:presOf axis="self" ptType="node"/>
-        <dgm:constrLst>
-          <dgm:constr type="lMarg" refType="primFontSz" fact="0.3"/>
-          <dgm:constr type="rMarg" refType="primFontSz" fact="0.3"/>
-          <dgm:constr type="tMarg" refType="primFontSz" fact="0.3"/>
-          <dgm:constr type="bMarg" refType="primFontSz" fact="0.3"/>
-        </dgm:constrLst>
-        <dgm:ruleLst>
-          <dgm:rule type="primFontSz" val="5" fact="NaN" max="NaN"/>
-        </dgm:ruleLst>
-      </dgm:layoutNode>
-      <dgm:choose name="Name9">
-        <dgm:if name="Name10" axis="ch" ptType="node" func="cnt" op="lte" val="4">
-          <dgm:layoutNode name="Accent1" styleLbl="node1">
-            <dgm:alg type="sp"/>
-            <dgm:shape xmlns:r="http://schemas.openxmlformats.org/officeDocument/2006/relationships" type="ellipse" r:blip="">
-              <dgm:adjLst/>
-            </dgm:shape>
-            <dgm:presOf/>
-            <dgm:constrLst/>
-          </dgm:layoutNode>
-        </dgm:if>
-        <dgm:else name="Name11"/>
-      </dgm:choose>
-      <dgm:layoutNode name="Accent2" styleLbl="node1">
-        <dgm:alg type="sp"/>
-        <dgm:shape xmlns:r="http://schemas.openxmlformats.org/officeDocument/2006/relationships" type="ellipse" r:blip="">
-          <dgm:adjLst/>
-        </dgm:shape>
-        <dgm:presOf/>
-        <dgm:constrLst/>
-      </dgm:layoutNode>
-      <dgm:layoutNode name="Accent3" styleLbl="node1">
-        <dgm:alg type="sp"/>
-        <dgm:shape xmlns:r="http://schemas.openxmlformats.org/officeDocument/2006/relationships" type="ellipse" r:blip="">
-          <dgm:adjLst/>
-        </dgm:shape>
-        <dgm:presOf/>
-        <dgm:constrLst/>
-      </dgm:layoutNode>
-      <dgm:layoutNode name="Accent4" styleLbl="node1">
-        <dgm:alg type="sp"/>
-        <dgm:shape xmlns:r="http://schemas.openxmlformats.org/officeDocument/2006/relationships" type="ellipse" r:blip="">
-          <dgm:adjLst/>
-        </dgm:shape>
-        <dgm:presOf/>
-        <dgm:constrLst/>
-      </dgm:layoutNode>
-      <dgm:layoutNode name="Accent5" styleLbl="node1">
-        <dgm:alg type="sp"/>
-        <dgm:shape xmlns:r="http://schemas.openxmlformats.org/officeDocument/2006/relationships" type="ellipse" r:blip="">
-          <dgm:adjLst/>
-        </dgm:shape>
-        <dgm:presOf/>
-        <dgm:constrLst/>
-      </dgm:layoutNode>
-      <dgm:layoutNode name="Accent6" styleLbl="node1">
-        <dgm:alg type="sp"/>
-        <dgm:shape xmlns:r="http://schemas.openxmlformats.org/officeDocument/2006/relationships" type="ellipse" r:blip="">
-          <dgm:adjLst/>
-        </dgm:shape>
-        <dgm:presOf/>
-        <dgm:constrLst/>
-      </dgm:layoutNode>
-    </dgm:forEach>
-    <dgm:forEach name="Name12" axis="ch ch" ptType="node node" st="1 1" cnt="1 1">
-      <dgm:layoutNode name="Child1" styleLbl="node1">
-        <dgm:varLst>
-          <dgm:chMax val="0"/>
-          <dgm:chPref val="0"/>
-        </dgm:varLst>
-        <dgm:alg type="tx">
-          <dgm:param type="shpTxLTRAlignCh" val="ctr"/>
-          <dgm:param type="txAnchorVertCh" val="mid"/>
-        </dgm:alg>
-        <dgm:shape xmlns:r="http://schemas.openxmlformats.org/officeDocument/2006/relationships" type="ellipse" r:blip="">
-          <dgm:adjLst/>
-        </dgm:shape>
-        <dgm:presOf axis="self" ptType="node"/>
-        <dgm:constrLst>
-          <dgm:constr type="lMarg" refType="primFontSz" fact="0.3"/>
-          <dgm:constr type="rMarg" refType="primFontSz" fact="0.3"/>
-          <dgm:constr type="tMarg" refType="primFontSz" fact="0.3"/>
-          <dgm:constr type="bMarg" refType="primFontSz" fact="0.3"/>
-        </dgm:constrLst>
-        <dgm:ruleLst>
-          <dgm:rule type="primFontSz" val="5" fact="NaN" max="NaN"/>
-        </dgm:ruleLst>
-      </dgm:layoutNode>
-      <dgm:layoutNode name="Accent7">
-        <dgm:alg type="sp"/>
-        <dgm:shape xmlns:r="http://schemas.openxmlformats.org/officeDocument/2006/relationships" r:blip="">
-          <dgm:adjLst/>
-        </dgm:shape>
-        <dgm:presOf/>
-        <dgm:constrLst/>
-        <dgm:forEach name="Name13" ref="accentRepeat1"/>
-      </dgm:layoutNode>
-      <dgm:layoutNode name="Accent8">
-        <dgm:alg type="sp"/>
-        <dgm:shape xmlns:r="http://schemas.openxmlformats.org/officeDocument/2006/relationships" r:blip="">
-          <dgm:adjLst/>
-        </dgm:shape>
-        <dgm:presOf/>
-        <dgm:constrLst/>
-        <dgm:forEach name="Name14" ref="accentRepeat2"/>
-      </dgm:layoutNode>
-    </dgm:forEach>
-    <dgm:forEach name="Name15" axis="ch ch" ptType="node node" st="1 2" cnt="1 1">
-      <dgm:layoutNode name="Child2" styleLbl="node1">
-        <dgm:varLst>
-          <dgm:chMax val="0"/>
-          <dgm:chPref val="0"/>
-        </dgm:varLst>
-        <dgm:alg type="tx">
-          <dgm:param type="shpTxLTRAlignCh" val="ctr"/>
-          <dgm:param type="txAnchorVertCh" val="mid"/>
-        </dgm:alg>
-        <dgm:shape xmlns:r="http://schemas.openxmlformats.org/officeDocument/2006/relationships" type="ellipse" r:blip="">
-          <dgm:adjLst/>
-        </dgm:shape>
-        <dgm:presOf axis="self" ptType="node"/>
-        <dgm:constrLst>
-          <dgm:constr type="lMarg" refType="primFontSz" fact="0.3"/>
-          <dgm:constr type="rMarg" refType="primFontSz" fact="0.3"/>
-          <dgm:constr type="tMarg" refType="primFontSz" fact="0.3"/>
-          <dgm:constr type="bMarg" refType="primFontSz" fact="0.3"/>
-        </dgm:constrLst>
-        <dgm:ruleLst>
-          <dgm:rule type="primFontSz" val="5" fact="NaN" max="NaN"/>
-        </dgm:ruleLst>
-      </dgm:layoutNode>
-      <dgm:layoutNode name="Accent9">
-        <dgm:alg type="sp"/>
-        <dgm:shape xmlns:r="http://schemas.openxmlformats.org/officeDocument/2006/relationships" r:blip="">
-          <dgm:adjLst/>
-        </dgm:shape>
-        <dgm:presOf/>
-        <dgm:constrLst/>
-        <dgm:forEach name="Name16" ref="accentRepeat1"/>
-      </dgm:layoutNode>
-      <dgm:layoutNode name="Accent10">
-        <dgm:alg type="sp"/>
-        <dgm:shape xmlns:r="http://schemas.openxmlformats.org/officeDocument/2006/relationships" r:blip="">
-          <dgm:adjLst/>
-        </dgm:shape>
-        <dgm:presOf/>
-        <dgm:constrLst/>
-        <dgm:forEach name="Name17" ref="accentRepeat2"/>
-      </dgm:layoutNode>
-      <dgm:layoutNode name="Accent11">
-        <dgm:alg type="sp"/>
-        <dgm:shape xmlns:r="http://schemas.openxmlformats.org/officeDocument/2006/relationships" r:blip="">
-          <dgm:adjLst/>
-        </dgm:shape>
-        <dgm:presOf/>
-        <dgm:constrLst/>
-        <dgm:forEach name="Name18" ref="accentRepeat3"/>
-      </dgm:layoutNode>
-    </dgm:forEach>
-    <dgm:forEach name="Name19" axis="ch ch" ptType="node node" st="1 3" cnt="1 1">
-      <dgm:layoutNode name="Child3" styleLbl="node1">
-        <dgm:varLst>
-          <dgm:chMax val="0"/>
-          <dgm:chPref val="0"/>
-        </dgm:varLst>
-        <dgm:alg type="tx">
-          <dgm:param type="shpTxLTRAlignCh" val="ctr"/>
-          <dgm:param type="txAnchorVertCh" val="mid"/>
-        </dgm:alg>
-        <dgm:shape xmlns:r="http://schemas.openxmlformats.org/officeDocument/2006/relationships" type="ellipse" r:blip="">
-          <dgm:adjLst/>
-        </dgm:shape>
-        <dgm:presOf axis="self" ptType="node"/>
-        <dgm:constrLst>
-          <dgm:constr type="lMarg" refType="primFontSz" fact="0.3"/>
-          <dgm:constr type="rMarg" refType="primFontSz" fact="0.3"/>
-          <dgm:constr type="tMarg" refType="primFontSz" fact="0.3"/>
-          <dgm:constr type="bMarg" refType="primFontSz" fact="0.3"/>
-        </dgm:constrLst>
-        <dgm:ruleLst>
-          <dgm:rule type="primFontSz" val="5" fact="NaN" max="NaN"/>
-        </dgm:ruleLst>
-      </dgm:layoutNode>
-      <dgm:layoutNode name="Accent12">
-        <dgm:alg type="sp"/>
-        <dgm:shape xmlns:r="http://schemas.openxmlformats.org/officeDocument/2006/relationships" r:blip="">
-          <dgm:adjLst/>
-        </dgm:shape>
-        <dgm:presOf/>
-        <dgm:constrLst/>
-        <dgm:forEach name="Name20" ref="accentRepeat1"/>
-      </dgm:layoutNode>
-    </dgm:forEach>
-    <dgm:forEach name="Name21" axis="ch ch" ptType="node node" st="1 4" cnt="1 1">
-      <dgm:layoutNode name="Child4" styleLbl="node1">
-        <dgm:varLst>
-          <dgm:chMax val="0"/>
-          <dgm:chPref val="0"/>
-        </dgm:varLst>
-        <dgm:alg type="tx">
-          <dgm:param type="shpTxLTRAlignCh" val="ctr"/>
-          <dgm:param type="txAnchorVertCh" val="mid"/>
-        </dgm:alg>
-        <dgm:shape xmlns:r="http://schemas.openxmlformats.org/officeDocument/2006/relationships" type="ellipse" r:blip="">
-          <dgm:adjLst/>
-        </dgm:shape>
-        <dgm:presOf axis="self" ptType="node"/>
-        <dgm:constrLst>
-          <dgm:constr type="lMarg" refType="primFontSz" fact="0.3"/>
-          <dgm:constr type="rMarg" refType="primFontSz" fact="0.3"/>
-          <dgm:constr type="tMarg" refType="primFontSz" fact="0.3"/>
-          <dgm:constr type="bMarg" refType="primFontSz" fact="0.3"/>
-        </dgm:constrLst>
-        <dgm:ruleLst>
-          <dgm:rule type="primFontSz" val="5" fact="NaN" max="NaN"/>
-        </dgm:ruleLst>
-      </dgm:layoutNode>
-      <dgm:layoutNode name="Accent13">
-        <dgm:alg type="sp"/>
-        <dgm:shape xmlns:r="http://schemas.openxmlformats.org/officeDocument/2006/relationships" r:blip="">
-          <dgm:adjLst/>
-        </dgm:shape>
-        <dgm:presOf/>
-        <dgm:constrLst/>
-        <dgm:forEach name="Name22" ref="accentRepeat1"/>
-      </dgm:layoutNode>
-    </dgm:forEach>
-    <dgm:forEach name="Name23" axis="ch ch" ptType="node node" st="1 5" cnt="1 1">
-      <dgm:layoutNode name="Child5" styleLbl="node1">
-        <dgm:varLst>
-          <dgm:chMax val="0"/>
-          <dgm:chPref val="0"/>
-        </dgm:varLst>
-        <dgm:alg type="tx">
-          <dgm:param type="shpTxLTRAlignCh" val="ctr"/>
-          <dgm:param type="txAnchorVertCh" val="mid"/>
-        </dgm:alg>
-        <dgm:shape xmlns:r="http://schemas.openxmlformats.org/officeDocument/2006/relationships" type="ellipse" r:blip="">
-          <dgm:adjLst/>
-        </dgm:shape>
-        <dgm:presOf axis="self" ptType="node"/>
-        <dgm:constrLst>
-          <dgm:constr type="lMarg" refType="primFontSz" fact="0.3"/>
-          <dgm:constr type="rMarg" refType="primFontSz" fact="0.3"/>
-          <dgm:constr type="tMarg" refType="primFontSz" fact="0.3"/>
-          <dgm:constr type="bMarg" refType="primFontSz" fact="0.3"/>
-        </dgm:constrLst>
-        <dgm:ruleLst>
-          <dgm:rule type="primFontSz" val="5" fact="NaN" max="NaN"/>
-        </dgm:ruleLst>
-      </dgm:layoutNode>
-      <dgm:layoutNode name="Accent15">
-        <dgm:alg type="sp"/>
-        <dgm:shape xmlns:r="http://schemas.openxmlformats.org/officeDocument/2006/relationships" r:blip="">
-          <dgm:adjLst/>
-        </dgm:shape>
-        <dgm:presOf/>
-        <dgm:constrLst/>
-        <dgm:forEach name="Name24" ref="accentRepeat2"/>
-      </dgm:layoutNode>
-      <dgm:layoutNode name="Accent16">
-        <dgm:alg type="sp"/>
-        <dgm:shape xmlns:r="http://schemas.openxmlformats.org/officeDocument/2006/relationships" r:blip="">
-          <dgm:adjLst/>
-        </dgm:shape>
-        <dgm:presOf/>
-        <dgm:constrLst/>
-        <dgm:forEach name="Name25" ref="accentRepeat3"/>
-      </dgm:layoutNode>
-    </dgm:forEach>
   </dgm:layoutNode>
+  <dgm:extLst>
+    <a:ext uri="{68A01E43-0DF5-4B5B-8FA6-DAF915123BFB}">
+      <dgm1612:lstStyle xmlns:dgm1612="http://schemas.microsoft.com/office/drawing/2016/12/diagram">
+        <a:lvl1pPr>
+          <a:lnSpc>
+            <a:spcPct val="100000"/>
+          </a:lnSpc>
+          <a:defRPr cap="all"/>
+        </a:lvl1pPr>
+      </dgm1612:lstStyle>
+    </a:ext>
+  </dgm:extLst>
 </dgm:layoutDef>
 </file>
 
@@ -6267,11 +6072,11 @@
 </file>
 
 <file path=ppt/diagrams/quickStyle2.xml><?xml version="1.0" encoding="utf-8"?>
-<dgm:styleDef xmlns:dgm="http://schemas.openxmlformats.org/drawingml/2006/diagram" xmlns:a="http://schemas.openxmlformats.org/drawingml/2006/main" uniqueId="urn:microsoft.com/office/officeart/2005/8/quickstyle/simple4">
+<dgm:styleDef xmlns:dgm="http://schemas.openxmlformats.org/drawingml/2006/diagram" xmlns:a="http://schemas.openxmlformats.org/drawingml/2006/main" uniqueId="urn:microsoft.com/office/officeart/2005/8/quickstyle/simple1">
   <dgm:title val=""/>
   <dgm:desc val=""/>
   <dgm:catLst>
-    <dgm:cat type="simple" pri="10400"/>
+    <dgm:cat type="simple" pri="10100"/>
   </dgm:catLst>
   <dgm:scene3d>
     <a:camera prst="orthographicFront"/>
@@ -6285,13 +6090,13 @@
     <dgm:sp3d/>
     <dgm:txPr/>
     <dgm:style>
-      <a:lnRef idx="0">
+      <a:lnRef idx="2">
         <a:scrgbClr r="0" g="0" b="0"/>
       </a:lnRef>
-      <a:fillRef idx="3">
+      <a:fillRef idx="1">
         <a:scrgbClr r="0" g="0" b="0"/>
       </a:fillRef>
-      <a:effectRef idx="2">
+      <a:effectRef idx="0">
         <a:scrgbClr r="0" g="0" b="0"/>
       </a:effectRef>
       <a:fontRef idx="minor">
@@ -6307,13 +6112,13 @@
     <dgm:sp3d/>
     <dgm:txPr/>
     <dgm:style>
-      <a:lnRef idx="1">
+      <a:lnRef idx="2">
         <a:scrgbClr r="0" g="0" b="0"/>
       </a:lnRef>
-      <a:fillRef idx="3">
+      <a:fillRef idx="1">
         <a:scrgbClr r="0" g="0" b="0"/>
       </a:fillRef>
-      <a:effectRef idx="2">
+      <a:effectRef idx="0">
         <a:scrgbClr r="0" g="0" b="0"/>
       </a:effectRef>
       <a:fontRef idx="minor">
@@ -6329,10 +6134,10 @@
     <dgm:sp3d/>
     <dgm:txPr/>
     <dgm:style>
-      <a:lnRef idx="0">
+      <a:lnRef idx="2">
         <a:scrgbClr r="0" g="0" b="0"/>
       </a:lnRef>
-      <a:fillRef idx="3">
+      <a:fillRef idx="1">
         <a:scrgbClr r="0" g="0" b="0"/>
       </a:fillRef>
       <a:effectRef idx="0">
@@ -6351,13 +6156,13 @@
     <dgm:sp3d/>
     <dgm:txPr/>
     <dgm:style>
-      <a:lnRef idx="1">
+      <a:lnRef idx="2">
         <a:scrgbClr r="0" g="0" b="0"/>
       </a:lnRef>
-      <a:fillRef idx="3">
+      <a:fillRef idx="1">
         <a:scrgbClr r="0" g="0" b="0"/>
       </a:fillRef>
-      <a:effectRef idx="2">
+      <a:effectRef idx="0">
         <a:scrgbClr r="0" g="0" b="0"/>
       </a:effectRef>
       <a:fontRef idx="minor">
@@ -6373,13 +6178,13 @@
     <dgm:sp3d/>
     <dgm:txPr/>
     <dgm:style>
-      <a:lnRef idx="0">
+      <a:lnRef idx="2">
         <a:scrgbClr r="0" g="0" b="0"/>
       </a:lnRef>
-      <a:fillRef idx="3">
+      <a:fillRef idx="1">
         <a:scrgbClr r="0" g="0" b="0"/>
       </a:fillRef>
-      <a:effectRef idx="2">
+      <a:effectRef idx="0">
         <a:scrgbClr r="0" g="0" b="0"/>
       </a:effectRef>
       <a:fontRef idx="minor">
@@ -6395,13 +6200,13 @@
     <dgm:sp3d/>
     <dgm:txPr/>
     <dgm:style>
-      <a:lnRef idx="0">
+      <a:lnRef idx="2">
         <a:scrgbClr r="0" g="0" b="0"/>
       </a:lnRef>
-      <a:fillRef idx="3">
+      <a:fillRef idx="1">
         <a:scrgbClr r="0" g="0" b="0"/>
       </a:fillRef>
-      <a:effectRef idx="2">
+      <a:effectRef idx="0">
         <a:scrgbClr r="0" g="0" b="0"/>
       </a:effectRef>
       <a:fontRef idx="minor">
@@ -6417,13 +6222,13 @@
     <dgm:sp3d/>
     <dgm:txPr/>
     <dgm:style>
-      <a:lnRef idx="0">
+      <a:lnRef idx="2">
         <a:scrgbClr r="0" g="0" b="0"/>
       </a:lnRef>
-      <a:fillRef idx="3">
+      <a:fillRef idx="1">
         <a:scrgbClr r="0" g="0" b="0"/>
       </a:fillRef>
-      <a:effectRef idx="2">
+      <a:effectRef idx="0">
         <a:scrgbClr r="0" g="0" b="0"/>
       </a:effectRef>
       <a:fontRef idx="minor">
@@ -6439,13 +6244,13 @@
     <dgm:sp3d/>
     <dgm:txPr/>
     <dgm:style>
-      <a:lnRef idx="0">
+      <a:lnRef idx="2">
         <a:scrgbClr r="0" g="0" b="0"/>
       </a:lnRef>
-      <a:fillRef idx="3">
+      <a:fillRef idx="1">
         <a:scrgbClr r="0" g="0" b="0"/>
       </a:fillRef>
-      <a:effectRef idx="2">
+      <a:effectRef idx="0">
         <a:scrgbClr r="0" g="0" b="0"/>
       </a:effectRef>
       <a:fontRef idx="minor">
@@ -6461,13 +6266,13 @@
     <dgm:sp3d/>
     <dgm:txPr/>
     <dgm:style>
-      <a:lnRef idx="0">
+      <a:lnRef idx="2">
         <a:scrgbClr r="0" g="0" b="0"/>
       </a:lnRef>
       <a:fillRef idx="1">
         <a:scrgbClr r="0" g="0" b="0"/>
       </a:fillRef>
-      <a:effectRef idx="2">
+      <a:effectRef idx="0">
         <a:scrgbClr r="0" g="0" b="0"/>
       </a:effectRef>
       <a:fontRef idx="minor"/>
@@ -6481,13 +6286,13 @@
     <dgm:sp3d/>
     <dgm:txPr/>
     <dgm:style>
-      <a:lnRef idx="0">
+      <a:lnRef idx="2">
         <a:scrgbClr r="0" g="0" b="0"/>
       </a:lnRef>
       <a:fillRef idx="1">
         <a:scrgbClr r="0" g="0" b="0"/>
       </a:fillRef>
-      <a:effectRef idx="2">
+      <a:effectRef idx="0">
         <a:scrgbClr r="0" g="0" b="0"/>
       </a:effectRef>
       <a:fontRef idx="minor"/>
@@ -6501,13 +6306,13 @@
     <dgm:sp3d/>
     <dgm:txPr/>
     <dgm:style>
-      <a:lnRef idx="0">
+      <a:lnRef idx="2">
         <a:scrgbClr r="0" g="0" b="0"/>
       </a:lnRef>
       <a:fillRef idx="1">
         <a:scrgbClr r="0" g="0" b="0"/>
       </a:fillRef>
-      <a:effectRef idx="2">
+      <a:effectRef idx="0">
         <a:scrgbClr r="0" g="0" b="0"/>
       </a:effectRef>
       <a:fontRef idx="minor"/>
@@ -6524,10 +6329,10 @@
       <a:lnRef idx="0">
         <a:scrgbClr r="0" g="0" b="0"/>
       </a:lnRef>
-      <a:fillRef idx="3">
+      <a:fillRef idx="1">
         <a:scrgbClr r="0" g="0" b="0"/>
       </a:fillRef>
-      <a:effectRef idx="2">
+      <a:effectRef idx="0">
         <a:scrgbClr r="0" g="0" b="0"/>
       </a:effectRef>
       <a:fontRef idx="minor">
@@ -6546,10 +6351,10 @@
       <a:lnRef idx="0">
         <a:scrgbClr r="0" g="0" b="0"/>
       </a:lnRef>
-      <a:fillRef idx="3">
+      <a:fillRef idx="1">
         <a:scrgbClr r="0" g="0" b="0"/>
       </a:fillRef>
-      <a:effectRef idx="2">
+      <a:effectRef idx="0">
         <a:scrgbClr r="0" g="0" b="0"/>
       </a:effectRef>
       <a:fontRef idx="minor">
@@ -6568,10 +6373,10 @@
       <a:lnRef idx="0">
         <a:scrgbClr r="0" g="0" b="0"/>
       </a:lnRef>
-      <a:fillRef idx="3">
+      <a:fillRef idx="1">
         <a:scrgbClr r="0" g="0" b="0"/>
       </a:fillRef>
-      <a:effectRef idx="2">
+      <a:effectRef idx="0">
         <a:scrgbClr r="0" g="0" b="0"/>
       </a:effectRef>
       <a:fontRef idx="minor">
@@ -6613,7 +6418,7 @@
       <a:fillRef idx="1">
         <a:scrgbClr r="0" g="0" b="0"/>
       </a:fillRef>
-      <a:effectRef idx="1">
+      <a:effectRef idx="0">
         <a:scrgbClr r="0" g="0" b="0"/>
       </a:effectRef>
       <a:fontRef idx="minor"/>
@@ -6627,13 +6432,13 @@
     <dgm:sp3d/>
     <dgm:txPr/>
     <dgm:style>
-      <a:lnRef idx="0">
+      <a:lnRef idx="2">
         <a:scrgbClr r="0" g="0" b="0"/>
       </a:lnRef>
-      <a:fillRef idx="3">
+      <a:fillRef idx="1">
         <a:scrgbClr r="0" g="0" b="0"/>
       </a:fillRef>
-      <a:effectRef idx="2">
+      <a:effectRef idx="0">
         <a:scrgbClr r="0" g="0" b="0"/>
       </a:effectRef>
       <a:fontRef idx="minor">
@@ -6649,13 +6454,13 @@
     <dgm:sp3d/>
     <dgm:txPr/>
     <dgm:style>
-      <a:lnRef idx="0">
+      <a:lnRef idx="2">
         <a:scrgbClr r="0" g="0" b="0"/>
       </a:lnRef>
-      <a:fillRef idx="3">
+      <a:fillRef idx="1">
         <a:scrgbClr r="0" g="0" b="0"/>
       </a:fillRef>
-      <a:effectRef idx="2">
+      <a:effectRef idx="0">
         <a:scrgbClr r="0" g="0" b="0"/>
       </a:effectRef>
       <a:fontRef idx="minor">
@@ -6671,13 +6476,13 @@
     <dgm:sp3d/>
     <dgm:txPr/>
     <dgm:style>
-      <a:lnRef idx="0">
+      <a:lnRef idx="2">
         <a:scrgbClr r="0" g="0" b="0"/>
       </a:lnRef>
-      <a:fillRef idx="3">
+      <a:fillRef idx="1">
         <a:scrgbClr r="0" g="0" b="0"/>
       </a:fillRef>
-      <a:effectRef idx="2">
+      <a:effectRef idx="0">
         <a:scrgbClr r="0" g="0" b="0"/>
       </a:effectRef>
       <a:fontRef idx="minor">
@@ -6693,13 +6498,13 @@
     <dgm:sp3d/>
     <dgm:txPr/>
     <dgm:style>
-      <a:lnRef idx="0">
+      <a:lnRef idx="2">
         <a:scrgbClr r="0" g="0" b="0"/>
       </a:lnRef>
-      <a:fillRef idx="3">
+      <a:fillRef idx="1">
         <a:scrgbClr r="0" g="0" b="0"/>
       </a:fillRef>
-      <a:effectRef idx="2">
+      <a:effectRef idx="0">
         <a:scrgbClr r="0" g="0" b="0"/>
       </a:effectRef>
       <a:fontRef idx="minor">
@@ -6715,13 +6520,13 @@
     <dgm:sp3d/>
     <dgm:txPr/>
     <dgm:style>
-      <a:lnRef idx="0">
+      <a:lnRef idx="2">
         <a:scrgbClr r="0" g="0" b="0"/>
       </a:lnRef>
-      <a:fillRef idx="3">
+      <a:fillRef idx="1">
         <a:scrgbClr r="0" g="0" b="0"/>
       </a:fillRef>
-      <a:effectRef idx="2">
+      <a:effectRef idx="0">
         <a:scrgbClr r="0" g="0" b="0"/>
       </a:effectRef>
       <a:fontRef idx="minor">
@@ -6737,13 +6542,13 @@
     <dgm:sp3d/>
     <dgm:txPr/>
     <dgm:style>
-      <a:lnRef idx="0">
+      <a:lnRef idx="2">
         <a:scrgbClr r="0" g="0" b="0"/>
       </a:lnRef>
-      <a:fillRef idx="3">
+      <a:fillRef idx="1">
         <a:scrgbClr r="0" g="0" b="0"/>
       </a:fillRef>
-      <a:effectRef idx="2">
+      <a:effectRef idx="0">
         <a:scrgbClr r="0" g="0" b="0"/>
       </a:effectRef>
       <a:fontRef idx="minor">
@@ -6759,13 +6564,13 @@
     <dgm:sp3d/>
     <dgm:txPr/>
     <dgm:style>
-      <a:lnRef idx="0">
+      <a:lnRef idx="2">
         <a:scrgbClr r="0" g="0" b="0"/>
       </a:lnRef>
-      <a:fillRef idx="3">
+      <a:fillRef idx="1">
         <a:scrgbClr r="0" g="0" b="0"/>
       </a:fillRef>
-      <a:effectRef idx="2">
+      <a:effectRef idx="0">
         <a:scrgbClr r="0" g="0" b="0"/>
       </a:effectRef>
       <a:fontRef idx="minor">
@@ -6781,13 +6586,13 @@
     <dgm:sp3d/>
     <dgm:txPr/>
     <dgm:style>
-      <a:lnRef idx="1">
+      <a:lnRef idx="2">
         <a:scrgbClr r="0" g="0" b="0"/>
       </a:lnRef>
-      <a:fillRef idx="3">
+      <a:fillRef idx="1">
         <a:scrgbClr r="0" g="0" b="0"/>
       </a:fillRef>
-      <a:effectRef idx="2">
+      <a:effectRef idx="0">
         <a:scrgbClr r="0" g="0" b="0"/>
       </a:effectRef>
       <a:fontRef idx="minor">
@@ -6803,13 +6608,13 @@
     <dgm:sp3d/>
     <dgm:txPr/>
     <dgm:style>
-      <a:lnRef idx="1">
+      <a:lnRef idx="2">
         <a:scrgbClr r="0" g="0" b="0"/>
       </a:lnRef>
-      <a:fillRef idx="3">
+      <a:fillRef idx="1">
         <a:scrgbClr r="0" g="0" b="0"/>
       </a:fillRef>
-      <a:effectRef idx="2">
+      <a:effectRef idx="0">
         <a:scrgbClr r="0" g="0" b="0"/>
       </a:effectRef>
       <a:fontRef idx="minor">
@@ -6825,7 +6630,7 @@
     <dgm:sp3d/>
     <dgm:txPr/>
     <dgm:style>
-      <a:lnRef idx="1">
+      <a:lnRef idx="2">
         <a:scrgbClr r="0" g="0" b="0"/>
       </a:lnRef>
       <a:fillRef idx="0">
@@ -6845,7 +6650,7 @@
     <dgm:sp3d/>
     <dgm:txPr/>
     <dgm:style>
-      <a:lnRef idx="1">
+      <a:lnRef idx="2">
         <a:scrgbClr r="0" g="0" b="0"/>
       </a:lnRef>
       <a:fillRef idx="0">
@@ -6865,7 +6670,7 @@
     <dgm:sp3d/>
     <dgm:txPr/>
     <dgm:style>
-      <a:lnRef idx="1">
+      <a:lnRef idx="2">
         <a:scrgbClr r="0" g="0" b="0"/>
       </a:lnRef>
       <a:fillRef idx="0">
@@ -6885,7 +6690,7 @@
     <dgm:sp3d/>
     <dgm:txPr/>
     <dgm:style>
-      <a:lnRef idx="1">
+      <a:lnRef idx="2">
         <a:scrgbClr r="0" g="0" b="0"/>
       </a:lnRef>
       <a:fillRef idx="0">
@@ -6905,7 +6710,7 @@
     <dgm:sp3d/>
     <dgm:txPr/>
     <dgm:style>
-      <a:lnRef idx="1">
+      <a:lnRef idx="2">
         <a:scrgbClr r="0" g="0" b="0"/>
       </a:lnRef>
       <a:fillRef idx="1">
@@ -6925,7 +6730,7 @@
     <dgm:sp3d/>
     <dgm:txPr/>
     <dgm:style>
-      <a:lnRef idx="1">
+      <a:lnRef idx="2">
         <a:scrgbClr r="0" g="0" b="0"/>
       </a:lnRef>
       <a:fillRef idx="1">
@@ -6945,7 +6750,7 @@
     <dgm:sp3d/>
     <dgm:txPr/>
     <dgm:style>
-      <a:lnRef idx="1">
+      <a:lnRef idx="2">
         <a:scrgbClr r="0" g="0" b="0"/>
       </a:lnRef>
       <a:fillRef idx="1">
@@ -6985,7 +6790,7 @@
     <dgm:sp3d/>
     <dgm:txPr/>
     <dgm:style>
-      <a:lnRef idx="1">
+      <a:lnRef idx="2">
         <a:scrgbClr r="0" g="0" b="0"/>
       </a:lnRef>
       <a:fillRef idx="1">
@@ -7005,7 +6810,7 @@
     <dgm:sp3d/>
     <dgm:txPr/>
     <dgm:style>
-      <a:lnRef idx="1">
+      <a:lnRef idx="2">
         <a:scrgbClr r="0" g="0" b="0"/>
       </a:lnRef>
       <a:fillRef idx="1">
@@ -7025,7 +6830,7 @@
     <dgm:sp3d/>
     <dgm:txPr/>
     <dgm:style>
-      <a:lnRef idx="1">
+      <a:lnRef idx="2">
         <a:scrgbClr r="0" g="0" b="0"/>
       </a:lnRef>
       <a:fillRef idx="1">
@@ -7045,7 +6850,7 @@
     <dgm:sp3d/>
     <dgm:txPr/>
     <dgm:style>
-      <a:lnRef idx="1">
+      <a:lnRef idx="2">
         <a:scrgbClr r="0" g="0" b="0"/>
       </a:lnRef>
       <a:fillRef idx="1">
@@ -7065,7 +6870,7 @@
     <dgm:sp3d/>
     <dgm:txPr/>
     <dgm:style>
-      <a:lnRef idx="1">
+      <a:lnRef idx="2">
         <a:scrgbClr r="0" g="0" b="0"/>
       </a:lnRef>
       <a:fillRef idx="1">
@@ -7085,7 +6890,7 @@
     <dgm:sp3d/>
     <dgm:txPr/>
     <dgm:style>
-      <a:lnRef idx="1">
+      <a:lnRef idx="2">
         <a:scrgbClr r="0" g="0" b="0"/>
       </a:lnRef>
       <a:fillRef idx="1">
@@ -7105,7 +6910,7 @@
     <dgm:sp3d/>
     <dgm:txPr/>
     <dgm:style>
-      <a:lnRef idx="1">
+      <a:lnRef idx="2">
         <a:scrgbClr r="0" g="0" b="0"/>
       </a:lnRef>
       <a:fillRef idx="1">
@@ -7125,7 +6930,7 @@
     <dgm:sp3d/>
     <dgm:txPr/>
     <dgm:style>
-      <a:lnRef idx="1">
+      <a:lnRef idx="2">
         <a:scrgbClr r="0" g="0" b="0"/>
       </a:lnRef>
       <a:fillRef idx="1">
@@ -7145,7 +6950,7 @@
     <dgm:sp3d/>
     <dgm:txPr/>
     <dgm:style>
-      <a:lnRef idx="1">
+      <a:lnRef idx="2">
         <a:scrgbClr r="0" g="0" b="0"/>
       </a:lnRef>
       <a:fillRef idx="1">
@@ -7165,7 +6970,7 @@
     <dgm:sp3d/>
     <dgm:txPr/>
     <dgm:style>
-      <a:lnRef idx="1">
+      <a:lnRef idx="2">
         <a:scrgbClr r="0" g="0" b="0"/>
       </a:lnRef>
       <a:fillRef idx="1">
@@ -7185,7 +6990,7 @@
     <dgm:sp3d/>
     <dgm:txPr/>
     <dgm:style>
-      <a:lnRef idx="1">
+      <a:lnRef idx="2">
         <a:scrgbClr r="0" g="0" b="0"/>
       </a:lnRef>
       <a:fillRef idx="1">
@@ -7211,7 +7016,7 @@
       <a:fillRef idx="1">
         <a:scrgbClr r="0" g="0" b="0"/>
       </a:fillRef>
-      <a:effectRef idx="2">
+      <a:effectRef idx="0">
         <a:scrgbClr r="0" g="0" b="0"/>
       </a:effectRef>
       <a:fontRef idx="minor"/>
@@ -7231,7 +7036,7 @@
       <a:fillRef idx="1">
         <a:scrgbClr r="0" g="0" b="0"/>
       </a:fillRef>
-      <a:effectRef idx="2">
+      <a:effectRef idx="0">
         <a:scrgbClr r="0" g="0" b="0"/>
       </a:effectRef>
       <a:fontRef idx="minor"/>
@@ -7265,13 +7070,13 @@
     <dgm:sp3d/>
     <dgm:txPr/>
     <dgm:style>
-      <a:lnRef idx="0">
+      <a:lnRef idx="2">
         <a:scrgbClr r="0" g="0" b="0"/>
       </a:lnRef>
-      <a:fillRef idx="3">
+      <a:fillRef idx="1">
         <a:scrgbClr r="0" g="0" b="0"/>
       </a:fillRef>
-      <a:effectRef idx="2">
+      <a:effectRef idx="0">
         <a:scrgbClr r="0" g="0" b="0"/>
       </a:effectRef>
       <a:fontRef idx="minor"/>
@@ -7472,7 +7277,7 @@
           <a:p>
             <a:fld id="{FEC605DA-80A8-4B7B-B889-6C5700BB4CEA}" type="slidenum">
               <a:rPr lang="en-US" smtClean="0"/>
-              <a:t>‹#›</a:t>
+              <a:t>‹nr.›</a:t>
             </a:fld>
             <a:endParaRPr lang="en-US"/>
           </a:p>
@@ -7729,7 +7534,7 @@
           <a:p>
             <a:fld id="{F3544625-0ADF-4414-89A2-9E135F0C849F}" type="slidenum">
               <a:rPr lang="en-US" smtClean="0"/>
-              <a:t>‹#›</a:t>
+              <a:t>‹nr.›</a:t>
             </a:fld>
             <a:endParaRPr lang="en-US"/>
           </a:p>
@@ -8587,90 +8392,6 @@
           <a:p>
             <a:fld id="{F3544625-0ADF-4414-89A2-9E135F0C849F}" type="slidenum">
               <a:rPr lang="en-US" smtClean="0"/>
-              <a:t>10</a:t>
-            </a:fld>
-            <a:endParaRPr lang="en-US"/>
-          </a:p>
-        </p:txBody>
-      </p:sp>
-    </p:spTree>
-    <p:extLst>
-      <p:ext uri="{BB962C8B-B14F-4D97-AF65-F5344CB8AC3E}">
-        <p14:creationId xmlns:p14="http://schemas.microsoft.com/office/powerpoint/2010/main" val="173010383"/>
-      </p:ext>
-    </p:extLst>
-  </p:cSld>
-  <p:clrMapOvr>
-    <a:masterClrMapping/>
-  </p:clrMapOvr>
-</p:notes>
-</file>
-
-<file path=ppt/notesSlides/notesSlide6.xml><?xml version="1.0" encoding="utf-8"?>
-<p:notes xmlns:a="http://schemas.openxmlformats.org/drawingml/2006/main" xmlns:r="http://schemas.openxmlformats.org/officeDocument/2006/relationships" xmlns:p="http://schemas.openxmlformats.org/presentationml/2006/main">
-  <p:cSld>
-    <p:spTree>
-      <p:nvGrpSpPr>
-        <p:cNvPr id="1" name=""/>
-        <p:cNvGrpSpPr/>
-        <p:nvPr/>
-      </p:nvGrpSpPr>
-      <p:grpSpPr>
-        <a:xfrm>
-          <a:off x="0" y="0"/>
-          <a:ext cx="0" cy="0"/>
-          <a:chOff x="0" y="0"/>
-          <a:chExt cx="0" cy="0"/>
-        </a:xfrm>
-      </p:grpSpPr>
-      <p:sp>
-        <p:nvSpPr>
-          <p:cNvPr id="2" name="Slide Image Placeholder 1"/>
-          <p:cNvSpPr>
-            <a:spLocks noGrp="1" noRot="1" noChangeAspect="1"/>
-          </p:cNvSpPr>
-          <p:nvPr>
-            <p:ph type="sldImg"/>
-          </p:nvPr>
-        </p:nvSpPr>
-        <p:spPr/>
-      </p:sp>
-      <p:sp>
-        <p:nvSpPr>
-          <p:cNvPr id="3" name="Notes Placeholder 2"/>
-          <p:cNvSpPr>
-            <a:spLocks noGrp="1"/>
-          </p:cNvSpPr>
-          <p:nvPr>
-            <p:ph type="body" idx="1"/>
-          </p:nvPr>
-        </p:nvSpPr>
-        <p:spPr/>
-        <p:txBody>
-          <a:bodyPr/>
-          <a:lstStyle/>
-          <a:p>
-            <a:endParaRPr lang="en-US"/>
-          </a:p>
-        </p:txBody>
-      </p:sp>
-      <p:sp>
-        <p:nvSpPr>
-          <p:cNvPr id="4" name="Slide Number Placeholder 3"/>
-          <p:cNvSpPr>
-            <a:spLocks noGrp="1"/>
-          </p:cNvSpPr>
-          <p:nvPr>
-            <p:ph type="sldNum" sz="quarter" idx="5"/>
-          </p:nvPr>
-        </p:nvSpPr>
-        <p:spPr/>
-        <p:txBody>
-          <a:bodyPr/>
-          <a:lstStyle/>
-          <a:p>
-            <a:fld id="{F3544625-0ADF-4414-89A2-9E135F0C849F}" type="slidenum">
-              <a:rPr lang="en-US" smtClean="0"/>
               <a:t>11</a:t>
             </a:fld>
             <a:endParaRPr lang="en-US"/>
@@ -8971,7 +8692,7 @@
             <a:fld id="{69E57DC2-970A-4B3E-BB1C-7A09969E49DF}" type="slidenum">
               <a:rPr lang="en-US" smtClean="0"/>
               <a:pPr/>
-              <a:t>‹#›</a:t>
+              <a:t>‹nr.›</a:t>
             </a:fld>
             <a:endParaRPr lang="en-US"/>
           </a:p>
@@ -9295,7 +9016,7 @@
             <a:fld id="{69E57DC2-970A-4B3E-BB1C-7A09969E49DF}" type="slidenum">
               <a:rPr lang="en-US" smtClean="0"/>
               <a:pPr/>
-              <a:t>‹#›</a:t>
+              <a:t>‹nr.›</a:t>
             </a:fld>
             <a:endParaRPr lang="en-US"/>
           </a:p>
@@ -9574,7 +9295,7 @@
             <a:fld id="{69E57DC2-970A-4B3E-BB1C-7A09969E49DF}" type="slidenum">
               <a:rPr lang="en-US" smtClean="0"/>
               <a:pPr/>
-              <a:t>‹#›</a:t>
+              <a:t>‹nr.›</a:t>
             </a:fld>
             <a:endParaRPr lang="en-US"/>
           </a:p>
@@ -10143,7 +9864,7 @@
             <a:fld id="{69E57DC2-970A-4B3E-BB1C-7A09969E49DF}" type="slidenum">
               <a:rPr lang="en-US" smtClean="0"/>
               <a:pPr/>
-              <a:t>‹#›</a:t>
+              <a:t>‹nr.›</a:t>
             </a:fld>
             <a:endParaRPr lang="en-US"/>
           </a:p>
@@ -10422,7 +10143,7 @@
             <a:fld id="{69E57DC2-970A-4B3E-BB1C-7A09969E49DF}" type="slidenum">
               <a:rPr lang="en-US" smtClean="0"/>
               <a:pPr/>
-              <a:t>‹#›</a:t>
+              <a:t>‹nr.›</a:t>
             </a:fld>
             <a:endParaRPr lang="en-US"/>
           </a:p>
@@ -10985,7 +10706,7 @@
             <a:fld id="{69E57DC2-970A-4B3E-BB1C-7A09969E49DF}" type="slidenum">
               <a:rPr lang="en-US" smtClean="0"/>
               <a:pPr/>
-              <a:t>‹#›</a:t>
+              <a:t>‹nr.›</a:t>
             </a:fld>
             <a:endParaRPr lang="en-US"/>
           </a:p>
@@ -11313,7 +11034,7 @@
             <a:fld id="{69E57DC2-970A-4B3E-BB1C-7A09969E49DF}" type="slidenum">
               <a:rPr lang="en-US" smtClean="0"/>
               <a:pPr/>
-              <a:t>‹#›</a:t>
+              <a:t>‹nr.›</a:t>
             </a:fld>
             <a:endParaRPr lang="en-US"/>
           </a:p>
@@ -11516,7 +11237,7 @@
           <a:p>
             <a:fld id="{69E57DC2-970A-4B3E-BB1C-7A09969E49DF}" type="slidenum">
               <a:rPr lang="en-US" smtClean="0"/>
-              <a:t>‹#›</a:t>
+              <a:t>‹nr.›</a:t>
             </a:fld>
             <a:endParaRPr lang="en-US"/>
           </a:p>
@@ -11724,7 +11445,7 @@
           <a:p>
             <a:fld id="{69E57DC2-970A-4B3E-BB1C-7A09969E49DF}" type="slidenum">
               <a:rPr lang="en-US" smtClean="0"/>
-              <a:t>‹#›</a:t>
+              <a:t>‹nr.›</a:t>
             </a:fld>
             <a:endParaRPr lang="en-US"/>
           </a:p>
@@ -11922,7 +11643,7 @@
           <a:p>
             <a:fld id="{69E57DC2-970A-4B3E-BB1C-7A09969E49DF}" type="slidenum">
               <a:rPr lang="en-US" smtClean="0"/>
-              <a:t>‹#›</a:t>
+              <a:t>‹nr.›</a:t>
             </a:fld>
             <a:endParaRPr lang="en-US"/>
           </a:p>
@@ -12199,7 +11920,7 @@
             <a:fld id="{69E57DC2-970A-4B3E-BB1C-7A09969E49DF}" type="slidenum">
               <a:rPr lang="en-US" smtClean="0"/>
               <a:pPr/>
-              <a:t>‹#›</a:t>
+              <a:t>‹nr.›</a:t>
             </a:fld>
             <a:endParaRPr lang="en-US"/>
           </a:p>
@@ -12462,7 +12183,7 @@
           <a:p>
             <a:fld id="{69E57DC2-970A-4B3E-BB1C-7A09969E49DF}" type="slidenum">
               <a:rPr lang="en-US" smtClean="0"/>
-              <a:t>‹#›</a:t>
+              <a:t>‹nr.›</a:t>
             </a:fld>
             <a:endParaRPr lang="en-US"/>
           </a:p>
@@ -12833,7 +12554,7 @@
           <a:p>
             <a:fld id="{69E57DC2-970A-4B3E-BB1C-7A09969E49DF}" type="slidenum">
               <a:rPr lang="en-US" smtClean="0"/>
-              <a:t>‹#›</a:t>
+              <a:t>‹nr.›</a:t>
             </a:fld>
             <a:endParaRPr lang="en-US"/>
           </a:p>
@@ -12980,7 +12701,7 @@
           <a:p>
             <a:fld id="{69E57DC2-970A-4B3E-BB1C-7A09969E49DF}" type="slidenum">
               <a:rPr lang="en-US" smtClean="0"/>
-              <a:t>‹#›</a:t>
+              <a:t>‹nr.›</a:t>
             </a:fld>
             <a:endParaRPr lang="en-US"/>
           </a:p>
@@ -13105,7 +12826,7 @@
           <a:p>
             <a:fld id="{69E57DC2-970A-4B3E-BB1C-7A09969E49DF}" type="slidenum">
               <a:rPr lang="en-US" smtClean="0"/>
-              <a:t>‹#›</a:t>
+              <a:t>‹nr.›</a:t>
             </a:fld>
             <a:endParaRPr lang="en-US"/>
           </a:p>
@@ -13390,7 +13111,7 @@
             <a:fld id="{69E57DC2-970A-4B3E-BB1C-7A09969E49DF}" type="slidenum">
               <a:rPr lang="en-US" smtClean="0"/>
               <a:pPr/>
-              <a:t>‹#›</a:t>
+              <a:t>‹nr.›</a:t>
             </a:fld>
             <a:endParaRPr lang="en-US"/>
           </a:p>
@@ -13714,7 +13435,7 @@
             <a:fld id="{69E57DC2-970A-4B3E-BB1C-7A09969E49DF}" type="slidenum">
               <a:rPr lang="en-US" smtClean="0"/>
               <a:pPr/>
-              <a:t>‹#›</a:t>
+              <a:t>‹nr.›</a:t>
             </a:fld>
             <a:endParaRPr lang="en-US"/>
           </a:p>
@@ -13964,7 +13685,7 @@
             <a:fld id="{69E57DC2-970A-4B3E-BB1C-7A09969E49DF}" type="slidenum">
               <a:rPr lang="en-US" smtClean="0"/>
               <a:pPr/>
-              <a:t>‹#›</a:t>
+              <a:t>‹nr.›</a:t>
             </a:fld>
             <a:endParaRPr lang="en-US"/>
           </a:p>
@@ -14611,7 +14332,7 @@
           <a:lstStyle/>
           <a:p>
             <a:r>
-              <a:rPr lang="en-US">
+              <a:rPr lang="en-US" dirty="0">
                 <a:solidFill>
                   <a:schemeClr val="accent1">
                     <a:lumMod val="40000"/>
@@ -14623,7 +14344,7 @@
               <a:t>- </a:t>
             </a:r>
             <a:r>
-              <a:rPr lang="en-US" err="1">
+              <a:rPr lang="en-US" dirty="0" err="1">
                 <a:solidFill>
                   <a:schemeClr val="accent1">
                     <a:lumMod val="40000"/>
@@ -14634,10 +14355,19 @@
               </a:rPr>
               <a:t>Opdrachtomschrijving</a:t>
             </a:r>
+            <a:endParaRPr lang="en-US" dirty="0">
+              <a:solidFill>
+                <a:schemeClr val="accent1">
+                  <a:lumMod val="40000"/>
+                  <a:lumOff val="60000"/>
+                </a:schemeClr>
+              </a:solidFill>
+              <a:cs typeface="Calibri"/>
+            </a:endParaRPr>
           </a:p>
           <a:p>
             <a:r>
-              <a:rPr lang="en-US">
+              <a:rPr lang="en-US" dirty="0">
                 <a:solidFill>
                   <a:schemeClr val="accent1">
                     <a:lumMod val="40000"/>
@@ -14649,7 +14379,7 @@
               <a:t>- </a:t>
             </a:r>
             <a:r>
-              <a:rPr lang="en-US" err="1">
+              <a:rPr lang="en-US" dirty="0" err="1">
                 <a:solidFill>
                   <a:schemeClr val="accent1">
                     <a:lumMod val="40000"/>
@@ -14660,10 +14390,19 @@
               </a:rPr>
               <a:t>Doelstelling</a:t>
             </a:r>
+            <a:endParaRPr lang="en-US" dirty="0">
+              <a:solidFill>
+                <a:schemeClr val="accent1">
+                  <a:lumMod val="40000"/>
+                  <a:lumOff val="60000"/>
+                </a:schemeClr>
+              </a:solidFill>
+              <a:cs typeface="Calibri"/>
+            </a:endParaRPr>
           </a:p>
           <a:p>
             <a:r>
-              <a:rPr lang="en-US">
+              <a:rPr lang="en-US" dirty="0">
                 <a:solidFill>
                   <a:schemeClr val="accent1">
                     <a:lumMod val="40000"/>
@@ -14675,7 +14414,7 @@
               <a:t>- </a:t>
             </a:r>
             <a:r>
-              <a:rPr lang="en-US" err="1">
+              <a:rPr lang="en-US" dirty="0" err="1">
                 <a:solidFill>
                   <a:schemeClr val="accent1">
                     <a:lumMod val="40000"/>
@@ -14686,10 +14425,19 @@
               </a:rPr>
               <a:t>Werkwijze</a:t>
             </a:r>
+            <a:endParaRPr lang="en-US" dirty="0">
+              <a:solidFill>
+                <a:schemeClr val="accent1">
+                  <a:lumMod val="40000"/>
+                  <a:lumOff val="60000"/>
+                </a:schemeClr>
+              </a:solidFill>
+              <a:cs typeface="Calibri"/>
+            </a:endParaRPr>
           </a:p>
           <a:p>
             <a:r>
-              <a:rPr lang="en-US">
+              <a:rPr lang="en-US" dirty="0">
                 <a:solidFill>
                   <a:schemeClr val="accent1">
                     <a:lumMod val="40000"/>
@@ -14701,7 +14449,7 @@
               <a:t>- </a:t>
             </a:r>
             <a:r>
-              <a:rPr lang="en-US" err="1">
+              <a:rPr lang="en-US" dirty="0" err="1">
                 <a:solidFill>
                   <a:schemeClr val="accent1">
                     <a:lumMod val="40000"/>
@@ -14712,10 +14460,19 @@
               </a:rPr>
               <a:t>Modelkeuze</a:t>
             </a:r>
+            <a:endParaRPr lang="en-US" dirty="0">
+              <a:solidFill>
+                <a:schemeClr val="accent1">
+                  <a:lumMod val="40000"/>
+                  <a:lumOff val="60000"/>
+                </a:schemeClr>
+              </a:solidFill>
+              <a:cs typeface="Calibri"/>
+            </a:endParaRPr>
           </a:p>
           <a:p>
             <a:r>
-              <a:rPr lang="en-US">
+              <a:rPr lang="en-US" dirty="0">
                 <a:solidFill>
                   <a:schemeClr val="accent1">
                     <a:lumMod val="40000"/>
@@ -14727,7 +14484,7 @@
               <a:t>- </a:t>
             </a:r>
             <a:r>
-              <a:rPr lang="en-US" err="1">
+              <a:rPr lang="en-US" dirty="0" err="1">
                 <a:solidFill>
                   <a:schemeClr val="accent1">
                     <a:lumMod val="40000"/>
@@ -14737,6 +14494,44 @@
                 <a:cs typeface="Calibri"/>
               </a:rPr>
               <a:t>applicatie</a:t>
+            </a:r>
+          </a:p>
+          <a:p>
+            <a:r>
+              <a:rPr lang="en-US" dirty="0">
+                <a:solidFill>
+                  <a:schemeClr val="accent1">
+                    <a:lumMod val="40000"/>
+                    <a:lumOff val="60000"/>
+                  </a:schemeClr>
+                </a:solidFill>
+                <a:cs typeface="Calibri"/>
+              </a:rPr>
+              <a:t>-</a:t>
+            </a:r>
+            <a:r>
+              <a:rPr lang="en-US" dirty="0" err="1">
+                <a:solidFill>
+                  <a:schemeClr val="accent1">
+                    <a:lumMod val="40000"/>
+                    <a:lumOff val="60000"/>
+                  </a:schemeClr>
+                </a:solidFill>
+                <a:cs typeface="Calibri"/>
+              </a:rPr>
+              <a:t>Validatieset</a:t>
+            </a:r>
+            <a:r>
+              <a:rPr lang="en-US" dirty="0">
+                <a:solidFill>
+                  <a:schemeClr val="accent1">
+                    <a:lumMod val="40000"/>
+                    <a:lumOff val="60000"/>
+                  </a:schemeClr>
+                </a:solidFill>
+                <a:cs typeface="Calibri"/>
+              </a:rPr>
+              <a:t> demo</a:t>
             </a:r>
           </a:p>
           <a:p>
@@ -14767,470 +14562,6 @@
     <p:extLst>
       <p:ext uri="{BB962C8B-B14F-4D97-AF65-F5344CB8AC3E}">
         <p14:creationId xmlns:p14="http://schemas.microsoft.com/office/powerpoint/2010/main" val="3417721485"/>
-      </p:ext>
-    </p:extLst>
-  </p:cSld>
-  <p:clrMapOvr>
-    <a:masterClrMapping/>
-  </p:clrMapOvr>
-</p:sld>
-</file>
-
-<file path=ppt/slides/slide10.xml><?xml version="1.0" encoding="utf-8"?>
-<p:sld xmlns:a="http://schemas.openxmlformats.org/drawingml/2006/main" xmlns:r="http://schemas.openxmlformats.org/officeDocument/2006/relationships" xmlns:p="http://schemas.openxmlformats.org/presentationml/2006/main">
-  <p:cSld>
-    <p:spTree>
-      <p:nvGrpSpPr>
-        <p:cNvPr id="1" name=""/>
-        <p:cNvGrpSpPr/>
-        <p:nvPr/>
-      </p:nvGrpSpPr>
-      <p:grpSpPr>
-        <a:xfrm>
-          <a:off x="0" y="0"/>
-          <a:ext cx="0" cy="0"/>
-          <a:chOff x="0" y="0"/>
-          <a:chExt cx="0" cy="0"/>
-        </a:xfrm>
-      </p:grpSpPr>
-      <p:pic>
-        <p:nvPicPr>
-          <p:cNvPr id="4" name="Content Placeholder 3" descr="night sky with mountains on the horizon">
-            <a:extLst>
-              <a:ext uri="{FF2B5EF4-FFF2-40B4-BE49-F238E27FC236}">
-                <a16:creationId xmlns:a16="http://schemas.microsoft.com/office/drawing/2014/main" id="{2739CFE1-3E46-48B5-9BDB-769492BA7A53}"/>
-              </a:ext>
-            </a:extLst>
-          </p:cNvPr>
-          <p:cNvPicPr>
-            <a:picLocks noGrp="1" noChangeAspect="1"/>
-          </p:cNvPicPr>
-          <p:nvPr>
-            <p:ph sz="half" idx="1"/>
-          </p:nvPr>
-        </p:nvPicPr>
-        <p:blipFill rotWithShape="1">
-          <a:blip r:embed="rId3"/>
-          <a:srcRect t="4555" b="4555"/>
-          <a:stretch/>
-        </p:blipFill>
-        <p:spPr>
-          <a:xfrm>
-            <a:off x="-600" y="-1226"/>
-            <a:ext cx="12193200" cy="6860452"/>
-          </a:xfrm>
-          <a:custGeom>
-            <a:avLst/>
-            <a:gdLst/>
-            <a:ahLst/>
-            <a:cxnLst/>
-            <a:rect l="l" t="t" r="r" b="b"/>
-            <a:pathLst>
-              <a:path w="12192000" h="6858000">
-                <a:moveTo>
-                  <a:pt x="6090347" y="706999"/>
-                </a:moveTo>
-                <a:cubicBezTo>
-                  <a:pt x="4588386" y="706999"/>
-                  <a:pt x="3370806" y="1924579"/>
-                  <a:pt x="3370806" y="3426541"/>
-                </a:cubicBezTo>
-                <a:cubicBezTo>
-                  <a:pt x="3370806" y="4928503"/>
-                  <a:pt x="4588386" y="6146083"/>
-                  <a:pt x="6090347" y="6146083"/>
-                </a:cubicBezTo>
-                <a:cubicBezTo>
-                  <a:pt x="7592308" y="6146083"/>
-                  <a:pt x="8809888" y="4928503"/>
-                  <a:pt x="8809888" y="3426541"/>
-                </a:cubicBezTo>
-                <a:cubicBezTo>
-                  <a:pt x="8809888" y="1924579"/>
-                  <a:pt x="7592308" y="706999"/>
-                  <a:pt x="6090347" y="706999"/>
-                </a:cubicBezTo>
-                <a:close/>
-                <a:moveTo>
-                  <a:pt x="6082303" y="247854"/>
-                </a:moveTo>
-                <a:cubicBezTo>
-                  <a:pt x="7836802" y="247854"/>
-                  <a:pt x="9259104" y="1671227"/>
-                  <a:pt x="9259104" y="3427045"/>
-                </a:cubicBezTo>
-                <a:cubicBezTo>
-                  <a:pt x="9259104" y="5182864"/>
-                  <a:pt x="7836802" y="6606237"/>
-                  <a:pt x="6082303" y="6606237"/>
-                </a:cubicBezTo>
-                <a:cubicBezTo>
-                  <a:pt x="4327804" y="6606237"/>
-                  <a:pt x="2905502" y="5182864"/>
-                  <a:pt x="2905502" y="3427045"/>
-                </a:cubicBezTo>
-                <a:cubicBezTo>
-                  <a:pt x="2905502" y="1671227"/>
-                  <a:pt x="4327804" y="247854"/>
-                  <a:pt x="6082303" y="247854"/>
-                </a:cubicBezTo>
-                <a:close/>
-                <a:moveTo>
-                  <a:pt x="9560257" y="0"/>
-                </a:moveTo>
-                <a:lnTo>
-                  <a:pt x="12192000" y="0"/>
-                </a:lnTo>
-                <a:lnTo>
-                  <a:pt x="12192000" y="6858000"/>
-                </a:lnTo>
-                <a:lnTo>
-                  <a:pt x="9560255" y="6858000"/>
-                </a:lnTo>
-                <a:lnTo>
-                  <a:pt x="9704262" y="6706843"/>
-                </a:lnTo>
-                <a:cubicBezTo>
-                  <a:pt x="10490530" y="5841105"/>
-                  <a:pt x="10969748" y="4691058"/>
-                  <a:pt x="10969748" y="3428999"/>
-                </a:cubicBezTo>
-                <a:cubicBezTo>
-                  <a:pt x="10969748" y="2166941"/>
-                  <a:pt x="10490530" y="1016894"/>
-                  <a:pt x="9704262" y="151155"/>
-                </a:cubicBezTo>
-                <a:close/>
-                <a:moveTo>
-                  <a:pt x="7947654" y="0"/>
-                </a:moveTo>
-                <a:lnTo>
-                  <a:pt x="8099035" y="0"/>
-                </a:lnTo>
-                <a:lnTo>
-                  <a:pt x="8158569" y="34257"/>
-                </a:lnTo>
-                <a:cubicBezTo>
-                  <a:pt x="9305381" y="731601"/>
-                  <a:pt x="10071441" y="1993601"/>
-                  <a:pt x="10071441" y="3434659"/>
-                </a:cubicBezTo>
-                <a:cubicBezTo>
-                  <a:pt x="10071441" y="4875717"/>
-                  <a:pt x="9305381" y="6137716"/>
-                  <a:pt x="8158569" y="6835060"/>
-                </a:cubicBezTo>
-                <a:lnTo>
-                  <a:pt x="8118703" y="6858000"/>
-                </a:lnTo>
-                <a:lnTo>
-                  <a:pt x="7923440" y="6858000"/>
-                </a:lnTo>
-                <a:lnTo>
-                  <a:pt x="7938929" y="6850061"/>
-                </a:lnTo>
-                <a:cubicBezTo>
-                  <a:pt x="9153123" y="6189975"/>
-                  <a:pt x="9977382" y="4902579"/>
-                  <a:pt x="9977382" y="3422520"/>
-                </a:cubicBezTo>
-                <a:cubicBezTo>
-                  <a:pt x="9977382" y="2009739"/>
-                  <a:pt x="9226353" y="772500"/>
-                  <a:pt x="8102044" y="88839"/>
-                </a:cubicBezTo>
-                <a:close/>
-                <a:moveTo>
-                  <a:pt x="4097777" y="0"/>
-                </a:moveTo>
-                <a:lnTo>
-                  <a:pt x="4216953" y="0"/>
-                </a:lnTo>
-                <a:lnTo>
-                  <a:pt x="4062563" y="88839"/>
-                </a:lnTo>
-                <a:cubicBezTo>
-                  <a:pt x="2938253" y="772500"/>
-                  <a:pt x="2187224" y="2009739"/>
-                  <a:pt x="2187224" y="3422520"/>
-                </a:cubicBezTo>
-                <a:cubicBezTo>
-                  <a:pt x="2187224" y="4902579"/>
-                  <a:pt x="3011483" y="6189975"/>
-                  <a:pt x="4225677" y="6850061"/>
-                </a:cubicBezTo>
-                <a:lnTo>
-                  <a:pt x="4241167" y="6858000"/>
-                </a:lnTo>
-                <a:lnTo>
-                  <a:pt x="4078110" y="6858000"/>
-                </a:lnTo>
-                <a:lnTo>
-                  <a:pt x="4038243" y="6835060"/>
-                </a:lnTo>
-                <a:cubicBezTo>
-                  <a:pt x="2891431" y="6137716"/>
-                  <a:pt x="2125371" y="4875717"/>
-                  <a:pt x="2125371" y="3434659"/>
-                </a:cubicBezTo>
-                <a:cubicBezTo>
-                  <a:pt x="2125371" y="1993601"/>
-                  <a:pt x="2891431" y="731601"/>
-                  <a:pt x="4038243" y="34257"/>
-                </a:cubicBezTo>
-                <a:close/>
-                <a:moveTo>
-                  <a:pt x="0" y="0"/>
-                </a:moveTo>
-                <a:lnTo>
-                  <a:pt x="2636555" y="0"/>
-                </a:lnTo>
-                <a:lnTo>
-                  <a:pt x="2492551" y="151155"/>
-                </a:lnTo>
-                <a:cubicBezTo>
-                  <a:pt x="1706282" y="1016894"/>
-                  <a:pt x="1227064" y="2166941"/>
-                  <a:pt x="1227064" y="3428999"/>
-                </a:cubicBezTo>
-                <a:cubicBezTo>
-                  <a:pt x="1227064" y="4691058"/>
-                  <a:pt x="1706282" y="5841105"/>
-                  <a:pt x="2492551" y="6706843"/>
-                </a:cubicBezTo>
-                <a:lnTo>
-                  <a:pt x="2636557" y="6858000"/>
-                </a:lnTo>
-                <a:lnTo>
-                  <a:pt x="0" y="6858000"/>
-                </a:lnTo>
-                <a:close/>
-              </a:path>
-            </a:pathLst>
-          </a:custGeom>
-          <a:ln w="60325" cmpd="dbl">
-            <a:solidFill>
-              <a:schemeClr val="tx1">
-                <a:alpha val="40000"/>
-              </a:schemeClr>
-            </a:solidFill>
-          </a:ln>
-        </p:spPr>
-      </p:pic>
-      <p:graphicFrame>
-        <p:nvGraphicFramePr>
-          <p:cNvPr id="5" name="Content Placeholder 4" descr="SmartArt graphic">
-            <a:extLst>
-              <a:ext uri="{FF2B5EF4-FFF2-40B4-BE49-F238E27FC236}">
-                <a16:creationId xmlns:a16="http://schemas.microsoft.com/office/drawing/2014/main" id="{21A182E9-AC38-4344-9247-5AB4B8F03A26}"/>
-              </a:ext>
-            </a:extLst>
-          </p:cNvPr>
-          <p:cNvGraphicFramePr>
-            <a:graphicFrameLocks noGrp="1"/>
-          </p:cNvGraphicFramePr>
-          <p:nvPr>
-            <p:ph sz="half" idx="2"/>
-            <p:extLst>
-              <p:ext uri="{D42A27DB-BD31-4B8C-83A1-F6EECF244321}">
-                <p14:modId xmlns:p14="http://schemas.microsoft.com/office/powerpoint/2010/main" val="145221354"/>
-              </p:ext>
-            </p:extLst>
-          </p:nvPr>
-        </p:nvGraphicFramePr>
-        <p:xfrm>
-          <a:off x="2569323" y="2142067"/>
-          <a:ext cx="7390680" cy="3725333"/>
-        </p:xfrm>
-        <a:graphic>
-          <a:graphicData uri="http://schemas.openxmlformats.org/drawingml/2006/diagram">
-            <dgm:relIds xmlns:dgm="http://schemas.openxmlformats.org/drawingml/2006/diagram" xmlns:r="http://schemas.openxmlformats.org/officeDocument/2006/relationships" r:dm="rId4" r:lo="rId5" r:qs="rId6" r:cs="rId7"/>
-          </a:graphicData>
-        </a:graphic>
-      </p:graphicFrame>
-      <p:sp>
-        <p:nvSpPr>
-          <p:cNvPr id="2" name="Title 1">
-            <a:extLst>
-              <a:ext uri="{FF2B5EF4-FFF2-40B4-BE49-F238E27FC236}">
-                <a16:creationId xmlns:a16="http://schemas.microsoft.com/office/drawing/2014/main" id="{144E241E-3110-4B1C-B9B0-F17B90FEEC1D}"/>
-              </a:ext>
-            </a:extLst>
-          </p:cNvPr>
-          <p:cNvSpPr>
-            <a:spLocks noGrp="1"/>
-          </p:cNvSpPr>
-          <p:nvPr>
-            <p:ph type="title"/>
-          </p:nvPr>
-        </p:nvSpPr>
-        <p:spPr>
-          <a:xfrm>
-            <a:off x="2408903" y="787400"/>
-            <a:ext cx="7390680" cy="1278467"/>
-          </a:xfrm>
-        </p:spPr>
-        <p:txBody>
-          <a:bodyPr vert="horz" lIns="91440" tIns="45720" rIns="91440" bIns="45720" rtlCol="0" anchor="ctr">
-            <a:normAutofit/>
-          </a:bodyPr>
-          <a:lstStyle/>
-          <a:p>
-            <a:pPr algn="ctr"/>
-            <a:r>
-              <a:rPr lang="en-US"/>
-              <a:t>Network Technology</a:t>
-            </a:r>
-          </a:p>
-        </p:txBody>
-      </p:sp>
-    </p:spTree>
-    <p:extLst>
-      <p:ext uri="{BB962C8B-B14F-4D97-AF65-F5344CB8AC3E}">
-        <p14:creationId xmlns:p14="http://schemas.microsoft.com/office/powerpoint/2010/main" val="1974828406"/>
-      </p:ext>
-    </p:extLst>
-  </p:cSld>
-  <p:clrMapOvr>
-    <a:masterClrMapping/>
-  </p:clrMapOvr>
-</p:sld>
-</file>
-
-<file path=ppt/slides/slide11.xml><?xml version="1.0" encoding="utf-8"?>
-<p:sld xmlns:a="http://schemas.openxmlformats.org/drawingml/2006/main" xmlns:r="http://schemas.openxmlformats.org/officeDocument/2006/relationships" xmlns:p="http://schemas.openxmlformats.org/presentationml/2006/main">
-  <p:cSld>
-    <p:spTree>
-      <p:nvGrpSpPr>
-        <p:cNvPr id="1" name=""/>
-        <p:cNvGrpSpPr/>
-        <p:nvPr/>
-      </p:nvGrpSpPr>
-      <p:grpSpPr>
-        <a:xfrm>
-          <a:off x="0" y="0"/>
-          <a:ext cx="0" cy="0"/>
-          <a:chOff x="0" y="0"/>
-          <a:chExt cx="0" cy="0"/>
-        </a:xfrm>
-      </p:grpSpPr>
-      <p:pic>
-        <p:nvPicPr>
-          <p:cNvPr id="5" name="Picture 4" descr="light spots">
-            <a:extLst>
-              <a:ext uri="{FF2B5EF4-FFF2-40B4-BE49-F238E27FC236}">
-                <a16:creationId xmlns:a16="http://schemas.microsoft.com/office/drawing/2014/main" id="{20A520D0-11CF-4639-8537-F56A8A2FDCFD}"/>
-              </a:ext>
-            </a:extLst>
-          </p:cNvPr>
-          <p:cNvPicPr>
-            <a:picLocks noChangeAspect="1"/>
-          </p:cNvPicPr>
-          <p:nvPr/>
-        </p:nvPicPr>
-        <p:blipFill rotWithShape="1">
-          <a:blip r:embed="rId3">
-            <a:alphaModFix amt="20000"/>
-            <a:extLst>
-              <a:ext uri="{28A0092B-C50C-407E-A947-70E740481C1C}">
-                <a14:useLocalDpi xmlns:a14="http://schemas.microsoft.com/office/drawing/2010/main"/>
-              </a:ext>
-            </a:extLst>
-          </a:blip>
-          <a:srcRect/>
-          <a:stretch/>
-        </p:blipFill>
-        <p:spPr>
-          <a:xfrm>
-            <a:off x="20" y="10"/>
-            <a:ext cx="12191980" cy="6857990"/>
-          </a:xfrm>
-          <a:prstGeom prst="rect">
-            <a:avLst/>
-          </a:prstGeom>
-        </p:spPr>
-      </p:pic>
-      <p:sp>
-        <p:nvSpPr>
-          <p:cNvPr id="2" name="Title 1">
-            <a:extLst>
-              <a:ext uri="{FF2B5EF4-FFF2-40B4-BE49-F238E27FC236}">
-                <a16:creationId xmlns:a16="http://schemas.microsoft.com/office/drawing/2014/main" id="{D44BCB7C-A6FC-4118-9027-468ECFDE6455}"/>
-              </a:ext>
-            </a:extLst>
-          </p:cNvPr>
-          <p:cNvSpPr>
-            <a:spLocks noGrp="1"/>
-          </p:cNvSpPr>
-          <p:nvPr>
-            <p:ph type="ctrTitle"/>
-          </p:nvPr>
-        </p:nvSpPr>
-        <p:spPr>
-          <a:xfrm>
-            <a:off x="3962399" y="2573867"/>
-            <a:ext cx="7197726" cy="2421464"/>
-          </a:xfrm>
-        </p:spPr>
-        <p:txBody>
-          <a:bodyPr>
-            <a:normAutofit/>
-          </a:bodyPr>
-          <a:lstStyle/>
-          <a:p>
-            <a:r>
-              <a:rPr lang="en-US"/>
-              <a:t>Thank You!</a:t>
-            </a:r>
-          </a:p>
-        </p:txBody>
-      </p:sp>
-      <p:sp>
-        <p:nvSpPr>
-          <p:cNvPr id="3" name="Subtitle 2">
-            <a:extLst>
-              <a:ext uri="{FF2B5EF4-FFF2-40B4-BE49-F238E27FC236}">
-                <a16:creationId xmlns:a16="http://schemas.microsoft.com/office/drawing/2014/main" id="{4B64FA72-B055-4AE3-A6FD-8071BD687CBE}"/>
-              </a:ext>
-            </a:extLst>
-          </p:cNvPr>
-          <p:cNvSpPr>
-            <a:spLocks noGrp="1"/>
-          </p:cNvSpPr>
-          <p:nvPr>
-            <p:ph type="subTitle" idx="1"/>
-          </p:nvPr>
-        </p:nvSpPr>
-        <p:spPr>
-          <a:xfrm>
-            <a:off x="3962399" y="4995332"/>
-            <a:ext cx="7197726" cy="1405467"/>
-          </a:xfrm>
-        </p:spPr>
-        <p:txBody>
-          <a:bodyPr>
-            <a:normAutofit/>
-          </a:bodyPr>
-          <a:lstStyle/>
-          <a:p>
-            <a:r>
-              <a:rPr lang="en-US">
-                <a:solidFill>
-                  <a:schemeClr val="accent1">
-                    <a:lumMod val="40000"/>
-                    <a:lumOff val="60000"/>
-                  </a:schemeClr>
-                </a:solidFill>
-              </a:rPr>
-              <a:t>someone@example.com</a:t>
-            </a:r>
-          </a:p>
-        </p:txBody>
-      </p:sp>
-    </p:spTree>
-    <p:extLst>
-      <p:ext uri="{BB962C8B-B14F-4D97-AF65-F5344CB8AC3E}">
-        <p14:creationId xmlns:p14="http://schemas.microsoft.com/office/powerpoint/2010/main" val="2939930866"/>
       </p:ext>
     </p:extLst>
   </p:cSld>
@@ -25146,6 +24477,15 @@
 <file path=ppt/slides/slide7.xml><?xml version="1.0" encoding="utf-8"?>
 <p:sld xmlns:a="http://schemas.openxmlformats.org/drawingml/2006/main" xmlns:r="http://schemas.openxmlformats.org/officeDocument/2006/relationships" xmlns:p="http://schemas.openxmlformats.org/presentationml/2006/main">
   <p:cSld>
+    <p:bg>
+      <p:bgPr>
+        <a:blipFill>
+          <a:blip r:embed="rId2"/>
+          <a:stretch/>
+        </a:blipFill>
+        <a:effectLst/>
+      </p:bgPr>
+    </p:bg>
     <p:spTree>
       <p:nvGrpSpPr>
         <p:cNvPr id="1" name=""/>
@@ -25176,40 +24516,65 @@
             <p:ph type="title"/>
           </p:nvPr>
         </p:nvSpPr>
-        <p:spPr/>
+        <p:spPr>
+          <a:xfrm>
+            <a:off x="685801" y="609600"/>
+            <a:ext cx="10131425" cy="1456267"/>
+          </a:xfrm>
+        </p:spPr>
         <p:txBody>
-          <a:bodyPr/>
+          <a:bodyPr>
+            <a:normAutofit/>
+          </a:bodyPr>
           <a:lstStyle/>
           <a:p>
-            <a:endParaRPr lang="nl-NL"/>
+            <a:r>
+              <a:rPr lang="nl-NL" dirty="0" err="1">
+                <a:cs typeface="Calibri Light"/>
+              </a:rPr>
+              <a:t>Validatieset</a:t>
+            </a:r>
+            <a:r>
+              <a:rPr lang="nl-NL" dirty="0">
+                <a:cs typeface="Calibri Light"/>
+              </a:rPr>
+              <a:t> demo</a:t>
+            </a:r>
+            <a:endParaRPr lang="nl-NL" dirty="0" err="1"/>
           </a:p>
         </p:txBody>
       </p:sp>
-      <p:sp>
-        <p:nvSpPr>
-          <p:cNvPr id="3" name="Tijdelijke aanduiding voor inhoud 2">
+      <p:graphicFrame>
+        <p:nvGraphicFramePr>
+          <p:cNvPr id="5" name="Tijdelijke aanduiding voor inhoud 2">
             <a:extLst>
               <a:ext uri="{FF2B5EF4-FFF2-40B4-BE49-F238E27FC236}">
-                <a16:creationId xmlns:a16="http://schemas.microsoft.com/office/drawing/2014/main" id="{23D7A941-4899-4DEE-88FC-1529604400FF}"/>
+                <a16:creationId xmlns:a16="http://schemas.microsoft.com/office/drawing/2014/main" id="{6AA93709-A537-4AD4-9A3A-4831B1D85CC7}"/>
               </a:ext>
             </a:extLst>
           </p:cNvPr>
-          <p:cNvSpPr>
-            <a:spLocks noGrp="1"/>
-          </p:cNvSpPr>
+          <p:cNvGraphicFramePr>
+            <a:graphicFrameLocks noGrp="1"/>
+          </p:cNvGraphicFramePr>
           <p:nvPr>
             <p:ph idx="1"/>
+            <p:extLst>
+              <p:ext uri="{D42A27DB-BD31-4B8C-83A1-F6EECF244321}">
+                <p14:modId xmlns:p14="http://schemas.microsoft.com/office/powerpoint/2010/main" val="2398435183"/>
+              </p:ext>
+            </p:extLst>
           </p:nvPr>
-        </p:nvSpPr>
-        <p:spPr/>
-        <p:txBody>
-          <a:bodyPr/>
-          <a:lstStyle/>
-          <a:p>
-            <a:endParaRPr lang="nl-NL"/>
-          </a:p>
-        </p:txBody>
-      </p:sp>
+        </p:nvGraphicFramePr>
+        <p:xfrm>
+          <a:off x="685800" y="2406400"/>
+          <a:ext cx="10131425" cy="3384799"/>
+        </p:xfrm>
+        <a:graphic>
+          <a:graphicData uri="http://schemas.openxmlformats.org/drawingml/2006/diagram">
+            <dgm:relIds xmlns:dgm="http://schemas.openxmlformats.org/drawingml/2006/diagram" xmlns:r="http://schemas.openxmlformats.org/officeDocument/2006/relationships" r:dm="rId3" r:lo="rId4" r:qs="rId5" r:cs="rId6"/>
+          </a:graphicData>
+        </a:graphic>
+      </p:graphicFrame>
     </p:spTree>
     <p:extLst>
       <p:ext uri="{BB962C8B-B14F-4D97-AF65-F5344CB8AC3E}">
@@ -25240,12 +24605,48 @@
           <a:chExt cx="0" cy="0"/>
         </a:xfrm>
       </p:grpSpPr>
+      <p:pic>
+        <p:nvPicPr>
+          <p:cNvPr id="5" name="Picture 4" descr="light spots">
+            <a:extLst>
+              <a:ext uri="{FF2B5EF4-FFF2-40B4-BE49-F238E27FC236}">
+                <a16:creationId xmlns:a16="http://schemas.microsoft.com/office/drawing/2014/main" id="{20A520D0-11CF-4639-8537-F56A8A2FDCFD}"/>
+              </a:ext>
+            </a:extLst>
+          </p:cNvPr>
+          <p:cNvPicPr>
+            <a:picLocks noChangeAspect="1"/>
+          </p:cNvPicPr>
+          <p:nvPr/>
+        </p:nvPicPr>
+        <p:blipFill rotWithShape="1">
+          <a:blip r:embed="rId3">
+            <a:alphaModFix amt="20000"/>
+            <a:extLst>
+              <a:ext uri="{28A0092B-C50C-407E-A947-70E740481C1C}">
+                <a14:useLocalDpi xmlns:a14="http://schemas.microsoft.com/office/drawing/2010/main"/>
+              </a:ext>
+            </a:extLst>
+          </a:blip>
+          <a:srcRect/>
+          <a:stretch/>
+        </p:blipFill>
+        <p:spPr>
+          <a:xfrm>
+            <a:off x="20" y="10"/>
+            <a:ext cx="12191980" cy="6857990"/>
+          </a:xfrm>
+          <a:prstGeom prst="rect">
+            <a:avLst/>
+          </a:prstGeom>
+        </p:spPr>
+      </p:pic>
       <p:sp>
         <p:nvSpPr>
-          <p:cNvPr id="2" name="Titel 1">
+          <p:cNvPr id="2" name="Title 1">
             <a:extLst>
               <a:ext uri="{FF2B5EF4-FFF2-40B4-BE49-F238E27FC236}">
-                <a16:creationId xmlns:a16="http://schemas.microsoft.com/office/drawing/2014/main" id="{8AFF3C31-D384-4076-8A4F-B34AB8FDAE05}"/>
+                <a16:creationId xmlns:a16="http://schemas.microsoft.com/office/drawing/2014/main" id="{D44BCB7C-A6FC-4118-9027-468ECFDE6455}"/>
               </a:ext>
             </a:extLst>
           </p:cNvPr>
@@ -25253,24 +24654,34 @@
             <a:spLocks noGrp="1"/>
           </p:cNvSpPr>
           <p:nvPr>
-            <p:ph type="title"/>
+            <p:ph type="ctrTitle"/>
           </p:nvPr>
         </p:nvSpPr>
-        <p:spPr/>
+        <p:spPr>
+          <a:xfrm>
+            <a:off x="3962399" y="2573867"/>
+            <a:ext cx="7197726" cy="2421464"/>
+          </a:xfrm>
+        </p:spPr>
         <p:txBody>
-          <a:bodyPr/>
+          <a:bodyPr>
+            <a:normAutofit/>
+          </a:bodyPr>
           <a:lstStyle/>
           <a:p>
-            <a:endParaRPr lang="nl-NL"/>
+            <a:r>
+              <a:rPr lang="en-US"/>
+              <a:t>Thank You!</a:t>
+            </a:r>
           </a:p>
         </p:txBody>
       </p:sp>
       <p:sp>
         <p:nvSpPr>
-          <p:cNvPr id="3" name="Tijdelijke aanduiding voor inhoud 2">
+          <p:cNvPr id="3" name="Subtitle 2">
             <a:extLst>
               <a:ext uri="{FF2B5EF4-FFF2-40B4-BE49-F238E27FC236}">
-                <a16:creationId xmlns:a16="http://schemas.microsoft.com/office/drawing/2014/main" id="{23D7A941-4899-4DEE-88FC-1529604400FF}"/>
+                <a16:creationId xmlns:a16="http://schemas.microsoft.com/office/drawing/2014/main" id="{4B64FA72-B055-4AE3-A6FD-8071BD687CBE}"/>
               </a:ext>
             </a:extLst>
           </p:cNvPr>
@@ -25278,102 +24689,160 @@
             <a:spLocks noGrp="1"/>
           </p:cNvSpPr>
           <p:nvPr>
-            <p:ph idx="1"/>
+            <p:ph type="subTitle" idx="1"/>
           </p:nvPr>
         </p:nvSpPr>
-        <p:spPr/>
+        <p:spPr>
+          <a:xfrm>
+            <a:off x="3962399" y="4995332"/>
+            <a:ext cx="7197726" cy="1405467"/>
+          </a:xfrm>
+        </p:spPr>
         <p:txBody>
-          <a:bodyPr/>
+          <a:bodyPr>
+            <a:normAutofit/>
+          </a:bodyPr>
           <a:lstStyle/>
           <a:p>
-            <a:endParaRPr lang="nl-NL"/>
+            <a:r>
+              <a:rPr lang="en-US" dirty="0" err="1">
+                <a:solidFill>
+                  <a:schemeClr val="accent1">
+                    <a:lumMod val="40000"/>
+                    <a:lumOff val="60000"/>
+                  </a:schemeClr>
+                </a:solidFill>
+                <a:cs typeface="Calibri"/>
+              </a:rPr>
+              <a:t>Kritiek</a:t>
+            </a:r>
+            <a:r>
+              <a:rPr lang="en-US" dirty="0">
+                <a:solidFill>
+                  <a:schemeClr val="accent1">
+                    <a:lumMod val="40000"/>
+                    <a:lumOff val="60000"/>
+                  </a:schemeClr>
+                </a:solidFill>
+                <a:cs typeface="Calibri"/>
+              </a:rPr>
+              <a:t>, </a:t>
+            </a:r>
+            <a:r>
+              <a:rPr lang="en-US" dirty="0" err="1">
+                <a:solidFill>
+                  <a:schemeClr val="accent1">
+                    <a:lumMod val="40000"/>
+                    <a:lumOff val="60000"/>
+                  </a:schemeClr>
+                </a:solidFill>
+                <a:cs typeface="Calibri"/>
+              </a:rPr>
+              <a:t>advies</a:t>
+            </a:r>
+            <a:r>
+              <a:rPr lang="en-US" dirty="0">
+                <a:solidFill>
+                  <a:schemeClr val="accent1">
+                    <a:lumMod val="40000"/>
+                    <a:lumOff val="60000"/>
+                  </a:schemeClr>
+                </a:solidFill>
+                <a:cs typeface="Calibri"/>
+              </a:rPr>
+              <a:t> en </a:t>
+            </a:r>
+            <a:r>
+              <a:rPr lang="en-US" dirty="0" err="1">
+                <a:solidFill>
+                  <a:schemeClr val="accent1">
+                    <a:lumMod val="40000"/>
+                    <a:lumOff val="60000"/>
+                  </a:schemeClr>
+                </a:solidFill>
+                <a:cs typeface="Calibri"/>
+              </a:rPr>
+              <a:t>complimenten</a:t>
+            </a:r>
+            <a:r>
+              <a:rPr lang="en-US" dirty="0">
+                <a:solidFill>
+                  <a:schemeClr val="accent1">
+                    <a:lumMod val="40000"/>
+                    <a:lumOff val="60000"/>
+                  </a:schemeClr>
+                </a:solidFill>
+                <a:cs typeface="Calibri"/>
+              </a:rPr>
+              <a:t> </a:t>
+            </a:r>
+            <a:r>
+              <a:rPr lang="en-US" dirty="0" err="1">
+                <a:solidFill>
+                  <a:schemeClr val="accent1">
+                    <a:lumMod val="40000"/>
+                    <a:lumOff val="60000"/>
+                  </a:schemeClr>
+                </a:solidFill>
+                <a:cs typeface="Calibri"/>
+              </a:rPr>
+              <a:t>zijn</a:t>
+            </a:r>
+            <a:r>
+              <a:rPr lang="en-US" dirty="0">
+                <a:solidFill>
+                  <a:schemeClr val="accent1">
+                    <a:lumMod val="40000"/>
+                    <a:lumOff val="60000"/>
+                  </a:schemeClr>
+                </a:solidFill>
+                <a:cs typeface="Calibri"/>
+              </a:rPr>
+              <a:t> </a:t>
+            </a:r>
+            <a:r>
+              <a:rPr lang="en-US" dirty="0" err="1">
+                <a:solidFill>
+                  <a:schemeClr val="accent1">
+                    <a:lumMod val="40000"/>
+                    <a:lumOff val="60000"/>
+                  </a:schemeClr>
+                </a:solidFill>
+                <a:cs typeface="Calibri"/>
+              </a:rPr>
+              <a:t>altijd</a:t>
+            </a:r>
+            <a:r>
+              <a:rPr lang="en-US" dirty="0">
+                <a:solidFill>
+                  <a:schemeClr val="accent1">
+                    <a:lumMod val="40000"/>
+                    <a:lumOff val="60000"/>
+                  </a:schemeClr>
+                </a:solidFill>
+                <a:cs typeface="Calibri"/>
+              </a:rPr>
+              <a:t> </a:t>
+            </a:r>
+            <a:r>
+              <a:rPr lang="en-US" dirty="0" err="1">
+                <a:solidFill>
+                  <a:schemeClr val="accent1">
+                    <a:lumMod val="40000"/>
+                    <a:lumOff val="60000"/>
+                  </a:schemeClr>
+                </a:solidFill>
+                <a:cs typeface="Calibri"/>
+              </a:rPr>
+              <a:t>welkom</a:t>
+            </a:r>
           </a:p>
         </p:txBody>
       </p:sp>
     </p:spTree>
     <p:extLst>
       <p:ext uri="{BB962C8B-B14F-4D97-AF65-F5344CB8AC3E}">
-        <p14:creationId xmlns:p14="http://schemas.microsoft.com/office/powerpoint/2010/main" val="2140616960"/>
-      </p:ext>
-    </p:extLst>
-  </p:cSld>
-  <p:clrMapOvr>
-    <a:masterClrMapping/>
-  </p:clrMapOvr>
-</p:sld>
-</file>
-
-<file path=ppt/slides/slide9.xml><?xml version="1.0" encoding="utf-8"?>
-<p:sld xmlns:a="http://schemas.openxmlformats.org/drawingml/2006/main" xmlns:r="http://schemas.openxmlformats.org/officeDocument/2006/relationships" xmlns:p="http://schemas.openxmlformats.org/presentationml/2006/main">
-  <p:cSld>
-    <p:spTree>
-      <p:nvGrpSpPr>
-        <p:cNvPr id="1" name=""/>
-        <p:cNvGrpSpPr/>
-        <p:nvPr/>
-      </p:nvGrpSpPr>
-      <p:grpSpPr>
-        <a:xfrm>
-          <a:off x="0" y="0"/>
-          <a:ext cx="0" cy="0"/>
-          <a:chOff x="0" y="0"/>
-          <a:chExt cx="0" cy="0"/>
-        </a:xfrm>
-      </p:grpSpPr>
-      <p:sp>
-        <p:nvSpPr>
-          <p:cNvPr id="2" name="Titel 1">
-            <a:extLst>
-              <a:ext uri="{FF2B5EF4-FFF2-40B4-BE49-F238E27FC236}">
-                <a16:creationId xmlns:a16="http://schemas.microsoft.com/office/drawing/2014/main" id="{8AFF3C31-D384-4076-8A4F-B34AB8FDAE05}"/>
-              </a:ext>
-            </a:extLst>
-          </p:cNvPr>
-          <p:cNvSpPr>
-            <a:spLocks noGrp="1"/>
-          </p:cNvSpPr>
-          <p:nvPr>
-            <p:ph type="title"/>
-          </p:nvPr>
-        </p:nvSpPr>
-        <p:spPr/>
-        <p:txBody>
-          <a:bodyPr/>
-          <a:lstStyle/>
-          <a:p>
-            <a:endParaRPr lang="nl-NL"/>
-          </a:p>
-        </p:txBody>
-      </p:sp>
-      <p:sp>
-        <p:nvSpPr>
-          <p:cNvPr id="3" name="Tijdelijke aanduiding voor inhoud 2">
-            <a:extLst>
-              <a:ext uri="{FF2B5EF4-FFF2-40B4-BE49-F238E27FC236}">
-                <a16:creationId xmlns:a16="http://schemas.microsoft.com/office/drawing/2014/main" id="{23D7A941-4899-4DEE-88FC-1529604400FF}"/>
-              </a:ext>
-            </a:extLst>
-          </p:cNvPr>
-          <p:cNvSpPr>
-            <a:spLocks noGrp="1"/>
-          </p:cNvSpPr>
-          <p:nvPr>
-            <p:ph idx="1"/>
-          </p:nvPr>
-        </p:nvSpPr>
-        <p:spPr/>
-        <p:txBody>
-          <a:bodyPr/>
-          <a:lstStyle/>
-          <a:p>
-            <a:endParaRPr lang="nl-NL"/>
-          </a:p>
-        </p:txBody>
-      </p:sp>
-    </p:spTree>
-    <p:extLst>
-      <p:ext uri="{BB962C8B-B14F-4D97-AF65-F5344CB8AC3E}">
-        <p14:creationId xmlns:p14="http://schemas.microsoft.com/office/powerpoint/2010/main" val="2634593982"/>
+        <p14:creationId xmlns:p14="http://schemas.microsoft.com/office/powerpoint/2010/main" val="2939930866"/>
       </p:ext>
     </p:extLst>
   </p:cSld>
@@ -26223,6 +25692,15 @@
 </file>
 
 <file path=customXml/item1.xml><?xml version="1.0" encoding="utf-8"?>
+<p:properties xmlns:p="http://schemas.microsoft.com/office/2006/metadata/properties" xmlns:xsi="http://www.w3.org/2001/XMLSchema-instance" xmlns:pc="http://schemas.microsoft.com/office/infopath/2007/PartnerControls">
+  <documentManagement>
+    <Status xmlns="71af3243-3dd4-4a8d-8c0d-dd76da1f02a5">Not started</Status>
+    <MediaServiceKeyPoints xmlns="71af3243-3dd4-4a8d-8c0d-dd76da1f02a5" xsi:nil="true"/>
+  </documentManagement>
+</p:properties>
+</file>
+
+<file path=customXml/item2.xml><?xml version="1.0" encoding="utf-8"?>
 <ct:contentTypeSchema xmlns:ct="http://schemas.microsoft.com/office/2006/metadata/contentType" xmlns:ma="http://schemas.microsoft.com/office/2006/metadata/properties/metaAttributes" ct:_="" ma:_="" ma:contentTypeName="Document" ma:contentTypeID="0x01010079F111ED35F8CC479449609E8A0923A6" ma:contentTypeVersion="12" ma:contentTypeDescription="Create a new document." ma:contentTypeScope="" ma:versionID="93813dd7ca6ad654711aa0ab317e03a3">
   <xsd:schema xmlns:xsd="http://www.w3.org/2001/XMLSchema" xmlns:xs="http://www.w3.org/2001/XMLSchema" xmlns:p="http://schemas.microsoft.com/office/2006/metadata/properties" xmlns:ns2="71af3243-3dd4-4a8d-8c0d-dd76da1f02a5" xmlns:ns3="16c05727-aa75-4e4a-9b5f-8a80a1165891" targetNamespace="http://schemas.microsoft.com/office/2006/metadata/properties" ma:root="true" ma:fieldsID="f11dc0ce689dd3925e84e4e35398c6e7" ns2:_="" ns3:_="">
     <xsd:import namespace="71af3243-3dd4-4a8d-8c0d-dd76da1f02a5"/>
@@ -26443,15 +25921,6 @@
 </ct:contentTypeSchema>
 </file>
 
-<file path=customXml/item2.xml><?xml version="1.0" encoding="utf-8"?>
-<p:properties xmlns:p="http://schemas.microsoft.com/office/2006/metadata/properties" xmlns:xsi="http://www.w3.org/2001/XMLSchema-instance" xmlns:pc="http://schemas.microsoft.com/office/infopath/2007/PartnerControls">
-  <documentManagement>
-    <Status xmlns="71af3243-3dd4-4a8d-8c0d-dd76da1f02a5">Not started</Status>
-    <MediaServiceKeyPoints xmlns="71af3243-3dd4-4a8d-8c0d-dd76da1f02a5" xsi:nil="true"/>
-  </documentManagement>
-</p:properties>
-</file>
-
 <file path=customXml/item3.xml><?xml version="1.0" encoding="utf-8"?>
 <?mso-contentType ?>
 <FormTemplates xmlns="http://schemas.microsoft.com/sharepoint/v3/contenttype/forms">
@@ -26462,6 +25931,16 @@
 </file>
 
 <file path=customXml/itemProps1.xml><?xml version="1.0" encoding="utf-8"?>
+<ds:datastoreItem xmlns:ds="http://schemas.openxmlformats.org/officeDocument/2006/customXml" ds:itemID="{ED5B2D66-8E18-46D7-967B-1A3B48ACF553}">
+  <ds:schemaRefs>
+    <ds:schemaRef ds:uri="71af3243-3dd4-4a8d-8c0d-dd76da1f02a5"/>
+    <ds:schemaRef ds:uri="http://schemas.microsoft.com/office/2006/metadata/properties"/>
+    <ds:schemaRef ds:uri="http://schemas.microsoft.com/office/infopath/2007/PartnerControls"/>
+  </ds:schemaRefs>
+</ds:datastoreItem>
+</file>
+
+<file path=customXml/itemProps2.xml><?xml version="1.0" encoding="utf-8"?>
 <ds:datastoreItem xmlns:ds="http://schemas.openxmlformats.org/officeDocument/2006/customXml" ds:itemID="{F066D2AD-45B3-4580-A691-E5968F9B53A6}">
   <ds:schemaRefs>
     <ds:schemaRef ds:uri="16c05727-aa75-4e4a-9b5f-8a80a1165891"/>
@@ -26480,16 +25959,6 @@
 </ds:datastoreItem>
 </file>
 
-<file path=customXml/itemProps2.xml><?xml version="1.0" encoding="utf-8"?>
-<ds:datastoreItem xmlns:ds="http://schemas.openxmlformats.org/officeDocument/2006/customXml" ds:itemID="{ED5B2D66-8E18-46D7-967B-1A3B48ACF553}">
-  <ds:schemaRefs>
-    <ds:schemaRef ds:uri="71af3243-3dd4-4a8d-8c0d-dd76da1f02a5"/>
-    <ds:schemaRef ds:uri="http://schemas.microsoft.com/office/2006/metadata/properties"/>
-    <ds:schemaRef ds:uri="http://schemas.microsoft.com/office/infopath/2007/PartnerControls"/>
-  </ds:schemaRefs>
-</ds:datastoreItem>
-</file>
-
 <file path=customXml/itemProps3.xml><?xml version="1.0" encoding="utf-8"?>
 <ds:datastoreItem xmlns:ds="http://schemas.openxmlformats.org/officeDocument/2006/customXml" ds:itemID="{6BFE41CA-01C7-4999-9BC7-050FDE7EAF1F}">
   <ds:schemaRefs>
